--- a/presentations/City Microclimate and Traffic Analysis__v2.pptx
+++ b/presentations/City Microclimate and Traffic Analysis__v2.pptx
@@ -5,7 +5,7 @@
     <p:sldMasterId id="2147483660" r:id="rId1"/>
   </p:sldMasterIdLst>
   <p:notesMasterIdLst>
-    <p:notesMasterId r:id="rId12"/>
+    <p:notesMasterId r:id="rId14"/>
   </p:notesMasterIdLst>
   <p:sldIdLst>
     <p:sldId id="256" r:id="rId2"/>
@@ -13,11 +13,13 @@
     <p:sldId id="267" r:id="rId4"/>
     <p:sldId id="266" r:id="rId5"/>
     <p:sldId id="272" r:id="rId6"/>
-    <p:sldId id="268" r:id="rId7"/>
+    <p:sldId id="275" r:id="rId7"/>
     <p:sldId id="262" r:id="rId8"/>
     <p:sldId id="270" r:id="rId9"/>
     <p:sldId id="273" r:id="rId10"/>
     <p:sldId id="269" r:id="rId11"/>
+    <p:sldId id="274" r:id="rId12"/>
+    <p:sldId id="271" r:id="rId13"/>
   </p:sldIdLst>
   <p:sldSz cx="12192000" cy="6858000"/>
   <p:notesSz cx="6858000" cy="9144000"/>
@@ -127,7 +129,7 @@
 <file path=ppt/revisionInfo.xml><?xml version="1.0" encoding="utf-8"?>
 <p1510:revInfo xmlns:a="http://schemas.openxmlformats.org/drawingml/2006/main" xmlns:r="http://schemas.openxmlformats.org/officeDocument/2006/relationships" xmlns:p1510="http://schemas.microsoft.com/office/powerpoint/2015/10/main">
   <p1510:revLst>
-    <p1510:client id="{46AFDC97-0FC2-49F7-A869-0D570CCE983D}" v="247" dt="2024-12-02T16:22:17.461"/>
+    <p1510:client id="{46AFDC97-0FC2-49F7-A869-0D570CCE983D}" v="1039" dt="2024-12-04T22:53:31.493"/>
   </p1510:revLst>
 </p1510:revInfo>
 </file>
@@ -136,19 +138,19 @@
 <pc:chgInfo xmlns:a="http://schemas.openxmlformats.org/drawingml/2006/main" xmlns:r="http://schemas.openxmlformats.org/officeDocument/2006/relationships" xmlns:ac="http://schemas.microsoft.com/office/drawing/2013/main/command" xmlns:pc="http://schemas.microsoft.com/office/powerpoint/2013/main/command">
   <pc:docChgLst>
     <pc:chgData name="ariadne fyrogeni" userId="f6540a3b75c6dbac" providerId="LiveId" clId="{46AFDC97-0FC2-49F7-A869-0D570CCE983D}"/>
-    <pc:docChg chg="undo custSel addSld delSld modSld sldOrd modShowInfo">
-      <pc:chgData name="ariadne fyrogeni" userId="f6540a3b75c6dbac" providerId="LiveId" clId="{46AFDC97-0FC2-49F7-A869-0D570CCE983D}" dt="2024-12-02T16:30:26.064" v="2625" actId="1076"/>
+    <pc:docChg chg="undo redo custSel addSld delSld modSld sldOrd modShowInfo">
+      <pc:chgData name="ariadne fyrogeni" userId="f6540a3b75c6dbac" providerId="LiveId" clId="{46AFDC97-0FC2-49F7-A869-0D570CCE983D}" dt="2024-12-05T12:28:37.385" v="3744" actId="1076"/>
       <pc:docMkLst>
         <pc:docMk/>
       </pc:docMkLst>
-      <pc:sldChg chg="addSp modSp mod">
-        <pc:chgData name="ariadne fyrogeni" userId="f6540a3b75c6dbac" providerId="LiveId" clId="{46AFDC97-0FC2-49F7-A869-0D570CCE983D}" dt="2024-11-28T14:34:04.283" v="1478" actId="207"/>
+      <pc:sldChg chg="addSp delSp modSp mod modTransition setBg">
+        <pc:chgData name="ariadne fyrogeni" userId="f6540a3b75c6dbac" providerId="LiveId" clId="{46AFDC97-0FC2-49F7-A869-0D570CCE983D}" dt="2024-12-04T22:50:39.712" v="3715"/>
         <pc:sldMkLst>
           <pc:docMk/>
           <pc:sldMk cId="1737719326" sldId="256"/>
         </pc:sldMkLst>
         <pc:spChg chg="mod">
-          <ac:chgData name="ariadne fyrogeni" userId="f6540a3b75c6dbac" providerId="LiveId" clId="{46AFDC97-0FC2-49F7-A869-0D570CCE983D}" dt="2024-11-28T14:31:56.939" v="1471"/>
+          <ac:chgData name="ariadne fyrogeni" userId="f6540a3b75c6dbac" providerId="LiveId" clId="{46AFDC97-0FC2-49F7-A869-0D570CCE983D}" dt="2024-12-04T22:50:39.712" v="3715"/>
           <ac:spMkLst>
             <pc:docMk/>
             <pc:sldMk cId="1737719326" sldId="256"/>
@@ -156,15 +158,15 @@
           </ac:spMkLst>
         </pc:spChg>
         <pc:spChg chg="mod">
-          <ac:chgData name="ariadne fyrogeni" userId="f6540a3b75c6dbac" providerId="LiveId" clId="{46AFDC97-0FC2-49F7-A869-0D570CCE983D}" dt="2024-11-28T14:31:56.939" v="1471"/>
+          <ac:chgData name="ariadne fyrogeni" userId="f6540a3b75c6dbac" providerId="LiveId" clId="{46AFDC97-0FC2-49F7-A869-0D570CCE983D}" dt="2024-12-04T22:50:39.712" v="3715"/>
           <ac:spMkLst>
             <pc:docMk/>
             <pc:sldMk cId="1737719326" sldId="256"/>
             <ac:spMk id="3" creationId="{C531B9E3-B7CC-83D5-2516-C8A03FF9AEB0}"/>
           </ac:spMkLst>
         </pc:spChg>
-        <pc:spChg chg="add mod ord">
-          <ac:chgData name="ariadne fyrogeni" userId="f6540a3b75c6dbac" providerId="LiveId" clId="{46AFDC97-0FC2-49F7-A869-0D570CCE983D}" dt="2024-11-28T14:34:04.283" v="1478" actId="207"/>
+        <pc:spChg chg="add del mod ord">
+          <ac:chgData name="ariadne fyrogeni" userId="f6540a3b75c6dbac" providerId="LiveId" clId="{46AFDC97-0FC2-49F7-A869-0D570CCE983D}" dt="2024-12-03T12:40:56.001" v="2678" actId="478"/>
           <ac:spMkLst>
             <pc:docMk/>
             <pc:sldMk cId="1737719326" sldId="256"/>
@@ -179,8 +181,8 @@
           <pc:sldMk cId="3773284589" sldId="257"/>
         </pc:sldMkLst>
       </pc:sldChg>
-      <pc:sldChg chg="addSp delSp modSp add mod">
-        <pc:chgData name="ariadne fyrogeni" userId="f6540a3b75c6dbac" providerId="LiveId" clId="{46AFDC97-0FC2-49F7-A869-0D570CCE983D}" dt="2024-12-02T15:05:46.787" v="2351" actId="1076"/>
+      <pc:sldChg chg="addSp delSp modSp add mod modTransition">
+        <pc:chgData name="ariadne fyrogeni" userId="f6540a3b75c6dbac" providerId="LiveId" clId="{46AFDC97-0FC2-49F7-A869-0D570CCE983D}" dt="2024-12-04T22:52:58.235" v="3723" actId="14861"/>
         <pc:sldMkLst>
           <pc:docMk/>
           <pc:sldMk cId="1367568715" sldId="262"/>
@@ -210,7 +212,7 @@
           </ac:spMkLst>
         </pc:spChg>
         <pc:graphicFrameChg chg="add mod modGraphic">
-          <ac:chgData name="ariadne fyrogeni" userId="f6540a3b75c6dbac" providerId="LiveId" clId="{46AFDC97-0FC2-49F7-A869-0D570CCE983D}" dt="2024-12-02T15:05:36.128" v="2350" actId="20577"/>
+          <ac:chgData name="ariadne fyrogeni" userId="f6540a3b75c6dbac" providerId="LiveId" clId="{46AFDC97-0FC2-49F7-A869-0D570CCE983D}" dt="2024-12-04T22:52:58.235" v="3723" actId="14861"/>
           <ac:graphicFrameMkLst>
             <pc:docMk/>
             <pc:sldMk cId="1367568715" sldId="262"/>
@@ -218,7 +220,7 @@
           </ac:graphicFrameMkLst>
         </pc:graphicFrameChg>
         <pc:picChg chg="add mod">
-          <ac:chgData name="ariadne fyrogeni" userId="f6540a3b75c6dbac" providerId="LiveId" clId="{46AFDC97-0FC2-49F7-A869-0D570CCE983D}" dt="2024-12-02T14:58:58.822" v="2291" actId="1076"/>
+          <ac:chgData name="ariadne fyrogeni" userId="f6540a3b75c6dbac" providerId="LiveId" clId="{46AFDC97-0FC2-49F7-A869-0D570CCE983D}" dt="2024-12-03T15:06:02.377" v="2703" actId="1076"/>
           <ac:picMkLst>
             <pc:docMk/>
             <pc:sldMk cId="1367568715" sldId="262"/>
@@ -234,7 +236,7 @@
           </ac:picMkLst>
         </pc:picChg>
         <pc:picChg chg="add mod modCrop">
-          <ac:chgData name="ariadne fyrogeni" userId="f6540a3b75c6dbac" providerId="LiveId" clId="{46AFDC97-0FC2-49F7-A869-0D570CCE983D}" dt="2024-12-02T14:58:53.148" v="2289" actId="1076"/>
+          <ac:chgData name="ariadne fyrogeni" userId="f6540a3b75c6dbac" providerId="LiveId" clId="{46AFDC97-0FC2-49F7-A869-0D570CCE983D}" dt="2024-12-03T15:04:21.549" v="2698" actId="1076"/>
           <ac:picMkLst>
             <pc:docMk/>
             <pc:sldMk cId="1367568715" sldId="262"/>
@@ -242,7 +244,7 @@
           </ac:picMkLst>
         </pc:picChg>
         <pc:picChg chg="add mod">
-          <ac:chgData name="ariadne fyrogeni" userId="f6540a3b75c6dbac" providerId="LiveId" clId="{46AFDC97-0FC2-49F7-A869-0D570CCE983D}" dt="2024-12-02T14:58:40.229" v="2286" actId="1076"/>
+          <ac:chgData name="ariadne fyrogeni" userId="f6540a3b75c6dbac" providerId="LiveId" clId="{46AFDC97-0FC2-49F7-A869-0D570CCE983D}" dt="2024-12-03T15:05:33.203" v="2701" actId="1076"/>
           <ac:picMkLst>
             <pc:docMk/>
             <pc:sldMk cId="1367568715" sldId="262"/>
@@ -250,7 +252,7 @@
           </ac:picMkLst>
         </pc:picChg>
         <pc:picChg chg="add mod">
-          <ac:chgData name="ariadne fyrogeni" userId="f6540a3b75c6dbac" providerId="LiveId" clId="{46AFDC97-0FC2-49F7-A869-0D570CCE983D}" dt="2024-12-02T15:05:46.787" v="2351" actId="1076"/>
+          <ac:chgData name="ariadne fyrogeni" userId="f6540a3b75c6dbac" providerId="LiveId" clId="{46AFDC97-0FC2-49F7-A869-0D570CCE983D}" dt="2024-12-03T15:05:48.248" v="2702" actId="1076"/>
           <ac:picMkLst>
             <pc:docMk/>
             <pc:sldMk cId="1367568715" sldId="262"/>
@@ -258,7 +260,7 @@
           </ac:picMkLst>
         </pc:picChg>
         <pc:picChg chg="add mod">
-          <ac:chgData name="ariadne fyrogeni" userId="f6540a3b75c6dbac" providerId="LiveId" clId="{46AFDC97-0FC2-49F7-A869-0D570CCE983D}" dt="2024-12-02T14:58:20.628" v="2283" actId="1076"/>
+          <ac:chgData name="ariadne fyrogeni" userId="f6540a3b75c6dbac" providerId="LiveId" clId="{46AFDC97-0FC2-49F7-A869-0D570CCE983D}" dt="2024-12-03T15:05:11.746" v="2700" actId="1076"/>
           <ac:picMkLst>
             <pc:docMk/>
             <pc:sldMk cId="1367568715" sldId="262"/>
@@ -274,7 +276,7 @@
           </ac:picMkLst>
         </pc:picChg>
         <pc:picChg chg="add mod">
-          <ac:chgData name="ariadne fyrogeni" userId="f6540a3b75c6dbac" providerId="LiveId" clId="{46AFDC97-0FC2-49F7-A869-0D570CCE983D}" dt="2024-12-02T14:58:17.633" v="2282" actId="1076"/>
+          <ac:chgData name="ariadne fyrogeni" userId="f6540a3b75c6dbac" providerId="LiveId" clId="{46AFDC97-0FC2-49F7-A869-0D570CCE983D}" dt="2024-12-03T15:04:57.429" v="2699" actId="1076"/>
           <ac:picMkLst>
             <pc:docMk/>
             <pc:sldMk cId="1367568715" sldId="262"/>
@@ -290,14 +292,14 @@
           </ac:picMkLst>
         </pc:picChg>
       </pc:sldChg>
-      <pc:sldChg chg="addSp delSp modSp add mod ord setBg">
-        <pc:chgData name="ariadne fyrogeni" userId="f6540a3b75c6dbac" providerId="LiveId" clId="{46AFDC97-0FC2-49F7-A869-0D570CCE983D}" dt="2024-11-28T14:39:08.503" v="1512"/>
+      <pc:sldChg chg="addSp delSp modSp add mod ord modTransition setBg">
+        <pc:chgData name="ariadne fyrogeni" userId="f6540a3b75c6dbac" providerId="LiveId" clId="{46AFDC97-0FC2-49F7-A869-0D570CCE983D}" dt="2024-12-04T22:53:31.493" v="3725" actId="14861"/>
         <pc:sldMkLst>
           <pc:docMk/>
           <pc:sldMk cId="92248216" sldId="263"/>
         </pc:sldMkLst>
         <pc:spChg chg="mod">
-          <ac:chgData name="ariadne fyrogeni" userId="f6540a3b75c6dbac" providerId="LiveId" clId="{46AFDC97-0FC2-49F7-A869-0D570CCE983D}" dt="2024-11-28T14:37:09.111" v="1504" actId="26606"/>
+          <ac:chgData name="ariadne fyrogeni" userId="f6540a3b75c6dbac" providerId="LiveId" clId="{46AFDC97-0FC2-49F7-A869-0D570CCE983D}" dt="2024-12-04T22:12:42.371" v="3129" actId="1076"/>
           <ac:spMkLst>
             <pc:docMk/>
             <pc:sldMk cId="92248216" sldId="263"/>
@@ -312,8 +314,8 @@
             <ac:spMk id="3" creationId="{42FC9802-568A-D71F-DB0D-3771BB1B50C3}"/>
           </ac:spMkLst>
         </pc:spChg>
-        <pc:graphicFrameChg chg="add">
-          <ac:chgData name="ariadne fyrogeni" userId="f6540a3b75c6dbac" providerId="LiveId" clId="{46AFDC97-0FC2-49F7-A869-0D570CCE983D}" dt="2024-11-28T14:37:09.111" v="1504" actId="26606"/>
+        <pc:graphicFrameChg chg="add mod modGraphic">
+          <ac:chgData name="ariadne fyrogeni" userId="f6540a3b75c6dbac" providerId="LiveId" clId="{46AFDC97-0FC2-49F7-A869-0D570CCE983D}" dt="2024-12-04T22:53:31.493" v="3725" actId="14861"/>
           <ac:graphicFrameMkLst>
             <pc:docMk/>
             <pc:sldMk cId="92248216" sldId="263"/>
@@ -321,8 +323,8 @@
           </ac:graphicFrameMkLst>
         </pc:graphicFrameChg>
       </pc:sldChg>
-      <pc:sldChg chg="addSp delSp modSp mod">
-        <pc:chgData name="ariadne fyrogeni" userId="f6540a3b75c6dbac" providerId="LiveId" clId="{46AFDC97-0FC2-49F7-A869-0D570CCE983D}" dt="2024-11-29T13:36:25.683" v="1988" actId="1076"/>
+      <pc:sldChg chg="addSp delSp modSp mod modTransition setBg">
+        <pc:chgData name="ariadne fyrogeni" userId="f6540a3b75c6dbac" providerId="LiveId" clId="{46AFDC97-0FC2-49F7-A869-0D570CCE983D}" dt="2024-12-04T22:53:18.605" v="3724" actId="14861"/>
         <pc:sldMkLst>
           <pc:docMk/>
           <pc:sldMk cId="1581428854" sldId="266"/>
@@ -383,6 +385,14 @@
             <ac:spMk id="20" creationId="{9AF45FE0-EBF2-6F76-1305-853A311080C4}"/>
           </ac:spMkLst>
         </pc:spChg>
+        <pc:grpChg chg="mod">
+          <ac:chgData name="ariadne fyrogeni" userId="f6540a3b75c6dbac" providerId="LiveId" clId="{46AFDC97-0FC2-49F7-A869-0D570CCE983D}" dt="2024-12-04T22:53:18.605" v="3724" actId="14861"/>
+          <ac:grpSpMkLst>
+            <pc:docMk/>
+            <pc:sldMk cId="1581428854" sldId="266"/>
+            <ac:grpSpMk id="179" creationId="{76B1B502-F6AC-5ECA-FD21-07D556F3A3C8}"/>
+          </ac:grpSpMkLst>
+        </pc:grpChg>
         <pc:cxnChg chg="add del mod">
           <ac:chgData name="ariadne fyrogeni" userId="f6540a3b75c6dbac" providerId="LiveId" clId="{46AFDC97-0FC2-49F7-A869-0D570CCE983D}" dt="2024-11-29T13:36:18.375" v="1987" actId="478"/>
           <ac:cxnSpMkLst>
@@ -408,8 +418,8 @@
           </ac:cxnSpMkLst>
         </pc:cxnChg>
       </pc:sldChg>
-      <pc:sldChg chg="addSp delSp modSp new mod modClrScheme chgLayout modNotesTx">
-        <pc:chgData name="ariadne fyrogeni" userId="f6540a3b75c6dbac" providerId="LiveId" clId="{46AFDC97-0FC2-49F7-A869-0D570CCE983D}" dt="2024-12-02T14:50:45.006" v="2203" actId="20577"/>
+      <pc:sldChg chg="addSp delSp modSp new mod modTransition modClrScheme chgLayout modNotesTx">
+        <pc:chgData name="ariadne fyrogeni" userId="f6540a3b75c6dbac" providerId="LiveId" clId="{46AFDC97-0FC2-49F7-A869-0D570CCE983D}" dt="2024-12-04T14:37:57.712" v="2715" actId="20577"/>
         <pc:sldMkLst>
           <pc:docMk/>
           <pc:sldMk cId="1496295758" sldId="267"/>
@@ -471,7 +481,7 @@
           </ac:spMkLst>
         </pc:spChg>
         <pc:spChg chg="add mod">
-          <ac:chgData name="ariadne fyrogeni" userId="f6540a3b75c6dbac" providerId="LiveId" clId="{46AFDC97-0FC2-49F7-A869-0D570CCE983D}" dt="2024-12-02T14:50:23.183" v="2193" actId="20577"/>
+          <ac:chgData name="ariadne fyrogeni" userId="f6540a3b75c6dbac" providerId="LiveId" clId="{46AFDC97-0FC2-49F7-A869-0D570CCE983D}" dt="2024-12-04T14:37:57.712" v="2715" actId="20577"/>
           <ac:spMkLst>
             <pc:docMk/>
             <pc:sldMk cId="1496295758" sldId="267"/>
@@ -583,8 +593,8 @@
           </ac:cxnSpMkLst>
         </pc:cxnChg>
       </pc:sldChg>
-      <pc:sldChg chg="addSp delSp modSp new mod ord modClrScheme chgLayout">
-        <pc:chgData name="ariadne fyrogeni" userId="f6540a3b75c6dbac" providerId="LiveId" clId="{46AFDC97-0FC2-49F7-A869-0D570CCE983D}" dt="2024-11-29T16:07:28.826" v="2047" actId="207"/>
+      <pc:sldChg chg="addSp delSp modSp new del mod ord modTransition modClrScheme chgLayout">
+        <pc:chgData name="ariadne fyrogeni" userId="f6540a3b75c6dbac" providerId="LiveId" clId="{46AFDC97-0FC2-49F7-A869-0D570CCE983D}" dt="2024-12-04T22:48:13.875" v="3712" actId="2696"/>
         <pc:sldMkLst>
           <pc:docMk/>
           <pc:sldMk cId="2375681751" sldId="268"/>
@@ -734,7 +744,7 @@
           </ac:spMkLst>
         </pc:spChg>
         <pc:spChg chg="add mod">
-          <ac:chgData name="ariadne fyrogeni" userId="f6540a3b75c6dbac" providerId="LiveId" clId="{46AFDC97-0FC2-49F7-A869-0D570CCE983D}" dt="2024-11-28T15:35:09.249" v="1959" actId="14100"/>
+          <ac:chgData name="ariadne fyrogeni" userId="f6540a3b75c6dbac" providerId="LiveId" clId="{46AFDC97-0FC2-49F7-A869-0D570CCE983D}" dt="2024-12-04T22:41:25.289" v="3580" actId="14100"/>
           <ac:spMkLst>
             <pc:docMk/>
             <pc:sldMk cId="2375681751" sldId="268"/>
@@ -797,28 +807,84 @@
           </ac:spMkLst>
         </pc:spChg>
       </pc:sldChg>
-      <pc:sldChg chg="modSp new mod ord">
-        <pc:chgData name="ariadne fyrogeni" userId="f6540a3b75c6dbac" providerId="LiveId" clId="{46AFDC97-0FC2-49F7-A869-0D570CCE983D}" dt="2024-11-28T14:38:57.246" v="1508"/>
+      <pc:sldChg chg="addSp delSp modSp new mod ord modTransition">
+        <pc:chgData name="ariadne fyrogeni" userId="f6540a3b75c6dbac" providerId="LiveId" clId="{46AFDC97-0FC2-49F7-A869-0D570CCE983D}" dt="2024-12-05T12:28:37.385" v="3744" actId="1076"/>
         <pc:sldMkLst>
           <pc:docMk/>
           <pc:sldMk cId="3862925992" sldId="269"/>
         </pc:sldMkLst>
         <pc:spChg chg="mod">
-          <ac:chgData name="ariadne fyrogeni" userId="f6540a3b75c6dbac" providerId="LiveId" clId="{46AFDC97-0FC2-49F7-A869-0D570CCE983D}" dt="2024-11-28T14:31:56.939" v="1471"/>
+          <ac:chgData name="ariadne fyrogeni" userId="f6540a3b75c6dbac" providerId="LiveId" clId="{46AFDC97-0FC2-49F7-A869-0D570CCE983D}" dt="2024-12-04T21:41:14.795" v="2813" actId="20577"/>
           <ac:spMkLst>
             <pc:docMk/>
             <pc:sldMk cId="3862925992" sldId="269"/>
             <ac:spMk id="2" creationId="{B88EB0C5-C5B0-6D74-83E9-E02B0265EF0A}"/>
           </ac:spMkLst>
         </pc:spChg>
-        <pc:spChg chg="mod">
-          <ac:chgData name="ariadne fyrogeni" userId="f6540a3b75c6dbac" providerId="LiveId" clId="{46AFDC97-0FC2-49F7-A869-0D570CCE983D}" dt="2024-11-28T14:31:56.939" v="1471"/>
+        <pc:spChg chg="del mod">
+          <ac:chgData name="ariadne fyrogeni" userId="f6540a3b75c6dbac" providerId="LiveId" clId="{46AFDC97-0FC2-49F7-A869-0D570CCE983D}" dt="2024-12-04T21:33:02.834" v="2727" actId="22"/>
           <ac:spMkLst>
             <pc:docMk/>
             <pc:sldMk cId="3862925992" sldId="269"/>
             <ac:spMk id="3" creationId="{A0BD049C-BE7B-9434-6728-AB6E5F54F813}"/>
           </ac:spMkLst>
         </pc:spChg>
+        <pc:spChg chg="add del mod">
+          <ac:chgData name="ariadne fyrogeni" userId="f6540a3b75c6dbac" providerId="LiveId" clId="{46AFDC97-0FC2-49F7-A869-0D570CCE983D}" dt="2024-12-04T21:38:20.057" v="2804" actId="478"/>
+          <ac:spMkLst>
+            <pc:docMk/>
+            <pc:sldMk cId="3862925992" sldId="269"/>
+            <ac:spMk id="11" creationId="{6855FF2C-AF8F-C47C-89E6-A011DEB68055}"/>
+          </ac:spMkLst>
+        </pc:spChg>
+        <pc:picChg chg="add del mod">
+          <ac:chgData name="ariadne fyrogeni" userId="f6540a3b75c6dbac" providerId="LiveId" clId="{46AFDC97-0FC2-49F7-A869-0D570CCE983D}" dt="2024-12-05T12:27:24.803" v="3736" actId="478"/>
+          <ac:picMkLst>
+            <pc:docMk/>
+            <pc:sldMk cId="3862925992" sldId="269"/>
+            <ac:picMk id="4" creationId="{246717F2-02F0-6D98-6EEC-346E7B73C37A}"/>
+          </ac:picMkLst>
+        </pc:picChg>
+        <pc:picChg chg="add del mod ord">
+          <ac:chgData name="ariadne fyrogeni" userId="f6540a3b75c6dbac" providerId="LiveId" clId="{46AFDC97-0FC2-49F7-A869-0D570CCE983D}" dt="2024-12-04T21:36:28.039" v="2745" actId="21"/>
+          <ac:picMkLst>
+            <pc:docMk/>
+            <pc:sldMk cId="3862925992" sldId="269"/>
+            <ac:picMk id="5" creationId="{E1ED2BC5-AE6B-A4E1-F2BB-DDEDD3D9CC42}"/>
+          </ac:picMkLst>
+        </pc:picChg>
+        <pc:picChg chg="add mod modCrop">
+          <ac:chgData name="ariadne fyrogeni" userId="f6540a3b75c6dbac" providerId="LiveId" clId="{46AFDC97-0FC2-49F7-A869-0D570CCE983D}" dt="2024-12-05T12:28:37.385" v="3744" actId="1076"/>
+          <ac:picMkLst>
+            <pc:docMk/>
+            <pc:sldMk cId="3862925992" sldId="269"/>
+            <ac:picMk id="6" creationId="{3E223680-E490-1FA5-80C8-B530D3E1F964}"/>
+          </ac:picMkLst>
+        </pc:picChg>
+        <pc:picChg chg="add mod">
+          <ac:chgData name="ariadne fyrogeni" userId="f6540a3b75c6dbac" providerId="LiveId" clId="{46AFDC97-0FC2-49F7-A869-0D570CCE983D}" dt="2024-12-04T22:52:09.204" v="3722" actId="108"/>
+          <ac:picMkLst>
+            <pc:docMk/>
+            <pc:sldMk cId="3862925992" sldId="269"/>
+            <ac:picMk id="7" creationId="{E40C8263-AFC1-8DD3-D458-48CBAE69EE48}"/>
+          </ac:picMkLst>
+        </pc:picChg>
+        <pc:picChg chg="add del mod">
+          <ac:chgData name="ariadne fyrogeni" userId="f6540a3b75c6dbac" providerId="LiveId" clId="{46AFDC97-0FC2-49F7-A869-0D570CCE983D}" dt="2024-12-04T21:36:28.039" v="2745" actId="21"/>
+          <ac:picMkLst>
+            <pc:docMk/>
+            <pc:sldMk cId="3862925992" sldId="269"/>
+            <ac:picMk id="9" creationId="{8319DE53-B599-2918-7EA4-F0C966867101}"/>
+          </ac:picMkLst>
+        </pc:picChg>
+        <pc:picChg chg="add del mod">
+          <ac:chgData name="ariadne fyrogeni" userId="f6540a3b75c6dbac" providerId="LiveId" clId="{46AFDC97-0FC2-49F7-A869-0D570CCE983D}" dt="2024-12-05T12:28:26.522" v="3742" actId="21"/>
+          <ac:picMkLst>
+            <pc:docMk/>
+            <pc:sldMk cId="3862925992" sldId="269"/>
+            <ac:picMk id="13" creationId="{E14FC8B6-9DB7-7488-A794-8EA14D3381F7}"/>
+          </ac:picMkLst>
+        </pc:picChg>
       </pc:sldChg>
       <pc:sldChg chg="modSp new del mod">
         <pc:chgData name="ariadne fyrogeni" userId="f6540a3b75c6dbac" providerId="LiveId" clId="{46AFDC97-0FC2-49F7-A869-0D570CCE983D}" dt="2024-11-21T13:05:51.955" v="848" actId="47"/>
@@ -843,14 +909,14 @@
           </ac:spMkLst>
         </pc:spChg>
       </pc:sldChg>
-      <pc:sldChg chg="addSp delSp modSp new mod ord modAnim">
-        <pc:chgData name="ariadne fyrogeni" userId="f6540a3b75c6dbac" providerId="LiveId" clId="{46AFDC97-0FC2-49F7-A869-0D570CCE983D}" dt="2024-12-02T15:21:40.140" v="2505"/>
+      <pc:sldChg chg="addSp delSp modSp new mod ord modTransition modAnim modNotesTx">
+        <pc:chgData name="ariadne fyrogeni" userId="f6540a3b75c6dbac" providerId="LiveId" clId="{46AFDC97-0FC2-49F7-A869-0D570CCE983D}" dt="2024-12-04T22:50:39.712" v="3715"/>
         <pc:sldMkLst>
           <pc:docMk/>
           <pc:sldMk cId="520053695" sldId="270"/>
         </pc:sldMkLst>
         <pc:spChg chg="mod">
-          <ac:chgData name="ariadne fyrogeni" userId="f6540a3b75c6dbac" providerId="LiveId" clId="{46AFDC97-0FC2-49F7-A869-0D570CCE983D}" dt="2024-12-02T15:19:48.725" v="2495" actId="20577"/>
+          <ac:chgData name="ariadne fyrogeni" userId="f6540a3b75c6dbac" providerId="LiveId" clId="{46AFDC97-0FC2-49F7-A869-0D570CCE983D}" dt="2024-12-04T22:50:39.712" v="3715"/>
           <ac:spMkLst>
             <pc:docMk/>
             <pc:sldMk cId="520053695" sldId="270"/>
@@ -1510,8 +1576,39 @@
           <pc:sldMk cId="2812539822" sldId="271"/>
         </pc:sldMkLst>
       </pc:sldChg>
-      <pc:sldChg chg="addSp delSp modSp add mod">
-        <pc:chgData name="ariadne fyrogeni" userId="f6540a3b75c6dbac" providerId="LiveId" clId="{46AFDC97-0FC2-49F7-A869-0D570CCE983D}" dt="2024-12-01T20:13:26.291" v="2156" actId="14100"/>
+      <pc:sldChg chg="addSp delSp modSp add mod setBg">
+        <pc:chgData name="ariadne fyrogeni" userId="f6540a3b75c6dbac" providerId="LiveId" clId="{46AFDC97-0FC2-49F7-A869-0D570CCE983D}" dt="2024-12-04T22:51:43.950" v="3720" actId="478"/>
+        <pc:sldMkLst>
+          <pc:docMk/>
+          <pc:sldMk cId="3529608493" sldId="271"/>
+        </pc:sldMkLst>
+        <pc:spChg chg="mod">
+          <ac:chgData name="ariadne fyrogeni" userId="f6540a3b75c6dbac" providerId="LiveId" clId="{46AFDC97-0FC2-49F7-A869-0D570CCE983D}" dt="2024-12-04T22:50:39.712" v="3715"/>
+          <ac:spMkLst>
+            <pc:docMk/>
+            <pc:sldMk cId="3529608493" sldId="271"/>
+            <ac:spMk id="2" creationId="{A268752B-166C-15FC-8F49-86FC5CEE833A}"/>
+          </ac:spMkLst>
+        </pc:spChg>
+        <pc:spChg chg="mod">
+          <ac:chgData name="ariadne fyrogeni" userId="f6540a3b75c6dbac" providerId="LiveId" clId="{46AFDC97-0FC2-49F7-A869-0D570CCE983D}" dt="2024-12-04T22:50:39.712" v="3715"/>
+          <ac:spMkLst>
+            <pc:docMk/>
+            <pc:sldMk cId="3529608493" sldId="271"/>
+            <ac:spMk id="3" creationId="{3AC8C8E5-8E32-1389-B1A6-B86722DFBE19}"/>
+          </ac:spMkLst>
+        </pc:spChg>
+        <pc:picChg chg="add del mod">
+          <ac:chgData name="ariadne fyrogeni" userId="f6540a3b75c6dbac" providerId="LiveId" clId="{46AFDC97-0FC2-49F7-A869-0D570CCE983D}" dt="2024-12-04T22:51:43.950" v="3720" actId="478"/>
+          <ac:picMkLst>
+            <pc:docMk/>
+            <pc:sldMk cId="3529608493" sldId="271"/>
+            <ac:picMk id="5" creationId="{63E86310-6852-C9AE-0982-7A1D73852ECD}"/>
+          </ac:picMkLst>
+        </pc:picChg>
+      </pc:sldChg>
+      <pc:sldChg chg="addSp delSp modSp add mod modTransition">
+        <pc:chgData name="ariadne fyrogeni" userId="f6540a3b75c6dbac" providerId="LiveId" clId="{46AFDC97-0FC2-49F7-A869-0D570CCE983D}" dt="2024-12-03T14:52:39.389" v="2688"/>
         <pc:sldMkLst>
           <pc:docMk/>
           <pc:sldMk cId="1629151935" sldId="272"/>
@@ -1949,8 +2046,8 @@
           </ac:cxnSpMkLst>
         </pc:cxnChg>
       </pc:sldChg>
-      <pc:sldChg chg="addSp delSp modSp new mod setBg">
-        <pc:chgData name="ariadne fyrogeni" userId="f6540a3b75c6dbac" providerId="LiveId" clId="{46AFDC97-0FC2-49F7-A869-0D570CCE983D}" dt="2024-12-02T16:30:26.064" v="2625" actId="1076"/>
+      <pc:sldChg chg="addSp delSp modSp new mod modTransition setBg">
+        <pc:chgData name="ariadne fyrogeni" userId="f6540a3b75c6dbac" providerId="LiveId" clId="{46AFDC97-0FC2-49F7-A869-0D570CCE983D}" dt="2024-12-03T14:54:14.148" v="2694" actId="20577"/>
         <pc:sldMkLst>
           <pc:docMk/>
           <pc:sldMk cId="1191486592" sldId="273"/>
@@ -1972,7 +2069,7 @@
           </ac:spMkLst>
         </pc:spChg>
         <pc:spChg chg="add mod">
-          <ac:chgData name="ariadne fyrogeni" userId="f6540a3b75c6dbac" providerId="LiveId" clId="{46AFDC97-0FC2-49F7-A869-0D570CCE983D}" dt="2024-12-02T16:30:26.064" v="2625" actId="1076"/>
+          <ac:chgData name="ariadne fyrogeni" userId="f6540a3b75c6dbac" providerId="LiveId" clId="{46AFDC97-0FC2-49F7-A869-0D570CCE983D}" dt="2024-12-03T14:54:14.148" v="2694" actId="20577"/>
           <ac:spMkLst>
             <pc:docMk/>
             <pc:sldMk cId="1191486592" sldId="273"/>
@@ -2132,13 +2229,171 @@
           </ac:picMkLst>
         </pc:picChg>
       </pc:sldChg>
+      <pc:sldChg chg="addSp delSp modSp new mod modTransition">
+        <pc:chgData name="ariadne fyrogeni" userId="f6540a3b75c6dbac" providerId="LiveId" clId="{46AFDC97-0FC2-49F7-A869-0D570CCE983D}" dt="2024-12-04T22:52:03.877" v="3721" actId="14861"/>
+        <pc:sldMkLst>
+          <pc:docMk/>
+          <pc:sldMk cId="1850646805" sldId="274"/>
+        </pc:sldMkLst>
+        <pc:spChg chg="add del mod">
+          <ac:chgData name="ariadne fyrogeni" userId="f6540a3b75c6dbac" providerId="LiveId" clId="{46AFDC97-0FC2-49F7-A869-0D570CCE983D}" dt="2024-12-04T21:42:05.476" v="2818" actId="1076"/>
+          <ac:spMkLst>
+            <pc:docMk/>
+            <pc:sldMk cId="1850646805" sldId="274"/>
+            <ac:spMk id="2" creationId="{D45DE931-5900-51A1-0B4D-53E2EC8CFE61}"/>
+          </ac:spMkLst>
+        </pc:spChg>
+        <pc:spChg chg="del">
+          <ac:chgData name="ariadne fyrogeni" userId="f6540a3b75c6dbac" providerId="LiveId" clId="{46AFDC97-0FC2-49F7-A869-0D570CCE983D}" dt="2024-12-04T21:36:38.302" v="2748" actId="478"/>
+          <ac:spMkLst>
+            <pc:docMk/>
+            <pc:sldMk cId="1850646805" sldId="274"/>
+            <ac:spMk id="3" creationId="{59524339-60E0-3E39-8DA4-58D47014ABA8}"/>
+          </ac:spMkLst>
+        </pc:spChg>
+        <pc:spChg chg="add mod">
+          <ac:chgData name="ariadne fyrogeni" userId="f6540a3b75c6dbac" providerId="LiveId" clId="{46AFDC97-0FC2-49F7-A869-0D570CCE983D}" dt="2024-12-04T22:00:10.260" v="2838" actId="14100"/>
+          <ac:spMkLst>
+            <pc:docMk/>
+            <pc:sldMk cId="1850646805" sldId="274"/>
+            <ac:spMk id="4" creationId="{FBF2EE44-EE65-083A-4567-0D26F1F5CA8B}"/>
+          </ac:spMkLst>
+        </pc:spChg>
+        <pc:picChg chg="add mod">
+          <ac:chgData name="ariadne fyrogeni" userId="f6540a3b75c6dbac" providerId="LiveId" clId="{46AFDC97-0FC2-49F7-A869-0D570CCE983D}" dt="2024-12-04T22:52:03.877" v="3721" actId="14861"/>
+          <ac:picMkLst>
+            <pc:docMk/>
+            <pc:sldMk cId="1850646805" sldId="274"/>
+            <ac:picMk id="5" creationId="{E1ED2BC5-AE6B-A4E1-F2BB-DDEDD3D9CC42}"/>
+          </ac:picMkLst>
+        </pc:picChg>
+        <pc:picChg chg="add mod ord">
+          <ac:chgData name="ariadne fyrogeni" userId="f6540a3b75c6dbac" providerId="LiveId" clId="{46AFDC97-0FC2-49F7-A869-0D570CCE983D}" dt="2024-12-04T22:00:00.756" v="2837" actId="167"/>
+          <ac:picMkLst>
+            <pc:docMk/>
+            <pc:sldMk cId="1850646805" sldId="274"/>
+            <ac:picMk id="7" creationId="{65B246BC-4890-C91E-5165-826E73760FE5}"/>
+          </ac:picMkLst>
+        </pc:picChg>
+        <pc:picChg chg="add del mod">
+          <ac:chgData name="ariadne fyrogeni" userId="f6540a3b75c6dbac" providerId="LiveId" clId="{46AFDC97-0FC2-49F7-A869-0D570CCE983D}" dt="2024-12-04T21:59:51.118" v="2834" actId="478"/>
+          <ac:picMkLst>
+            <pc:docMk/>
+            <pc:sldMk cId="1850646805" sldId="274"/>
+            <ac:picMk id="9" creationId="{8319DE53-B599-2918-7EA4-F0C966867101}"/>
+          </ac:picMkLst>
+        </pc:picChg>
+      </pc:sldChg>
+      <pc:sldChg chg="addSp modSp add mod">
+        <pc:chgData name="ariadne fyrogeni" userId="f6540a3b75c6dbac" providerId="LiveId" clId="{46AFDC97-0FC2-49F7-A869-0D570CCE983D}" dt="2024-12-04T22:47:12.774" v="3711" actId="14100"/>
+        <pc:sldMkLst>
+          <pc:docMk/>
+          <pc:sldMk cId="2040437645" sldId="275"/>
+        </pc:sldMkLst>
+        <pc:spChg chg="add mod">
+          <ac:chgData name="ariadne fyrogeni" userId="f6540a3b75c6dbac" providerId="LiveId" clId="{46AFDC97-0FC2-49F7-A869-0D570CCE983D}" dt="2024-12-04T22:43:38.410" v="3601" actId="207"/>
+          <ac:spMkLst>
+            <pc:docMk/>
+            <pc:sldMk cId="2040437645" sldId="275"/>
+            <ac:spMk id="2" creationId="{61DFE74A-18EC-E469-EB2D-21D34E20B5E5}"/>
+          </ac:spMkLst>
+        </pc:spChg>
+        <pc:spChg chg="add mod">
+          <ac:chgData name="ariadne fyrogeni" userId="f6540a3b75c6dbac" providerId="LiveId" clId="{46AFDC97-0FC2-49F7-A869-0D570CCE983D}" dt="2024-12-04T22:42:08.973" v="3592" actId="1076"/>
+          <ac:spMkLst>
+            <pc:docMk/>
+            <pc:sldMk cId="2040437645" sldId="275"/>
+            <ac:spMk id="3" creationId="{07053F7A-251A-208C-3D6F-951ACDEF4A8A}"/>
+          </ac:spMkLst>
+        </pc:spChg>
+        <pc:spChg chg="add mod">
+          <ac:chgData name="ariadne fyrogeni" userId="f6540a3b75c6dbac" providerId="LiveId" clId="{46AFDC97-0FC2-49F7-A869-0D570CCE983D}" dt="2024-12-04T22:43:38.410" v="3601" actId="207"/>
+          <ac:spMkLst>
+            <pc:docMk/>
+            <pc:sldMk cId="2040437645" sldId="275"/>
+            <ac:spMk id="4" creationId="{31779AEB-4990-1B45-5D99-195D0C501328}"/>
+          </ac:spMkLst>
+        </pc:spChg>
+        <pc:spChg chg="add mod">
+          <ac:chgData name="ariadne fyrogeni" userId="f6540a3b75c6dbac" providerId="LiveId" clId="{46AFDC97-0FC2-49F7-A869-0D570CCE983D}" dt="2024-12-04T22:43:38.410" v="3601" actId="207"/>
+          <ac:spMkLst>
+            <pc:docMk/>
+            <pc:sldMk cId="2040437645" sldId="275"/>
+            <ac:spMk id="5" creationId="{3ED16C47-7882-C9A0-E81C-71FDE3E20F90}"/>
+          </ac:spMkLst>
+        </pc:spChg>
+        <pc:spChg chg="add mod">
+          <ac:chgData name="ariadne fyrogeni" userId="f6540a3b75c6dbac" providerId="LiveId" clId="{46AFDC97-0FC2-49F7-A869-0D570CCE983D}" dt="2024-12-04T22:45:53.332" v="3682" actId="1076"/>
+          <ac:spMkLst>
+            <pc:docMk/>
+            <pc:sldMk cId="2040437645" sldId="275"/>
+            <ac:spMk id="6" creationId="{04C01961-6311-A364-1413-32BCAC57945B}"/>
+          </ac:spMkLst>
+        </pc:spChg>
+        <pc:spChg chg="add mod">
+          <ac:chgData name="ariadne fyrogeni" userId="f6540a3b75c6dbac" providerId="LiveId" clId="{46AFDC97-0FC2-49F7-A869-0D570CCE983D}" dt="2024-12-04T22:45:53.332" v="3682" actId="1076"/>
+          <ac:spMkLst>
+            <pc:docMk/>
+            <pc:sldMk cId="2040437645" sldId="275"/>
+            <ac:spMk id="8" creationId="{4AC4C0FA-3FA0-CCA4-7BE3-C45892846EB2}"/>
+          </ac:spMkLst>
+        </pc:spChg>
+        <pc:spChg chg="add mod">
+          <ac:chgData name="ariadne fyrogeni" userId="f6540a3b75c6dbac" providerId="LiveId" clId="{46AFDC97-0FC2-49F7-A869-0D570CCE983D}" dt="2024-12-04T22:47:10.623" v="3710" actId="14100"/>
+          <ac:spMkLst>
+            <pc:docMk/>
+            <pc:sldMk cId="2040437645" sldId="275"/>
+            <ac:spMk id="9" creationId="{CEB08815-CDCC-550A-6B66-AA67E6D5B52F}"/>
+          </ac:spMkLst>
+        </pc:spChg>
+        <pc:spChg chg="mod">
+          <ac:chgData name="ariadne fyrogeni" userId="f6540a3b75c6dbac" providerId="LiveId" clId="{46AFDC97-0FC2-49F7-A869-0D570CCE983D}" dt="2024-12-04T22:43:04.292" v="3600" actId="207"/>
+          <ac:spMkLst>
+            <pc:docMk/>
+            <pc:sldMk cId="2040437645" sldId="275"/>
+            <ac:spMk id="26" creationId="{BA7CEEDA-2607-CABD-63B6-0206507F0127}"/>
+          </ac:spMkLst>
+        </pc:spChg>
+        <pc:spChg chg="mod">
+          <ac:chgData name="ariadne fyrogeni" userId="f6540a3b75c6dbac" providerId="LiveId" clId="{46AFDC97-0FC2-49F7-A869-0D570CCE983D}" dt="2024-12-04T22:47:12.774" v="3711" actId="14100"/>
+          <ac:spMkLst>
+            <pc:docMk/>
+            <pc:sldMk cId="2040437645" sldId="275"/>
+            <ac:spMk id="27" creationId="{55575810-0816-042F-EAF2-D1488B573813}"/>
+          </ac:spMkLst>
+        </pc:spChg>
+        <pc:spChg chg="mod">
+          <ac:chgData name="ariadne fyrogeni" userId="f6540a3b75c6dbac" providerId="LiveId" clId="{46AFDC97-0FC2-49F7-A869-0D570CCE983D}" dt="2024-12-04T22:43:38.410" v="3601" actId="207"/>
+          <ac:spMkLst>
+            <pc:docMk/>
+            <pc:sldMk cId="2040437645" sldId="275"/>
+            <ac:spMk id="28" creationId="{72995265-8BAE-CA8B-859A-843D17235921}"/>
+          </ac:spMkLst>
+        </pc:spChg>
+        <pc:spChg chg="mod">
+          <ac:chgData name="ariadne fyrogeni" userId="f6540a3b75c6dbac" providerId="LiveId" clId="{46AFDC97-0FC2-49F7-A869-0D570CCE983D}" dt="2024-12-04T22:46:35.659" v="3689" actId="14100"/>
+          <ac:spMkLst>
+            <pc:docMk/>
+            <pc:sldMk cId="2040437645" sldId="275"/>
+            <ac:spMk id="29" creationId="{CAD1A557-C147-ECA5-0EFC-36312CC6E83D}"/>
+          </ac:spMkLst>
+        </pc:spChg>
+        <pc:spChg chg="mod">
+          <ac:chgData name="ariadne fyrogeni" userId="f6540a3b75c6dbac" providerId="LiveId" clId="{46AFDC97-0FC2-49F7-A869-0D570CCE983D}" dt="2024-12-04T22:46:38.085" v="3690" actId="14100"/>
+          <ac:spMkLst>
+            <pc:docMk/>
+            <pc:sldMk cId="2040437645" sldId="275"/>
+            <ac:spMk id="30" creationId="{D8192A8D-686A-253A-22B1-F4019BCA09F7}"/>
+          </ac:spMkLst>
+        </pc:spChg>
+      </pc:sldChg>
     </pc:docChg>
   </pc:docChgLst>
 </pc:chgInfo>
 </file>
 
 <file path=ppt/diagrams/colors1.xml><?xml version="1.0" encoding="utf-8"?>
-<dgm:colorsDef xmlns:dgm="http://schemas.openxmlformats.org/drawingml/2006/diagram" xmlns:a="http://schemas.openxmlformats.org/drawingml/2006/main" uniqueId="urn:microsoft.com/office/officeart/2018/5/colors/Iconchunking_neutralbg_colorful1">
+<dgm:colorsDef xmlns:dgm="http://schemas.openxmlformats.org/drawingml/2006/diagram" xmlns:a="http://schemas.openxmlformats.org/drawingml/2006/main" uniqueId="urn:microsoft.com/office/officeart/2005/8/colors/colorful1">
   <dgm:title val=""/>
   <dgm:desc val=""/>
   <dgm:catLst>
@@ -2165,9 +2420,7 @@
       <a:schemeClr val="accent6"/>
     </dgm:fillClrLst>
     <dgm:linClrLst meth="repeat">
-      <a:schemeClr val="lt1">
-        <a:alpha val="0"/>
-      </a:schemeClr>
+      <a:schemeClr val="lt1"/>
     </dgm:linClrLst>
     <dgm:effectClrLst/>
     <dgm:txLinClrLst/>
@@ -2974,8 +3227,8 @@
   </dgm:styleLbl>
   <dgm:styleLbl name="bgShp">
     <dgm:fillClrLst meth="repeat">
-      <a:schemeClr val="bg1">
-        <a:lumMod val="95000"/>
+      <a:schemeClr val="accent2">
+        <a:tint val="40000"/>
       </a:schemeClr>
     </dgm:fillClrLst>
     <dgm:linClrLst meth="repeat">
@@ -3809,7 +4062,7 @@
 <dgm:dataModel xmlns:dgm="http://schemas.openxmlformats.org/drawingml/2006/diagram" xmlns:a="http://schemas.openxmlformats.org/drawingml/2006/main">
   <dgm:ptLst>
     <dgm:pt modelId="{9B14F7E6-40C5-4A1D-8A0D-EC5BF7B501B9}" type="doc">
-      <dgm:prSet loTypeId="urn:microsoft.com/office/officeart/2018/2/layout/IconLabelList" loCatId="icon" qsTypeId="urn:microsoft.com/office/officeart/2005/8/quickstyle/simple1" qsCatId="simple" csTypeId="urn:microsoft.com/office/officeart/2018/5/colors/Iconchunking_neutralbg_colorful1" csCatId="colorful" phldr="1"/>
+      <dgm:prSet loTypeId="urn:microsoft.com/office/officeart/2018/2/layout/IconCircleList" loCatId="icon" qsTypeId="urn:microsoft.com/office/officeart/2005/8/quickstyle/simple1" qsCatId="simple" csTypeId="urn:microsoft.com/office/officeart/2005/8/colors/colorful1" csCatId="colorful" phldr="1"/>
       <dgm:spPr/>
       <dgm:t>
         <a:bodyPr/>
@@ -3826,9 +4079,14 @@
         <a:bodyPr/>
         <a:lstStyle/>
         <a:p>
+          <a:pPr algn="just">
+            <a:lnSpc>
+              <a:spcPct val="100000"/>
+            </a:lnSpc>
+          </a:pPr>
           <a:r>
-            <a:rPr lang="en-US"/>
-            <a:t>Accurate microclimate forecasts and predictions.</a:t>
+            <a:rPr lang="en-US" dirty="0"/>
+            <a:t>Accurate microclimate forecasts and predictions by combining meteorological data from open APIs with real and virtual local weather data from sensors.</a:t>
           </a:r>
         </a:p>
       </dgm:t>
@@ -3851,6 +4109,11 @@
         <a:bodyPr/>
         <a:lstStyle/>
         <a:p>
+          <a:pPr>
+            <a:lnSpc>
+              <a:spcPct val="100000"/>
+            </a:lnSpc>
+          </a:pPr>
           <a:endParaRPr lang="en-US"/>
         </a:p>
       </dgm:t>
@@ -3862,9 +4125,14 @@
         <a:bodyPr/>
         <a:lstStyle/>
         <a:p>
+          <a:pPr algn="just">
+            <a:lnSpc>
+              <a:spcPct val="100000"/>
+            </a:lnSpc>
+          </a:pPr>
           <a:r>
             <a:rPr lang="en-US" dirty="0"/>
-            <a:t>Correlation between microclimate and traffic data.</a:t>
+            <a:t>Calculation of the correlation index between traffic data and various microclimate parameters (such as wind, rain amount and temperature) depending on the point of interest under study. </a:t>
           </a:r>
         </a:p>
       </dgm:t>
@@ -3887,6 +4155,11 @@
         <a:bodyPr/>
         <a:lstStyle/>
         <a:p>
+          <a:pPr>
+            <a:lnSpc>
+              <a:spcPct val="100000"/>
+            </a:lnSpc>
+          </a:pPr>
           <a:endParaRPr lang="en-US"/>
         </a:p>
       </dgm:t>
@@ -3898,9 +4171,14 @@
         <a:bodyPr/>
         <a:lstStyle/>
         <a:p>
+          <a:pPr algn="just">
+            <a:lnSpc>
+              <a:spcPct val="100000"/>
+            </a:lnSpc>
+          </a:pPr>
           <a:r>
-            <a:rPr lang="en-US"/>
-            <a:t>Visualization of heatmaps and graphs.</a:t>
+            <a:rPr lang="en-US" dirty="0"/>
+            <a:t>UI visualization of heatmaps and graphs indicating the progression of traffic versus key microclimate parameters’ alternations.</a:t>
           </a:r>
         </a:p>
       </dgm:t>
@@ -3923,6 +4201,11 @@
         <a:bodyPr/>
         <a:lstStyle/>
         <a:p>
+          <a:pPr>
+            <a:lnSpc>
+              <a:spcPct val="100000"/>
+            </a:lnSpc>
+          </a:pPr>
           <a:endParaRPr lang="en-US"/>
         </a:p>
       </dgm:t>
@@ -3934,10 +4217,24 @@
         <a:bodyPr/>
         <a:lstStyle/>
         <a:p>
+          <a:pPr algn="just">
+            <a:lnSpc>
+              <a:spcPct val="100000"/>
+            </a:lnSpc>
+          </a:pPr>
           <a:r>
-            <a:rPr lang="en-US"/>
-            <a:t>Alerts and warning reports. </a:t>
+            <a:rPr lang="en-US" dirty="0"/>
+            <a:t>Alerts and warning reports concerning slippery</a:t>
           </a:r>
+          <a:r>
+            <a:rPr lang="el-GR" dirty="0"/>
+            <a:t> </a:t>
+          </a:r>
+          <a:r>
+            <a:rPr lang="en-US" b="0" i="0" dirty="0"/>
+            <a:t>roundabouts caused by severe rainfall, dangerously windy bridges, road closures due to flood or fallen trees and frozen roads because of snow. </a:t>
+          </a:r>
+          <a:endParaRPr lang="en-US" dirty="0"/>
         </a:p>
       </dgm:t>
     </dgm:pt>
@@ -3963,7 +4260,7 @@
         </a:p>
       </dgm:t>
     </dgm:pt>
-    <dgm:pt modelId="{76D9EE95-9F4F-4CD9-AF9A-D35D6C24421F}" type="pres">
+    <dgm:pt modelId="{4788F55F-E929-4484-86C8-82CB8E824E17}" type="pres">
       <dgm:prSet presAssocID="{9B14F7E6-40C5-4A1D-8A0D-EC5BF7B501B9}" presName="root" presStyleCnt="0">
         <dgm:presLayoutVars>
           <dgm:dir/>
@@ -3972,11 +4269,32 @@
       </dgm:prSet>
       <dgm:spPr/>
     </dgm:pt>
-    <dgm:pt modelId="{27BBEE94-2394-415F-A532-03E377EB3EDE}" type="pres">
+    <dgm:pt modelId="{774601D2-66BD-456F-9B98-6E90F34472D2}" type="pres">
+      <dgm:prSet presAssocID="{9B14F7E6-40C5-4A1D-8A0D-EC5BF7B501B9}" presName="container" presStyleCnt="0">
+        <dgm:presLayoutVars>
+          <dgm:dir/>
+          <dgm:resizeHandles val="exact"/>
+        </dgm:presLayoutVars>
+      </dgm:prSet>
+      <dgm:spPr/>
+    </dgm:pt>
+    <dgm:pt modelId="{0625938B-9ABD-4657-A08D-6C760A8F3040}" type="pres">
       <dgm:prSet presAssocID="{EE1DA773-9DAA-4DD0-ACC0-BBB3B26E0753}" presName="compNode" presStyleCnt="0"/>
       <dgm:spPr/>
     </dgm:pt>
-    <dgm:pt modelId="{86FF2D2E-5D12-49EB-9FCE-15905A747093}" type="pres">
+    <dgm:pt modelId="{38D1CF48-980C-4DA3-9DC3-CAF81D910B4A}" type="pres">
+      <dgm:prSet presAssocID="{EE1DA773-9DAA-4DD0-ACC0-BBB3B26E0753}" presName="iconBgRect" presStyleLbl="bgShp" presStyleIdx="0" presStyleCnt="4"/>
+      <dgm:spPr>
+        <a:effectLst>
+          <a:outerShdw blurRad="50800" dist="38100" dir="10800000" algn="r" rotWithShape="0">
+            <a:prstClr val="black">
+              <a:alpha val="40000"/>
+            </a:prstClr>
+          </a:outerShdw>
+        </a:effectLst>
+      </dgm:spPr>
+    </dgm:pt>
+    <dgm:pt modelId="{CD825A1B-62A1-4E64-ADF7-CFCAA456226E}" type="pres">
       <dgm:prSet presAssocID="{EE1DA773-9DAA-4DD0-ACC0-BBB3B26E0753}" presName="iconRect" presStyleLbl="node1" presStyleIdx="0" presStyleCnt="4"/>
       <dgm:spPr>
         <a:blipFill>
@@ -4000,15 +4318,15 @@
       </dgm:spPr>
       <dgm:extLst>
         <a:ext uri="{E40237B7-FDA0-4F09-8148-C483321AD2D9}">
-          <dgm14:cNvPr xmlns:dgm14="http://schemas.microsoft.com/office/drawing/2010/diagram" id="0" name="" descr="Κέντρο"/>
+          <dgm14:cNvPr xmlns:dgm14="http://schemas.microsoft.com/office/drawing/2010/diagram" id="0" name="" descr="Αστραπές"/>
         </a:ext>
       </dgm:extLst>
     </dgm:pt>
-    <dgm:pt modelId="{D3250760-846D-4A7E-9BA8-1F09048CE29B}" type="pres">
+    <dgm:pt modelId="{C45C4EB0-36FD-4AA7-9222-FA2932A490CE}" type="pres">
       <dgm:prSet presAssocID="{EE1DA773-9DAA-4DD0-ACC0-BBB3B26E0753}" presName="spaceRect" presStyleCnt="0"/>
       <dgm:spPr/>
     </dgm:pt>
-    <dgm:pt modelId="{D58BA6CC-10E4-43BA-9B4C-B759AFF7A01B}" type="pres">
+    <dgm:pt modelId="{7BE03AAA-A946-48B0-9442-2E686875FC76}" type="pres">
       <dgm:prSet presAssocID="{EE1DA773-9DAA-4DD0-ACC0-BBB3B26E0753}" presName="textRect" presStyleLbl="revTx" presStyleIdx="0" presStyleCnt="4">
         <dgm:presLayoutVars>
           <dgm:chMax val="1"/>
@@ -4017,15 +4335,27 @@
       </dgm:prSet>
       <dgm:spPr/>
     </dgm:pt>
-    <dgm:pt modelId="{AE440AF6-FA68-43E1-8747-D7F7652D6931}" type="pres">
-      <dgm:prSet presAssocID="{523C0E34-B2AE-409F-9155-A570EA2B54DF}" presName="sibTrans" presStyleCnt="0"/>
+    <dgm:pt modelId="{2681F066-8B55-4464-92E5-FD11D241CC01}" type="pres">
+      <dgm:prSet presAssocID="{523C0E34-B2AE-409F-9155-A570EA2B54DF}" presName="sibTrans" presStyleLbl="sibTrans2D1" presStyleIdx="0" presStyleCnt="0"/>
       <dgm:spPr/>
     </dgm:pt>
-    <dgm:pt modelId="{E20C8636-6000-4291-8CF4-12BF966C24A9}" type="pres">
+    <dgm:pt modelId="{66D8C416-F82F-4E63-B4F0-9C74E6000080}" type="pres">
       <dgm:prSet presAssocID="{4222FF5D-D07E-4997-B789-444EF2815C1D}" presName="compNode" presStyleCnt="0"/>
       <dgm:spPr/>
     </dgm:pt>
-    <dgm:pt modelId="{EB0EA6A1-6631-4771-A67B-BBC41AF5B57C}" type="pres">
+    <dgm:pt modelId="{92DDBF0D-C5F4-4533-A1F3-03403B88B689}" type="pres">
+      <dgm:prSet presAssocID="{4222FF5D-D07E-4997-B789-444EF2815C1D}" presName="iconBgRect" presStyleLbl="bgShp" presStyleIdx="1" presStyleCnt="4"/>
+      <dgm:spPr>
+        <a:effectLst>
+          <a:outerShdw blurRad="50800" dist="38100" dir="10800000" algn="r" rotWithShape="0">
+            <a:prstClr val="black">
+              <a:alpha val="40000"/>
+            </a:prstClr>
+          </a:outerShdw>
+        </a:effectLst>
+      </dgm:spPr>
+    </dgm:pt>
+    <dgm:pt modelId="{1DAEA038-027B-468A-815F-2654A9D22A6B}" type="pres">
       <dgm:prSet presAssocID="{4222FF5D-D07E-4997-B789-444EF2815C1D}" presName="iconRect" presStyleLbl="node1" presStyleIdx="1" presStyleCnt="4"/>
       <dgm:spPr>
         <a:blipFill>
@@ -4053,11 +4383,11 @@
         </a:ext>
       </dgm:extLst>
     </dgm:pt>
-    <dgm:pt modelId="{C30989B2-DF4A-4D33-AC85-5989B66B107F}" type="pres">
+    <dgm:pt modelId="{E4D6ACA1-FC6D-4A79-B7F7-882E0149F9BA}" type="pres">
       <dgm:prSet presAssocID="{4222FF5D-D07E-4997-B789-444EF2815C1D}" presName="spaceRect" presStyleCnt="0"/>
       <dgm:spPr/>
     </dgm:pt>
-    <dgm:pt modelId="{7C7984C5-9F65-4F8A-A7E0-2E60735E6B4A}" type="pres">
+    <dgm:pt modelId="{86E88A41-39E2-4485-B523-5ACC6FA0B9BA}" type="pres">
       <dgm:prSet presAssocID="{4222FF5D-D07E-4997-B789-444EF2815C1D}" presName="textRect" presStyleLbl="revTx" presStyleIdx="1" presStyleCnt="4">
         <dgm:presLayoutVars>
           <dgm:chMax val="1"/>
@@ -4066,15 +4396,27 @@
       </dgm:prSet>
       <dgm:spPr/>
     </dgm:pt>
-    <dgm:pt modelId="{89624A75-7039-40AD-92AC-9B94313DCEBE}" type="pres">
-      <dgm:prSet presAssocID="{DB693662-CFAB-4E60-99FE-FCB48F471D2D}" presName="sibTrans" presStyleCnt="0"/>
+    <dgm:pt modelId="{7A4CDAEF-F834-4620-9DB9-F8613DB6612A}" type="pres">
+      <dgm:prSet presAssocID="{DB693662-CFAB-4E60-99FE-FCB48F471D2D}" presName="sibTrans" presStyleLbl="sibTrans2D1" presStyleIdx="0" presStyleCnt="0"/>
       <dgm:spPr/>
     </dgm:pt>
-    <dgm:pt modelId="{8BB858FF-6C0F-4213-9A4C-AEB048BE48AA}" type="pres">
+    <dgm:pt modelId="{E2614C5C-277A-4D6D-9509-923DBA608069}" type="pres">
       <dgm:prSet presAssocID="{7DA255F3-B62C-4DB9-8D58-A017F074E0D0}" presName="compNode" presStyleCnt="0"/>
       <dgm:spPr/>
     </dgm:pt>
-    <dgm:pt modelId="{3D9270A7-B9FF-4B03-BD30-8EDDFBFEB711}" type="pres">
+    <dgm:pt modelId="{C6496A7F-94E5-49EF-8499-EF60EE8117D2}" type="pres">
+      <dgm:prSet presAssocID="{7DA255F3-B62C-4DB9-8D58-A017F074E0D0}" presName="iconBgRect" presStyleLbl="bgShp" presStyleIdx="2" presStyleCnt="4"/>
+      <dgm:spPr>
+        <a:effectLst>
+          <a:outerShdw blurRad="50800" dist="38100" dir="10800000" algn="r" rotWithShape="0">
+            <a:prstClr val="black">
+              <a:alpha val="40000"/>
+            </a:prstClr>
+          </a:outerShdw>
+        </a:effectLst>
+      </dgm:spPr>
+    </dgm:pt>
+    <dgm:pt modelId="{C367DD55-09DB-49C3-A057-B82B9CCD4EC1}" type="pres">
       <dgm:prSet presAssocID="{7DA255F3-B62C-4DB9-8D58-A017F074E0D0}" presName="iconRect" presStyleLbl="node1" presStyleIdx="2" presStyleCnt="4"/>
       <dgm:spPr>
         <a:blipFill>
@@ -4102,11 +4444,11 @@
         </a:ext>
       </dgm:extLst>
     </dgm:pt>
-    <dgm:pt modelId="{E625EFBE-2E7F-4D43-B405-5556C05A01CD}" type="pres">
+    <dgm:pt modelId="{5167F289-BDCF-464A-8C26-B4DA678A8ED9}" type="pres">
       <dgm:prSet presAssocID="{7DA255F3-B62C-4DB9-8D58-A017F074E0D0}" presName="spaceRect" presStyleCnt="0"/>
       <dgm:spPr/>
     </dgm:pt>
-    <dgm:pt modelId="{C7B5E408-394B-48DB-ACF7-3F287475F75F}" type="pres">
+    <dgm:pt modelId="{D470E7A2-DB44-4832-801B-EA49A2549C6E}" type="pres">
       <dgm:prSet presAssocID="{7DA255F3-B62C-4DB9-8D58-A017F074E0D0}" presName="textRect" presStyleLbl="revTx" presStyleIdx="2" presStyleCnt="4">
         <dgm:presLayoutVars>
           <dgm:chMax val="1"/>
@@ -4115,15 +4457,27 @@
       </dgm:prSet>
       <dgm:spPr/>
     </dgm:pt>
-    <dgm:pt modelId="{1F9E9A50-6F3C-4B5E-BB5A-C910E2FAD04F}" type="pres">
-      <dgm:prSet presAssocID="{054EE30A-98A1-4D5B-9C1E-4A128165892E}" presName="sibTrans" presStyleCnt="0"/>
+    <dgm:pt modelId="{9284CF1E-9B9D-49E6-8074-8F97770464BF}" type="pres">
+      <dgm:prSet presAssocID="{054EE30A-98A1-4D5B-9C1E-4A128165892E}" presName="sibTrans" presStyleLbl="sibTrans2D1" presStyleIdx="0" presStyleCnt="0"/>
       <dgm:spPr/>
     </dgm:pt>
-    <dgm:pt modelId="{10846864-597B-41FB-BAF3-A590F15AD304}" type="pres">
+    <dgm:pt modelId="{D8821321-2B2B-407B-A7D9-E083ADDF5621}" type="pres">
       <dgm:prSet presAssocID="{98484F91-5560-497A-97F3-CF6FF4C346D4}" presName="compNode" presStyleCnt="0"/>
       <dgm:spPr/>
     </dgm:pt>
-    <dgm:pt modelId="{05037638-0A9A-4F79-A218-1BD8E7CB2DB3}" type="pres">
+    <dgm:pt modelId="{99F94F55-9721-4272-BE09-95D32685C3CD}" type="pres">
+      <dgm:prSet presAssocID="{98484F91-5560-497A-97F3-CF6FF4C346D4}" presName="iconBgRect" presStyleLbl="bgShp" presStyleIdx="3" presStyleCnt="4"/>
+      <dgm:spPr>
+        <a:effectLst>
+          <a:outerShdw blurRad="50800" dist="38100" dir="10800000" algn="r" rotWithShape="0">
+            <a:prstClr val="black">
+              <a:alpha val="40000"/>
+            </a:prstClr>
+          </a:outerShdw>
+        </a:effectLst>
+      </dgm:spPr>
+    </dgm:pt>
+    <dgm:pt modelId="{4B09F418-011B-41C0-954C-05FCAE4D1A12}" type="pres">
       <dgm:prSet presAssocID="{98484F91-5560-497A-97F3-CF6FF4C346D4}" presName="iconRect" presStyleLbl="node1" presStyleIdx="3" presStyleCnt="4"/>
       <dgm:spPr>
         <a:blipFill>
@@ -4151,11 +4505,11 @@
         </a:ext>
       </dgm:extLst>
     </dgm:pt>
-    <dgm:pt modelId="{90CEE341-FBD3-4588-B904-B2A6E54B888F}" type="pres">
+    <dgm:pt modelId="{A809D547-5CCB-4660-BD1A-3CB770463142}" type="pres">
       <dgm:prSet presAssocID="{98484F91-5560-497A-97F3-CF6FF4C346D4}" presName="spaceRect" presStyleCnt="0"/>
       <dgm:spPr/>
     </dgm:pt>
-    <dgm:pt modelId="{0F31B521-097D-4591-A227-9DAB943F95A9}" type="pres">
+    <dgm:pt modelId="{6C565DFA-5895-4B94-AFD9-C7AD0C4DB62B}" type="pres">
       <dgm:prSet presAssocID="{98484F91-5560-497A-97F3-CF6FF4C346D4}" presName="textRect" presStyleLbl="revTx" presStyleIdx="3" presStyleCnt="4">
         <dgm:presLayoutVars>
           <dgm:chMax val="1"/>
@@ -4166,34 +4520,42 @@
     </dgm:pt>
   </dgm:ptLst>
   <dgm:cxnLst>
-    <dgm:cxn modelId="{4EA41317-7B45-4DBD-BB9D-678ED4DE434F}" type="presOf" srcId="{9B14F7E6-40C5-4A1D-8A0D-EC5BF7B501B9}" destId="{76D9EE95-9F4F-4CD9-AF9A-D35D6C24421F}" srcOrd="0" destOrd="0" presId="urn:microsoft.com/office/officeart/2018/2/layout/IconLabelList"/>
-    <dgm:cxn modelId="{8EFAD82F-F4C8-4419-AB14-FDBF9721E09B}" type="presOf" srcId="{7DA255F3-B62C-4DB9-8D58-A017F074E0D0}" destId="{C7B5E408-394B-48DB-ACF7-3F287475F75F}" srcOrd="0" destOrd="0" presId="urn:microsoft.com/office/officeart/2018/2/layout/IconLabelList"/>
+    <dgm:cxn modelId="{D8F7C91F-6791-4B29-BE9E-9AC7E1CBE816}" type="presOf" srcId="{054EE30A-98A1-4D5B-9C1E-4A128165892E}" destId="{9284CF1E-9B9D-49E6-8074-8F97770464BF}" srcOrd="0" destOrd="0" presId="urn:microsoft.com/office/officeart/2018/2/layout/IconCircleList"/>
+    <dgm:cxn modelId="{8F278E23-E5BC-4A96-ABDC-CA90C6C518D2}" type="presOf" srcId="{EE1DA773-9DAA-4DD0-ACC0-BBB3B26E0753}" destId="{7BE03AAA-A946-48B0-9442-2E686875FC76}" srcOrd="0" destOrd="0" presId="urn:microsoft.com/office/officeart/2018/2/layout/IconCircleList"/>
     <dgm:cxn modelId="{493F7D3D-046D-4494-B077-DE1D544A1797}" srcId="{9B14F7E6-40C5-4A1D-8A0D-EC5BF7B501B9}" destId="{7DA255F3-B62C-4DB9-8D58-A017F074E0D0}" srcOrd="2" destOrd="0" parTransId="{B4387B0A-0161-460F-B02E-27FB685B6404}" sibTransId="{054EE30A-98A1-4D5B-9C1E-4A128165892E}"/>
     <dgm:cxn modelId="{F87D4041-9598-4174-960D-FD763BAA55EA}" srcId="{9B14F7E6-40C5-4A1D-8A0D-EC5BF7B501B9}" destId="{EE1DA773-9DAA-4DD0-ACC0-BBB3B26E0753}" srcOrd="0" destOrd="0" parTransId="{10B42C26-0C28-4E5B-B70B-7C3C151142E6}" sibTransId="{523C0E34-B2AE-409F-9155-A570EA2B54DF}"/>
-    <dgm:cxn modelId="{6F721156-512A-4881-A9B2-0827FDA65E99}" type="presOf" srcId="{4222FF5D-D07E-4997-B789-444EF2815C1D}" destId="{7C7984C5-9F65-4F8A-A7E0-2E60735E6B4A}" srcOrd="0" destOrd="0" presId="urn:microsoft.com/office/officeart/2018/2/layout/IconLabelList"/>
+    <dgm:cxn modelId="{9CD7E152-4633-450C-995F-2D2BA9420E71}" type="presOf" srcId="{DB693662-CFAB-4E60-99FE-FCB48F471D2D}" destId="{7A4CDAEF-F834-4620-9DB9-F8613DB6612A}" srcOrd="0" destOrd="0" presId="urn:microsoft.com/office/officeart/2018/2/layout/IconCircleList"/>
+    <dgm:cxn modelId="{F30B2B53-3FB0-4461-8858-0D86779A211F}" type="presOf" srcId="{7DA255F3-B62C-4DB9-8D58-A017F074E0D0}" destId="{D470E7A2-DB44-4832-801B-EA49A2549C6E}" srcOrd="0" destOrd="0" presId="urn:microsoft.com/office/officeart/2018/2/layout/IconCircleList"/>
+    <dgm:cxn modelId="{DCAF6653-ADB0-43C9-99AC-4C78853B2A1B}" type="presOf" srcId="{98484F91-5560-497A-97F3-CF6FF4C346D4}" destId="{6C565DFA-5895-4B94-AFD9-C7AD0C4DB62B}" srcOrd="0" destOrd="0" presId="urn:microsoft.com/office/officeart/2018/2/layout/IconCircleList"/>
+    <dgm:cxn modelId="{1CA42056-89A3-418A-8592-2F0A2B83250D}" type="presOf" srcId="{9B14F7E6-40C5-4A1D-8A0D-EC5BF7B501B9}" destId="{4788F55F-E929-4484-86C8-82CB8E824E17}" srcOrd="0" destOrd="0" presId="urn:microsoft.com/office/officeart/2018/2/layout/IconCircleList"/>
+    <dgm:cxn modelId="{42B0E087-136B-408B-9767-0028B8DFFE52}" type="presOf" srcId="{4222FF5D-D07E-4997-B789-444EF2815C1D}" destId="{86E88A41-39E2-4485-B523-5ACC6FA0B9BA}" srcOrd="0" destOrd="0" presId="urn:microsoft.com/office/officeart/2018/2/layout/IconCircleList"/>
+    <dgm:cxn modelId="{66B10C9B-9C72-4325-9790-8C5A9375AB20}" type="presOf" srcId="{523C0E34-B2AE-409F-9155-A570EA2B54DF}" destId="{2681F066-8B55-4464-92E5-FD11D241CC01}" srcOrd="0" destOrd="0" presId="urn:microsoft.com/office/officeart/2018/2/layout/IconCircleList"/>
     <dgm:cxn modelId="{83A22EA5-E99E-49A3-B0F7-BB1C226617A6}" srcId="{9B14F7E6-40C5-4A1D-8A0D-EC5BF7B501B9}" destId="{98484F91-5560-497A-97F3-CF6FF4C346D4}" srcOrd="3" destOrd="0" parTransId="{60D8AC0D-CE5B-4B0E-B852-A7C79647D39E}" sibTransId="{B5BD4BC1-91B9-45C5-A81F-C969118DED1A}"/>
-    <dgm:cxn modelId="{97CF0BAD-B383-4B49-8805-A9006CD722DC}" type="presOf" srcId="{98484F91-5560-497A-97F3-CF6FF4C346D4}" destId="{0F31B521-097D-4591-A227-9DAB943F95A9}" srcOrd="0" destOrd="0" presId="urn:microsoft.com/office/officeart/2018/2/layout/IconLabelList"/>
-    <dgm:cxn modelId="{752B14B8-A385-42C7-A603-5DA0BA7C9F52}" type="presOf" srcId="{EE1DA773-9DAA-4DD0-ACC0-BBB3B26E0753}" destId="{D58BA6CC-10E4-43BA-9B4C-B759AFF7A01B}" srcOrd="0" destOrd="0" presId="urn:microsoft.com/office/officeart/2018/2/layout/IconLabelList"/>
     <dgm:cxn modelId="{D7C64EF3-CCE7-40D9-A010-1326F7CFFD0C}" srcId="{9B14F7E6-40C5-4A1D-8A0D-EC5BF7B501B9}" destId="{4222FF5D-D07E-4997-B789-444EF2815C1D}" srcOrd="1" destOrd="0" parTransId="{A93F1CC5-3D11-48F6-BFB5-7CD55BF582EA}" sibTransId="{DB693662-CFAB-4E60-99FE-FCB48F471D2D}"/>
-    <dgm:cxn modelId="{654A806C-8798-48B2-8C8C-0F3404F74A02}" type="presParOf" srcId="{76D9EE95-9F4F-4CD9-AF9A-D35D6C24421F}" destId="{27BBEE94-2394-415F-A532-03E377EB3EDE}" srcOrd="0" destOrd="0" presId="urn:microsoft.com/office/officeart/2018/2/layout/IconLabelList"/>
-    <dgm:cxn modelId="{07A0B09F-EAA3-405A-95FA-78066CFF7738}" type="presParOf" srcId="{27BBEE94-2394-415F-A532-03E377EB3EDE}" destId="{86FF2D2E-5D12-49EB-9FCE-15905A747093}" srcOrd="0" destOrd="0" presId="urn:microsoft.com/office/officeart/2018/2/layout/IconLabelList"/>
-    <dgm:cxn modelId="{E1009F48-4C9C-4501-B6B8-B1F676383748}" type="presParOf" srcId="{27BBEE94-2394-415F-A532-03E377EB3EDE}" destId="{D3250760-846D-4A7E-9BA8-1F09048CE29B}" srcOrd="1" destOrd="0" presId="urn:microsoft.com/office/officeart/2018/2/layout/IconLabelList"/>
-    <dgm:cxn modelId="{71894B1E-4C86-4003-9724-52BE8E7AA3C0}" type="presParOf" srcId="{27BBEE94-2394-415F-A532-03E377EB3EDE}" destId="{D58BA6CC-10E4-43BA-9B4C-B759AFF7A01B}" srcOrd="2" destOrd="0" presId="urn:microsoft.com/office/officeart/2018/2/layout/IconLabelList"/>
-    <dgm:cxn modelId="{810E3223-552F-4D08-A32D-00C5F55ED1C7}" type="presParOf" srcId="{76D9EE95-9F4F-4CD9-AF9A-D35D6C24421F}" destId="{AE440AF6-FA68-43E1-8747-D7F7652D6931}" srcOrd="1" destOrd="0" presId="urn:microsoft.com/office/officeart/2018/2/layout/IconLabelList"/>
-    <dgm:cxn modelId="{F19B57E4-305D-4C6F-B1D8-605CED829398}" type="presParOf" srcId="{76D9EE95-9F4F-4CD9-AF9A-D35D6C24421F}" destId="{E20C8636-6000-4291-8CF4-12BF966C24A9}" srcOrd="2" destOrd="0" presId="urn:microsoft.com/office/officeart/2018/2/layout/IconLabelList"/>
-    <dgm:cxn modelId="{A1AD192F-42E5-4F48-8D50-F97EA5903423}" type="presParOf" srcId="{E20C8636-6000-4291-8CF4-12BF966C24A9}" destId="{EB0EA6A1-6631-4771-A67B-BBC41AF5B57C}" srcOrd="0" destOrd="0" presId="urn:microsoft.com/office/officeart/2018/2/layout/IconLabelList"/>
-    <dgm:cxn modelId="{D60865BA-6D26-4D98-81EC-B6AADFC84A7B}" type="presParOf" srcId="{E20C8636-6000-4291-8CF4-12BF966C24A9}" destId="{C30989B2-DF4A-4D33-AC85-5989B66B107F}" srcOrd="1" destOrd="0" presId="urn:microsoft.com/office/officeart/2018/2/layout/IconLabelList"/>
-    <dgm:cxn modelId="{AE5E8DEC-DC2D-44E1-93A7-5D0FF2CFB3F1}" type="presParOf" srcId="{E20C8636-6000-4291-8CF4-12BF966C24A9}" destId="{7C7984C5-9F65-4F8A-A7E0-2E60735E6B4A}" srcOrd="2" destOrd="0" presId="urn:microsoft.com/office/officeart/2018/2/layout/IconLabelList"/>
-    <dgm:cxn modelId="{A5BF6EF8-DEAA-4DAF-8519-E5C723C83008}" type="presParOf" srcId="{76D9EE95-9F4F-4CD9-AF9A-D35D6C24421F}" destId="{89624A75-7039-40AD-92AC-9B94313DCEBE}" srcOrd="3" destOrd="0" presId="urn:microsoft.com/office/officeart/2018/2/layout/IconLabelList"/>
-    <dgm:cxn modelId="{04B10965-1122-4805-A080-979D0308E047}" type="presParOf" srcId="{76D9EE95-9F4F-4CD9-AF9A-D35D6C24421F}" destId="{8BB858FF-6C0F-4213-9A4C-AEB048BE48AA}" srcOrd="4" destOrd="0" presId="urn:microsoft.com/office/officeart/2018/2/layout/IconLabelList"/>
-    <dgm:cxn modelId="{4F1D3774-CD26-4C87-81BF-D29FA5E0B90D}" type="presParOf" srcId="{8BB858FF-6C0F-4213-9A4C-AEB048BE48AA}" destId="{3D9270A7-B9FF-4B03-BD30-8EDDFBFEB711}" srcOrd="0" destOrd="0" presId="urn:microsoft.com/office/officeart/2018/2/layout/IconLabelList"/>
-    <dgm:cxn modelId="{AAC1A096-63E1-4C95-B22E-E47F5E330D27}" type="presParOf" srcId="{8BB858FF-6C0F-4213-9A4C-AEB048BE48AA}" destId="{E625EFBE-2E7F-4D43-B405-5556C05A01CD}" srcOrd="1" destOrd="0" presId="urn:microsoft.com/office/officeart/2018/2/layout/IconLabelList"/>
-    <dgm:cxn modelId="{319490E5-F0BA-4BE0-9546-51310146F054}" type="presParOf" srcId="{8BB858FF-6C0F-4213-9A4C-AEB048BE48AA}" destId="{C7B5E408-394B-48DB-ACF7-3F287475F75F}" srcOrd="2" destOrd="0" presId="urn:microsoft.com/office/officeart/2018/2/layout/IconLabelList"/>
-    <dgm:cxn modelId="{9180F385-7DF6-407F-882F-DF441DEF89AD}" type="presParOf" srcId="{76D9EE95-9F4F-4CD9-AF9A-D35D6C24421F}" destId="{1F9E9A50-6F3C-4B5E-BB5A-C910E2FAD04F}" srcOrd="5" destOrd="0" presId="urn:microsoft.com/office/officeart/2018/2/layout/IconLabelList"/>
-    <dgm:cxn modelId="{91999D49-17E5-440E-B748-44CDEB1482B1}" type="presParOf" srcId="{76D9EE95-9F4F-4CD9-AF9A-D35D6C24421F}" destId="{10846864-597B-41FB-BAF3-A590F15AD304}" srcOrd="6" destOrd="0" presId="urn:microsoft.com/office/officeart/2018/2/layout/IconLabelList"/>
-    <dgm:cxn modelId="{7955120B-F9CC-4CCF-92C3-E429F7AEAC5F}" type="presParOf" srcId="{10846864-597B-41FB-BAF3-A590F15AD304}" destId="{05037638-0A9A-4F79-A218-1BD8E7CB2DB3}" srcOrd="0" destOrd="0" presId="urn:microsoft.com/office/officeart/2018/2/layout/IconLabelList"/>
-    <dgm:cxn modelId="{CEF758B1-E492-4E72-B2F3-552A8E1E8FC8}" type="presParOf" srcId="{10846864-597B-41FB-BAF3-A590F15AD304}" destId="{90CEE341-FBD3-4588-B904-B2A6E54B888F}" srcOrd="1" destOrd="0" presId="urn:microsoft.com/office/officeart/2018/2/layout/IconLabelList"/>
-    <dgm:cxn modelId="{990FDBF2-2F76-4EB6-9842-8CE711D37213}" type="presParOf" srcId="{10846864-597B-41FB-BAF3-A590F15AD304}" destId="{0F31B521-097D-4591-A227-9DAB943F95A9}" srcOrd="2" destOrd="0" presId="urn:microsoft.com/office/officeart/2018/2/layout/IconLabelList"/>
+    <dgm:cxn modelId="{830E9AB1-9A78-4844-8AC9-BA95C4B09A30}" type="presParOf" srcId="{4788F55F-E929-4484-86C8-82CB8E824E17}" destId="{774601D2-66BD-456F-9B98-6E90F34472D2}" srcOrd="0" destOrd="0" presId="urn:microsoft.com/office/officeart/2018/2/layout/IconCircleList"/>
+    <dgm:cxn modelId="{0F6105F7-AE6F-4D6E-A162-17C39D6BFB55}" type="presParOf" srcId="{774601D2-66BD-456F-9B98-6E90F34472D2}" destId="{0625938B-9ABD-4657-A08D-6C760A8F3040}" srcOrd="0" destOrd="0" presId="urn:microsoft.com/office/officeart/2018/2/layout/IconCircleList"/>
+    <dgm:cxn modelId="{E11D9AF7-1148-4257-A528-8E5BBDB4D35C}" type="presParOf" srcId="{0625938B-9ABD-4657-A08D-6C760A8F3040}" destId="{38D1CF48-980C-4DA3-9DC3-CAF81D910B4A}" srcOrd="0" destOrd="0" presId="urn:microsoft.com/office/officeart/2018/2/layout/IconCircleList"/>
+    <dgm:cxn modelId="{BB639C06-567D-4AE9-B98D-51D129B4C560}" type="presParOf" srcId="{0625938B-9ABD-4657-A08D-6C760A8F3040}" destId="{CD825A1B-62A1-4E64-ADF7-CFCAA456226E}" srcOrd="1" destOrd="0" presId="urn:microsoft.com/office/officeart/2018/2/layout/IconCircleList"/>
+    <dgm:cxn modelId="{37358994-22D2-49AA-8FCE-96AE8410F1C8}" type="presParOf" srcId="{0625938B-9ABD-4657-A08D-6C760A8F3040}" destId="{C45C4EB0-36FD-4AA7-9222-FA2932A490CE}" srcOrd="2" destOrd="0" presId="urn:microsoft.com/office/officeart/2018/2/layout/IconCircleList"/>
+    <dgm:cxn modelId="{AA1285BD-FEFD-4F2F-9506-064F3FEB436A}" type="presParOf" srcId="{0625938B-9ABD-4657-A08D-6C760A8F3040}" destId="{7BE03AAA-A946-48B0-9442-2E686875FC76}" srcOrd="3" destOrd="0" presId="urn:microsoft.com/office/officeart/2018/2/layout/IconCircleList"/>
+    <dgm:cxn modelId="{9EF7EEC5-A909-48DC-B2DE-4837D541EE89}" type="presParOf" srcId="{774601D2-66BD-456F-9B98-6E90F34472D2}" destId="{2681F066-8B55-4464-92E5-FD11D241CC01}" srcOrd="1" destOrd="0" presId="urn:microsoft.com/office/officeart/2018/2/layout/IconCircleList"/>
+    <dgm:cxn modelId="{C92BC0FB-CD72-40F3-A69B-7B356E95B99C}" type="presParOf" srcId="{774601D2-66BD-456F-9B98-6E90F34472D2}" destId="{66D8C416-F82F-4E63-B4F0-9C74E6000080}" srcOrd="2" destOrd="0" presId="urn:microsoft.com/office/officeart/2018/2/layout/IconCircleList"/>
+    <dgm:cxn modelId="{479C3176-711D-478F-851F-FCEAB60324FF}" type="presParOf" srcId="{66D8C416-F82F-4E63-B4F0-9C74E6000080}" destId="{92DDBF0D-C5F4-4533-A1F3-03403B88B689}" srcOrd="0" destOrd="0" presId="urn:microsoft.com/office/officeart/2018/2/layout/IconCircleList"/>
+    <dgm:cxn modelId="{56002414-B084-42CC-854B-97186929025E}" type="presParOf" srcId="{66D8C416-F82F-4E63-B4F0-9C74E6000080}" destId="{1DAEA038-027B-468A-815F-2654A9D22A6B}" srcOrd="1" destOrd="0" presId="urn:microsoft.com/office/officeart/2018/2/layout/IconCircleList"/>
+    <dgm:cxn modelId="{064F556F-E51D-47CD-817A-2696B4ADC25D}" type="presParOf" srcId="{66D8C416-F82F-4E63-B4F0-9C74E6000080}" destId="{E4D6ACA1-FC6D-4A79-B7F7-882E0149F9BA}" srcOrd="2" destOrd="0" presId="urn:microsoft.com/office/officeart/2018/2/layout/IconCircleList"/>
+    <dgm:cxn modelId="{C75F7134-5592-404D-AA59-0B6E45B2954F}" type="presParOf" srcId="{66D8C416-F82F-4E63-B4F0-9C74E6000080}" destId="{86E88A41-39E2-4485-B523-5ACC6FA0B9BA}" srcOrd="3" destOrd="0" presId="urn:microsoft.com/office/officeart/2018/2/layout/IconCircleList"/>
+    <dgm:cxn modelId="{4DD42A3C-8682-48B1-BC3C-3BAD10325FDF}" type="presParOf" srcId="{774601D2-66BD-456F-9B98-6E90F34472D2}" destId="{7A4CDAEF-F834-4620-9DB9-F8613DB6612A}" srcOrd="3" destOrd="0" presId="urn:microsoft.com/office/officeart/2018/2/layout/IconCircleList"/>
+    <dgm:cxn modelId="{98491227-4798-463D-B1FF-733FDA6F38BB}" type="presParOf" srcId="{774601D2-66BD-456F-9B98-6E90F34472D2}" destId="{E2614C5C-277A-4D6D-9509-923DBA608069}" srcOrd="4" destOrd="0" presId="urn:microsoft.com/office/officeart/2018/2/layout/IconCircleList"/>
+    <dgm:cxn modelId="{30B6D546-37C7-4FC9-8B2B-DC7D575B70CF}" type="presParOf" srcId="{E2614C5C-277A-4D6D-9509-923DBA608069}" destId="{C6496A7F-94E5-49EF-8499-EF60EE8117D2}" srcOrd="0" destOrd="0" presId="urn:microsoft.com/office/officeart/2018/2/layout/IconCircleList"/>
+    <dgm:cxn modelId="{5FB3D1F1-FF80-4E85-AAB3-7B23CA5B1AEA}" type="presParOf" srcId="{E2614C5C-277A-4D6D-9509-923DBA608069}" destId="{C367DD55-09DB-49C3-A057-B82B9CCD4EC1}" srcOrd="1" destOrd="0" presId="urn:microsoft.com/office/officeart/2018/2/layout/IconCircleList"/>
+    <dgm:cxn modelId="{67FC6B92-A2C8-45D8-9292-A7F114DC6098}" type="presParOf" srcId="{E2614C5C-277A-4D6D-9509-923DBA608069}" destId="{5167F289-BDCF-464A-8C26-B4DA678A8ED9}" srcOrd="2" destOrd="0" presId="urn:microsoft.com/office/officeart/2018/2/layout/IconCircleList"/>
+    <dgm:cxn modelId="{9BB1569A-504E-440E-8BB0-E024EE7CDECD}" type="presParOf" srcId="{E2614C5C-277A-4D6D-9509-923DBA608069}" destId="{D470E7A2-DB44-4832-801B-EA49A2549C6E}" srcOrd="3" destOrd="0" presId="urn:microsoft.com/office/officeart/2018/2/layout/IconCircleList"/>
+    <dgm:cxn modelId="{CCB60B0F-59FE-4479-8414-985AC64CED1D}" type="presParOf" srcId="{774601D2-66BD-456F-9B98-6E90F34472D2}" destId="{9284CF1E-9B9D-49E6-8074-8F97770464BF}" srcOrd="5" destOrd="0" presId="urn:microsoft.com/office/officeart/2018/2/layout/IconCircleList"/>
+    <dgm:cxn modelId="{A91A9749-3C5A-4C04-889B-489EBA5830B3}" type="presParOf" srcId="{774601D2-66BD-456F-9B98-6E90F34472D2}" destId="{D8821321-2B2B-407B-A7D9-E083ADDF5621}" srcOrd="6" destOrd="0" presId="urn:microsoft.com/office/officeart/2018/2/layout/IconCircleList"/>
+    <dgm:cxn modelId="{7264A5D0-9E24-445C-B652-958453316DD2}" type="presParOf" srcId="{D8821321-2B2B-407B-A7D9-E083ADDF5621}" destId="{99F94F55-9721-4272-BE09-95D32685C3CD}" srcOrd="0" destOrd="0" presId="urn:microsoft.com/office/officeart/2018/2/layout/IconCircleList"/>
+    <dgm:cxn modelId="{E47332B5-1150-4101-981A-CA7A1E08E052}" type="presParOf" srcId="{D8821321-2B2B-407B-A7D9-E083ADDF5621}" destId="{4B09F418-011B-41C0-954C-05FCAE4D1A12}" srcOrd="1" destOrd="0" presId="urn:microsoft.com/office/officeart/2018/2/layout/IconCircleList"/>
+    <dgm:cxn modelId="{E29E90D4-0B9E-481A-80A9-ADA014E96B4E}" type="presParOf" srcId="{D8821321-2B2B-407B-A7D9-E083ADDF5621}" destId="{A809D547-5CCB-4660-BD1A-3CB770463142}" srcOrd="2" destOrd="0" presId="urn:microsoft.com/office/officeart/2018/2/layout/IconCircleList"/>
+    <dgm:cxn modelId="{1EF08778-7469-49CB-B5C9-7CBFA24EC45B}" type="presParOf" srcId="{D8821321-2B2B-407B-A7D9-E083ADDF5621}" destId="{6C565DFA-5895-4B94-AFD9-C7AD0C4DB62B}" srcOrd="3" destOrd="0" presId="urn:microsoft.com/office/officeart/2018/2/layout/IconCircleList"/>
   </dgm:cxnLst>
   <dgm:bg/>
   <dgm:whole/>
@@ -4230,6 +4592,13 @@
             <a:srgbClr val="E6D49C"/>
           </a:solidFill>
         </a:ln>
+        <a:effectLst>
+          <a:outerShdw blurRad="63500" sx="102000" sy="102000" algn="ctr" rotWithShape="0">
+            <a:prstClr val="black">
+              <a:alpha val="40000"/>
+            </a:prstClr>
+          </a:outerShdw>
+        </a:effectLst>
       </dgm:spPr>
       <dgm:t>
         <a:bodyPr/>
@@ -4278,6 +4647,13 @@
             <a:srgbClr val="323330"/>
           </a:solidFill>
         </a:ln>
+        <a:effectLst>
+          <a:outerShdw blurRad="63500" sx="102000" sy="102000" algn="ctr" rotWithShape="0">
+            <a:prstClr val="black">
+              <a:alpha val="40000"/>
+            </a:prstClr>
+          </a:outerShdw>
+        </a:effectLst>
       </dgm:spPr>
       <dgm:t>
         <a:bodyPr/>
@@ -4332,6 +4708,13 @@
             </a:schemeClr>
           </a:solidFill>
         </a:ln>
+        <a:effectLst>
+          <a:outerShdw blurRad="63500" sx="102000" sy="102000" algn="ctr" rotWithShape="0">
+            <a:prstClr val="black">
+              <a:alpha val="40000"/>
+            </a:prstClr>
+          </a:outerShdw>
+        </a:effectLst>
       </dgm:spPr>
       <dgm:t>
         <a:bodyPr/>
@@ -4388,12 +4771,19 @@
             <a:schemeClr val="accent1"/>
           </a:solidFill>
         </a:ln>
+        <a:effectLst>
+          <a:outerShdw blurRad="63500" sx="102000" sy="102000" algn="ctr" rotWithShape="0">
+            <a:prstClr val="black">
+              <a:alpha val="40000"/>
+            </a:prstClr>
+          </a:outerShdw>
+        </a:effectLst>
       </dgm:spPr>
       <dgm:t>
         <a:bodyPr/>
         <a:lstStyle/>
         <a:p>
-          <a:endParaRPr lang="en-US" sz="3600" dirty="0"/>
+          <a:endParaRPr lang="en-US" sz="2600" dirty="0"/>
         </a:p>
         <a:p>
           <a:r>
@@ -4442,6 +4832,13 @@
             </a:schemeClr>
           </a:solidFill>
         </a:ln>
+        <a:effectLst>
+          <a:outerShdw blurRad="63500" sx="102000" sy="102000" algn="ctr" rotWithShape="0">
+            <a:prstClr val="black">
+              <a:alpha val="40000"/>
+            </a:prstClr>
+          </a:outerShdw>
+        </a:effectLst>
       </dgm:spPr>
       <dgm:t>
         <a:bodyPr/>
@@ -4496,6 +4893,13 @@
             </a:schemeClr>
           </a:solidFill>
         </a:ln>
+        <a:effectLst>
+          <a:outerShdw blurRad="63500" sx="102000" sy="102000" algn="ctr" rotWithShape="0">
+            <a:prstClr val="black">
+              <a:alpha val="40000"/>
+            </a:prstClr>
+          </a:outerShdw>
+        </a:effectLst>
       </dgm:spPr>
       <dgm:t>
         <a:bodyPr/>
@@ -4544,14 +4948,23 @@
             <a:srgbClr val="904CFF"/>
           </a:solidFill>
         </a:ln>
+        <a:effectLst>
+          <a:outerShdw blurRad="63500" sx="102000" sy="102000" algn="ctr" rotWithShape="0">
+            <a:prstClr val="black">
+              <a:alpha val="40000"/>
+            </a:prstClr>
+          </a:outerShdw>
+        </a:effectLst>
       </dgm:spPr>
       <dgm:t>
         <a:bodyPr/>
         <a:lstStyle/>
         <a:p>
+          <a:pPr algn="ctr"/>
           <a:endParaRPr lang="en-US" sz="3600" dirty="0"/>
         </a:p>
         <a:p>
+          <a:pPr algn="ctr"/>
           <a:r>
             <a:rPr lang="en-US" sz="2600" dirty="0"/>
             <a:t>Figma</a:t>
@@ -4598,6 +5011,13 @@
             </a:schemeClr>
           </a:solidFill>
         </a:ln>
+        <a:effectLst>
+          <a:outerShdw blurRad="63500" sx="102000" sy="102000" algn="ctr" rotWithShape="0">
+            <a:prstClr val="black">
+              <a:alpha val="40000"/>
+            </a:prstClr>
+          </a:outerShdw>
+        </a:effectLst>
       </dgm:spPr>
       <dgm:t>
         <a:bodyPr/>
@@ -4647,6 +5067,13 @@
             <a:srgbClr val="FCB2D7"/>
           </a:solidFill>
         </a:ln>
+        <a:effectLst>
+          <a:outerShdw blurRad="63500" sx="102000" sy="102000" algn="ctr" rotWithShape="0">
+            <a:prstClr val="black">
+              <a:alpha val="40000"/>
+            </a:prstClr>
+          </a:outerShdw>
+        </a:effectLst>
       </dgm:spPr>
       <dgm:t>
         <a:bodyPr/>
@@ -4875,15 +5302,61 @@
       <dsp:cNvGrpSpPr/>
     </dsp:nvGrpSpPr>
     <dsp:grpSpPr/>
-    <dsp:sp modelId="{86FF2D2E-5D12-49EB-9FCE-15905A747093}">
+    <dsp:sp modelId="{38D1CF48-980C-4DA3-9DC3-CAF81D910B4A}">
       <dsp:nvSpPr>
         <dsp:cNvPr id="0" name=""/>
         <dsp:cNvSpPr/>
       </dsp:nvSpPr>
       <dsp:spPr>
         <a:xfrm>
-          <a:off x="1027755" y="583793"/>
-          <a:ext cx="928991" cy="928991"/>
+          <a:off x="169274" y="530739"/>
+          <a:ext cx="1313690" cy="1313690"/>
+        </a:xfrm>
+        <a:prstGeom prst="ellipse">
+          <a:avLst/>
+        </a:prstGeom>
+        <a:solidFill>
+          <a:schemeClr val="accent2">
+            <a:tint val="40000"/>
+            <a:hueOff val="0"/>
+            <a:satOff val="0"/>
+            <a:lumOff val="0"/>
+            <a:alphaOff val="0"/>
+          </a:schemeClr>
+        </a:solidFill>
+        <a:ln>
+          <a:noFill/>
+        </a:ln>
+        <a:effectLst>
+          <a:outerShdw blurRad="50800" dist="38100" dir="10800000" algn="r" rotWithShape="0">
+            <a:prstClr val="black">
+              <a:alpha val="40000"/>
+            </a:prstClr>
+          </a:outerShdw>
+        </a:effectLst>
+      </dsp:spPr>
+      <dsp:style>
+        <a:lnRef idx="0">
+          <a:scrgbClr r="0" g="0" b="0"/>
+        </a:lnRef>
+        <a:fillRef idx="1">
+          <a:scrgbClr r="0" g="0" b="0"/>
+        </a:fillRef>
+        <a:effectRef idx="0">
+          <a:scrgbClr r="0" g="0" b="0"/>
+        </a:effectRef>
+        <a:fontRef idx="minor"/>
+      </dsp:style>
+    </dsp:sp>
+    <dsp:sp modelId="{CD825A1B-62A1-4E64-ADF7-CFCAA456226E}">
+      <dsp:nvSpPr>
+        <dsp:cNvPr id="0" name=""/>
+        <dsp:cNvSpPr/>
+      </dsp:nvSpPr>
+      <dsp:spPr>
+        <a:xfrm>
+          <a:off x="445149" y="806614"/>
+          <a:ext cx="761940" cy="761940"/>
         </a:xfrm>
         <a:prstGeom prst="rect">
           <a:avLst/>
@@ -4924,15 +5397,15 @@
         </a:fontRef>
       </dsp:style>
     </dsp:sp>
-    <dsp:sp modelId="{D58BA6CC-10E4-43BA-9B4C-B759AFF7A01B}">
+    <dsp:sp modelId="{7BE03AAA-A946-48B0-9442-2E686875FC76}">
       <dsp:nvSpPr>
         <dsp:cNvPr id="0" name=""/>
         <dsp:cNvSpPr/>
       </dsp:nvSpPr>
       <dsp:spPr>
         <a:xfrm>
-          <a:off x="460038" y="1803954"/>
-          <a:ext cx="2064425" cy="720000"/>
+          <a:off x="1764469" y="530739"/>
+          <a:ext cx="3096554" cy="1313690"/>
         </a:xfrm>
         <a:prstGeom prst="rect">
           <a:avLst/>
@@ -4956,14 +5429,14 @@
         <a:fontRef idx="minor"/>
       </dsp:style>
       <dsp:txBody>
-        <a:bodyPr spcFirstLastPara="0" vert="horz" wrap="square" lIns="0" tIns="0" rIns="0" bIns="0" numCol="1" spcCol="1270" anchor="t" anchorCtr="0">
+        <a:bodyPr spcFirstLastPara="0" vert="horz" wrap="square" lIns="0" tIns="0" rIns="0" bIns="0" numCol="1" spcCol="1270" anchor="ctr" anchorCtr="0">
           <a:noAutofit/>
         </a:bodyPr>
         <a:lstStyle/>
         <a:p>
-          <a:pPr marL="0" lvl="0" indent="0" algn="ctr" defTabSz="755650">
+          <a:pPr marL="0" lvl="0" indent="0" algn="just" defTabSz="622300">
             <a:lnSpc>
-              <a:spcPct val="90000"/>
+              <a:spcPct val="100000"/>
             </a:lnSpc>
             <a:spcBef>
               <a:spcPct val="0"/>
@@ -4974,25 +5447,71 @@
             <a:buNone/>
           </a:pPr>
           <a:r>
-            <a:rPr lang="en-US" sz="1700" kern="1200"/>
-            <a:t>Accurate microclimate forecasts and predictions.</a:t>
+            <a:rPr lang="en-US" sz="1400" kern="1200" dirty="0"/>
+            <a:t>Accurate microclimate forecasts and predictions by combining meteorological data from open APIs with real and virtual local weather data from sensors.</a:t>
           </a:r>
         </a:p>
       </dsp:txBody>
       <dsp:txXfrm>
-        <a:off x="460038" y="1803954"/>
-        <a:ext cx="2064425" cy="720000"/>
+        <a:off x="1764469" y="530739"/>
+        <a:ext cx="3096554" cy="1313690"/>
       </dsp:txXfrm>
     </dsp:sp>
-    <dsp:sp modelId="{EB0EA6A1-6631-4771-A67B-BBC41AF5B57C}">
+    <dsp:sp modelId="{92DDBF0D-C5F4-4533-A1F3-03403B88B689}">
       <dsp:nvSpPr>
         <dsp:cNvPr id="0" name=""/>
         <dsp:cNvSpPr/>
       </dsp:nvSpPr>
       <dsp:spPr>
         <a:xfrm>
-          <a:off x="3453454" y="583793"/>
-          <a:ext cx="928991" cy="928991"/>
+          <a:off x="5400575" y="530739"/>
+          <a:ext cx="1313690" cy="1313690"/>
+        </a:xfrm>
+        <a:prstGeom prst="ellipse">
+          <a:avLst/>
+        </a:prstGeom>
+        <a:solidFill>
+          <a:schemeClr val="accent2">
+            <a:tint val="40000"/>
+            <a:hueOff val="0"/>
+            <a:satOff val="0"/>
+            <a:lumOff val="0"/>
+            <a:alphaOff val="0"/>
+          </a:schemeClr>
+        </a:solidFill>
+        <a:ln>
+          <a:noFill/>
+        </a:ln>
+        <a:effectLst>
+          <a:outerShdw blurRad="50800" dist="38100" dir="10800000" algn="r" rotWithShape="0">
+            <a:prstClr val="black">
+              <a:alpha val="40000"/>
+            </a:prstClr>
+          </a:outerShdw>
+        </a:effectLst>
+      </dsp:spPr>
+      <dsp:style>
+        <a:lnRef idx="0">
+          <a:scrgbClr r="0" g="0" b="0"/>
+        </a:lnRef>
+        <a:fillRef idx="1">
+          <a:scrgbClr r="0" g="0" b="0"/>
+        </a:fillRef>
+        <a:effectRef idx="0">
+          <a:scrgbClr r="0" g="0" b="0"/>
+        </a:effectRef>
+        <a:fontRef idx="minor"/>
+      </dsp:style>
+    </dsp:sp>
+    <dsp:sp modelId="{1DAEA038-027B-468A-815F-2654A9D22A6B}">
+      <dsp:nvSpPr>
+        <dsp:cNvPr id="0" name=""/>
+        <dsp:cNvSpPr/>
+      </dsp:nvSpPr>
+      <dsp:spPr>
+        <a:xfrm>
+          <a:off x="5676450" y="806614"/>
+          <a:ext cx="761940" cy="761940"/>
         </a:xfrm>
         <a:prstGeom prst="rect">
           <a:avLst/>
@@ -5033,15 +5552,15 @@
         </a:fontRef>
       </dsp:style>
     </dsp:sp>
-    <dsp:sp modelId="{7C7984C5-9F65-4F8A-A7E0-2E60735E6B4A}">
+    <dsp:sp modelId="{86E88A41-39E2-4485-B523-5ACC6FA0B9BA}">
       <dsp:nvSpPr>
         <dsp:cNvPr id="0" name=""/>
         <dsp:cNvSpPr/>
       </dsp:nvSpPr>
       <dsp:spPr>
         <a:xfrm>
-          <a:off x="2885737" y="1803954"/>
-          <a:ext cx="2064425" cy="720000"/>
+          <a:off x="6995770" y="530739"/>
+          <a:ext cx="3096554" cy="1313690"/>
         </a:xfrm>
         <a:prstGeom prst="rect">
           <a:avLst/>
@@ -5065,14 +5584,14 @@
         <a:fontRef idx="minor"/>
       </dsp:style>
       <dsp:txBody>
-        <a:bodyPr spcFirstLastPara="0" vert="horz" wrap="square" lIns="0" tIns="0" rIns="0" bIns="0" numCol="1" spcCol="1270" anchor="t" anchorCtr="0">
+        <a:bodyPr spcFirstLastPara="0" vert="horz" wrap="square" lIns="0" tIns="0" rIns="0" bIns="0" numCol="1" spcCol="1270" anchor="ctr" anchorCtr="0">
           <a:noAutofit/>
         </a:bodyPr>
         <a:lstStyle/>
         <a:p>
-          <a:pPr marL="0" lvl="0" indent="0" algn="ctr" defTabSz="755650">
+          <a:pPr marL="0" lvl="0" indent="0" algn="just" defTabSz="622300">
             <a:lnSpc>
-              <a:spcPct val="90000"/>
+              <a:spcPct val="100000"/>
             </a:lnSpc>
             <a:spcBef>
               <a:spcPct val="0"/>
@@ -5083,25 +5602,71 @@
             <a:buNone/>
           </a:pPr>
           <a:r>
-            <a:rPr lang="en-US" sz="1700" kern="1200" dirty="0"/>
-            <a:t>Correlation between microclimate and traffic data.</a:t>
+            <a:rPr lang="en-US" sz="1400" kern="1200" dirty="0"/>
+            <a:t>Calculation of the correlation index between traffic data and various microclimate parameters (such as wind, rain amount and temperature) depending on the point of interest under study. </a:t>
           </a:r>
         </a:p>
       </dsp:txBody>
       <dsp:txXfrm>
-        <a:off x="2885737" y="1803954"/>
-        <a:ext cx="2064425" cy="720000"/>
+        <a:off x="6995770" y="530739"/>
+        <a:ext cx="3096554" cy="1313690"/>
       </dsp:txXfrm>
     </dsp:sp>
-    <dsp:sp modelId="{3D9270A7-B9FF-4B03-BD30-8EDDFBFEB711}">
+    <dsp:sp modelId="{C6496A7F-94E5-49EF-8499-EF60EE8117D2}">
       <dsp:nvSpPr>
         <dsp:cNvPr id="0" name=""/>
         <dsp:cNvSpPr/>
       </dsp:nvSpPr>
       <dsp:spPr>
         <a:xfrm>
-          <a:off x="5879154" y="583793"/>
-          <a:ext cx="928991" cy="928991"/>
+          <a:off x="169274" y="2599979"/>
+          <a:ext cx="1313690" cy="1313690"/>
+        </a:xfrm>
+        <a:prstGeom prst="ellipse">
+          <a:avLst/>
+        </a:prstGeom>
+        <a:solidFill>
+          <a:schemeClr val="accent2">
+            <a:tint val="40000"/>
+            <a:hueOff val="0"/>
+            <a:satOff val="0"/>
+            <a:lumOff val="0"/>
+            <a:alphaOff val="0"/>
+          </a:schemeClr>
+        </a:solidFill>
+        <a:ln>
+          <a:noFill/>
+        </a:ln>
+        <a:effectLst>
+          <a:outerShdw blurRad="50800" dist="38100" dir="10800000" algn="r" rotWithShape="0">
+            <a:prstClr val="black">
+              <a:alpha val="40000"/>
+            </a:prstClr>
+          </a:outerShdw>
+        </a:effectLst>
+      </dsp:spPr>
+      <dsp:style>
+        <a:lnRef idx="0">
+          <a:scrgbClr r="0" g="0" b="0"/>
+        </a:lnRef>
+        <a:fillRef idx="1">
+          <a:scrgbClr r="0" g="0" b="0"/>
+        </a:fillRef>
+        <a:effectRef idx="0">
+          <a:scrgbClr r="0" g="0" b="0"/>
+        </a:effectRef>
+        <a:fontRef idx="minor"/>
+      </dsp:style>
+    </dsp:sp>
+    <dsp:sp modelId="{C367DD55-09DB-49C3-A057-B82B9CCD4EC1}">
+      <dsp:nvSpPr>
+        <dsp:cNvPr id="0" name=""/>
+        <dsp:cNvSpPr/>
+      </dsp:nvSpPr>
+      <dsp:spPr>
+        <a:xfrm>
+          <a:off x="445149" y="2875854"/>
+          <a:ext cx="761940" cy="761940"/>
         </a:xfrm>
         <a:prstGeom prst="rect">
           <a:avLst/>
@@ -5142,15 +5707,15 @@
         </a:fontRef>
       </dsp:style>
     </dsp:sp>
-    <dsp:sp modelId="{C7B5E408-394B-48DB-ACF7-3F287475F75F}">
+    <dsp:sp modelId="{D470E7A2-DB44-4832-801B-EA49A2549C6E}">
       <dsp:nvSpPr>
         <dsp:cNvPr id="0" name=""/>
         <dsp:cNvSpPr/>
       </dsp:nvSpPr>
       <dsp:spPr>
         <a:xfrm>
-          <a:off x="5311437" y="1803954"/>
-          <a:ext cx="2064425" cy="720000"/>
+          <a:off x="1764469" y="2599979"/>
+          <a:ext cx="3096554" cy="1313690"/>
         </a:xfrm>
         <a:prstGeom prst="rect">
           <a:avLst/>
@@ -5174,14 +5739,14 @@
         <a:fontRef idx="minor"/>
       </dsp:style>
       <dsp:txBody>
-        <a:bodyPr spcFirstLastPara="0" vert="horz" wrap="square" lIns="0" tIns="0" rIns="0" bIns="0" numCol="1" spcCol="1270" anchor="t" anchorCtr="0">
+        <a:bodyPr spcFirstLastPara="0" vert="horz" wrap="square" lIns="0" tIns="0" rIns="0" bIns="0" numCol="1" spcCol="1270" anchor="ctr" anchorCtr="0">
           <a:noAutofit/>
         </a:bodyPr>
         <a:lstStyle/>
         <a:p>
-          <a:pPr marL="0" lvl="0" indent="0" algn="ctr" defTabSz="755650">
+          <a:pPr marL="0" lvl="0" indent="0" algn="just" defTabSz="622300">
             <a:lnSpc>
-              <a:spcPct val="90000"/>
+              <a:spcPct val="100000"/>
             </a:lnSpc>
             <a:spcBef>
               <a:spcPct val="0"/>
@@ -5192,25 +5757,71 @@
             <a:buNone/>
           </a:pPr>
           <a:r>
-            <a:rPr lang="en-US" sz="1700" kern="1200"/>
-            <a:t>Visualization of heatmaps and graphs.</a:t>
+            <a:rPr lang="en-US" sz="1400" kern="1200" dirty="0"/>
+            <a:t>UI visualization of heatmaps and graphs indicating the progression of traffic versus key microclimate parameters’ alternations.</a:t>
           </a:r>
         </a:p>
       </dsp:txBody>
       <dsp:txXfrm>
-        <a:off x="5311437" y="1803954"/>
-        <a:ext cx="2064425" cy="720000"/>
+        <a:off x="1764469" y="2599979"/>
+        <a:ext cx="3096554" cy="1313690"/>
       </dsp:txXfrm>
     </dsp:sp>
-    <dsp:sp modelId="{05037638-0A9A-4F79-A218-1BD8E7CB2DB3}">
+    <dsp:sp modelId="{99F94F55-9721-4272-BE09-95D32685C3CD}">
       <dsp:nvSpPr>
         <dsp:cNvPr id="0" name=""/>
         <dsp:cNvSpPr/>
       </dsp:nvSpPr>
       <dsp:spPr>
         <a:xfrm>
-          <a:off x="8304853" y="583793"/>
-          <a:ext cx="928991" cy="928991"/>
+          <a:off x="5400575" y="2599979"/>
+          <a:ext cx="1313690" cy="1313690"/>
+        </a:xfrm>
+        <a:prstGeom prst="ellipse">
+          <a:avLst/>
+        </a:prstGeom>
+        <a:solidFill>
+          <a:schemeClr val="accent2">
+            <a:tint val="40000"/>
+            <a:hueOff val="0"/>
+            <a:satOff val="0"/>
+            <a:lumOff val="0"/>
+            <a:alphaOff val="0"/>
+          </a:schemeClr>
+        </a:solidFill>
+        <a:ln>
+          <a:noFill/>
+        </a:ln>
+        <a:effectLst>
+          <a:outerShdw blurRad="50800" dist="38100" dir="10800000" algn="r" rotWithShape="0">
+            <a:prstClr val="black">
+              <a:alpha val="40000"/>
+            </a:prstClr>
+          </a:outerShdw>
+        </a:effectLst>
+      </dsp:spPr>
+      <dsp:style>
+        <a:lnRef idx="0">
+          <a:scrgbClr r="0" g="0" b="0"/>
+        </a:lnRef>
+        <a:fillRef idx="1">
+          <a:scrgbClr r="0" g="0" b="0"/>
+        </a:fillRef>
+        <a:effectRef idx="0">
+          <a:scrgbClr r="0" g="0" b="0"/>
+        </a:effectRef>
+        <a:fontRef idx="minor"/>
+      </dsp:style>
+    </dsp:sp>
+    <dsp:sp modelId="{4B09F418-011B-41C0-954C-05FCAE4D1A12}">
+      <dsp:nvSpPr>
+        <dsp:cNvPr id="0" name=""/>
+        <dsp:cNvSpPr/>
+      </dsp:nvSpPr>
+      <dsp:spPr>
+        <a:xfrm>
+          <a:off x="5676450" y="2875854"/>
+          <a:ext cx="761940" cy="761940"/>
         </a:xfrm>
         <a:prstGeom prst="rect">
           <a:avLst/>
@@ -5251,15 +5862,15 @@
         </a:fontRef>
       </dsp:style>
     </dsp:sp>
-    <dsp:sp modelId="{0F31B521-097D-4591-A227-9DAB943F95A9}">
+    <dsp:sp modelId="{6C565DFA-5895-4B94-AFD9-C7AD0C4DB62B}">
       <dsp:nvSpPr>
         <dsp:cNvPr id="0" name=""/>
         <dsp:cNvSpPr/>
       </dsp:nvSpPr>
       <dsp:spPr>
         <a:xfrm>
-          <a:off x="7737136" y="1803954"/>
-          <a:ext cx="2064425" cy="720000"/>
+          <a:off x="6995770" y="2599979"/>
+          <a:ext cx="3096554" cy="1313690"/>
         </a:xfrm>
         <a:prstGeom prst="rect">
           <a:avLst/>
@@ -5283,14 +5894,14 @@
         <a:fontRef idx="minor"/>
       </dsp:style>
       <dsp:txBody>
-        <a:bodyPr spcFirstLastPara="0" vert="horz" wrap="square" lIns="0" tIns="0" rIns="0" bIns="0" numCol="1" spcCol="1270" anchor="t" anchorCtr="0">
+        <a:bodyPr spcFirstLastPara="0" vert="horz" wrap="square" lIns="0" tIns="0" rIns="0" bIns="0" numCol="1" spcCol="1270" anchor="ctr" anchorCtr="0">
           <a:noAutofit/>
         </a:bodyPr>
         <a:lstStyle/>
         <a:p>
-          <a:pPr marL="0" lvl="0" indent="0" algn="ctr" defTabSz="755650">
+          <a:pPr marL="0" lvl="0" indent="0" algn="just" defTabSz="622300">
             <a:lnSpc>
-              <a:spcPct val="90000"/>
+              <a:spcPct val="100000"/>
             </a:lnSpc>
             <a:spcBef>
               <a:spcPct val="0"/>
@@ -5301,14 +5912,23 @@
             <a:buNone/>
           </a:pPr>
           <a:r>
-            <a:rPr lang="en-US" sz="1700" kern="1200"/>
-            <a:t>Alerts and warning reports. </a:t>
+            <a:rPr lang="en-US" sz="1400" kern="1200" dirty="0"/>
+            <a:t>Alerts and warning reports concerning slippery</a:t>
           </a:r>
+          <a:r>
+            <a:rPr lang="el-GR" sz="1400" kern="1200" dirty="0"/>
+            <a:t> </a:t>
+          </a:r>
+          <a:r>
+            <a:rPr lang="en-US" sz="1400" b="0" i="0" kern="1200" dirty="0"/>
+            <a:t>roundabouts caused by severe rainfall, dangerously windy bridges, road closures due to flood or fallen trees and frozen roads because of snow. </a:t>
+          </a:r>
+          <a:endParaRPr lang="en-US" sz="1400" kern="1200" dirty="0"/>
         </a:p>
       </dsp:txBody>
       <dsp:txXfrm>
-        <a:off x="7737136" y="1803954"/>
-        <a:ext cx="2064425" cy="720000"/>
+        <a:off x="6995770" y="2599979"/>
+        <a:ext cx="3096554" cy="1313690"/>
       </dsp:txXfrm>
     </dsp:sp>
   </dsp:spTree>
@@ -5345,7 +5965,13 @@
           </a:solidFill>
           <a:prstDash val="solid"/>
         </a:ln>
-        <a:effectLst/>
+        <a:effectLst>
+          <a:outerShdw blurRad="63500" sx="102000" sy="102000" algn="ctr" rotWithShape="0">
+            <a:prstClr val="black">
+              <a:alpha val="40000"/>
+            </a:prstClr>
+          </a:outerShdw>
+        </a:effectLst>
       </dsp:spPr>
       <dsp:style>
         <a:lnRef idx="2">
@@ -5427,7 +6053,13 @@
           </a:solidFill>
           <a:prstDash val="solid"/>
         </a:ln>
-        <a:effectLst/>
+        <a:effectLst>
+          <a:outerShdw blurRad="63500" sx="102000" sy="102000" algn="ctr" rotWithShape="0">
+            <a:prstClr val="black">
+              <a:alpha val="40000"/>
+            </a:prstClr>
+          </a:outerShdw>
+        </a:effectLst>
       </dsp:spPr>
       <dsp:style>
         <a:lnRef idx="2">
@@ -5515,7 +6147,13 @@
           </a:solidFill>
           <a:prstDash val="solid"/>
         </a:ln>
-        <a:effectLst/>
+        <a:effectLst>
+          <a:outerShdw blurRad="63500" sx="102000" sy="102000" algn="ctr" rotWithShape="0">
+            <a:prstClr val="black">
+              <a:alpha val="40000"/>
+            </a:prstClr>
+          </a:outerShdw>
+        </a:effectLst>
       </dsp:spPr>
       <dsp:style>
         <a:lnRef idx="2">
@@ -5611,7 +6249,13 @@
           </a:solidFill>
           <a:prstDash val="solid"/>
         </a:ln>
-        <a:effectLst/>
+        <a:effectLst>
+          <a:outerShdw blurRad="63500" sx="102000" sy="102000" algn="ctr" rotWithShape="0">
+            <a:prstClr val="black">
+              <a:alpha val="40000"/>
+            </a:prstClr>
+          </a:outerShdw>
+        </a:effectLst>
       </dsp:spPr>
       <dsp:style>
         <a:lnRef idx="2">
@@ -5682,7 +6326,13 @@
           </a:solidFill>
           <a:prstDash val="solid"/>
         </a:ln>
-        <a:effectLst/>
+        <a:effectLst>
+          <a:outerShdw blurRad="63500" sx="102000" sy="102000" algn="ctr" rotWithShape="0">
+            <a:prstClr val="black">
+              <a:alpha val="40000"/>
+            </a:prstClr>
+          </a:outerShdw>
+        </a:effectLst>
       </dsp:spPr>
       <dsp:style>
         <a:lnRef idx="2">
@@ -5785,7 +6435,13 @@
           </a:solidFill>
           <a:prstDash val="solid"/>
         </a:ln>
-        <a:effectLst/>
+        <a:effectLst>
+          <a:outerShdw blurRad="63500" sx="102000" sy="102000" algn="ctr" rotWithShape="0">
+            <a:prstClr val="black">
+              <a:alpha val="40000"/>
+            </a:prstClr>
+          </a:outerShdw>
+        </a:effectLst>
       </dsp:spPr>
       <dsp:style>
         <a:lnRef idx="2">
@@ -5802,12 +6458,12 @@
         </a:fontRef>
       </dsp:style>
       <dsp:txBody>
-        <a:bodyPr spcFirstLastPara="0" vert="horz" wrap="square" lIns="137160" tIns="137160" rIns="137160" bIns="137160" numCol="1" spcCol="1270" anchor="ctr" anchorCtr="0">
+        <a:bodyPr spcFirstLastPara="0" vert="horz" wrap="square" lIns="99060" tIns="99060" rIns="99060" bIns="99060" numCol="1" spcCol="1270" anchor="ctr" anchorCtr="0">
           <a:noAutofit/>
         </a:bodyPr>
         <a:lstStyle/>
         <a:p>
-          <a:pPr marL="0" lvl="0" indent="0" algn="ctr" defTabSz="1600200">
+          <a:pPr marL="0" lvl="0" indent="0" algn="ctr" defTabSz="1155700">
             <a:lnSpc>
               <a:spcPct val="90000"/>
             </a:lnSpc>
@@ -5819,10 +6475,10 @@
             </a:spcAft>
             <a:buNone/>
           </a:pPr>
-          <a:endParaRPr lang="en-US" sz="3600" kern="1200" dirty="0"/>
+          <a:endParaRPr lang="en-US" sz="2600" kern="1200" dirty="0"/>
         </a:p>
         <a:p>
-          <a:pPr marL="0" lvl="0" indent="0" algn="ctr" defTabSz="1600200">
+          <a:pPr marL="0" lvl="0" indent="0" algn="ctr" defTabSz="1155700">
             <a:lnSpc>
               <a:spcPct val="90000"/>
             </a:lnSpc>
@@ -5873,7 +6529,13 @@
           </a:solidFill>
           <a:prstDash val="solid"/>
         </a:ln>
-        <a:effectLst/>
+        <a:effectLst>
+          <a:outerShdw blurRad="63500" sx="102000" sy="102000" algn="ctr" rotWithShape="0">
+            <a:prstClr val="black">
+              <a:alpha val="40000"/>
+            </a:prstClr>
+          </a:outerShdw>
+        </a:effectLst>
       </dsp:spPr>
       <dsp:style>
         <a:lnRef idx="2">
@@ -5961,7 +6623,13 @@
           </a:solidFill>
           <a:prstDash val="solid"/>
         </a:ln>
-        <a:effectLst/>
+        <a:effectLst>
+          <a:outerShdw blurRad="63500" sx="102000" sy="102000" algn="ctr" rotWithShape="0">
+            <a:prstClr val="black">
+              <a:alpha val="40000"/>
+            </a:prstClr>
+          </a:outerShdw>
+        </a:effectLst>
       </dsp:spPr>
       <dsp:style>
         <a:lnRef idx="2">
@@ -6043,7 +6711,13 @@
           </a:solidFill>
           <a:prstDash val="solid"/>
         </a:ln>
-        <a:effectLst/>
+        <a:effectLst>
+          <a:outerShdw blurRad="63500" sx="102000" sy="102000" algn="ctr" rotWithShape="0">
+            <a:prstClr val="black">
+              <a:alpha val="40000"/>
+            </a:prstClr>
+          </a:outerShdw>
+        </a:effectLst>
       </dsp:spPr>
       <dsp:style>
         <a:lnRef idx="2">
@@ -6108,9 +6782,9 @@
 </file>
 
 <file path=ppt/diagrams/layout1.xml><?xml version="1.0" encoding="utf-8"?>
-<dgm:layoutDef xmlns:dgm="http://schemas.openxmlformats.org/drawingml/2006/diagram" xmlns:a="http://schemas.openxmlformats.org/drawingml/2006/main" uniqueId="urn:microsoft.com/office/officeart/2018/2/layout/IconLabelList">
-  <dgm:title val="Icon Label List"/>
-  <dgm:desc val="Use to show non-sequential or grouped chunks of information accompanied by a related visuals. Works best with icons or small pictures with short text captions."/>
+<dgm:layoutDef xmlns:dgm="http://schemas.openxmlformats.org/drawingml/2006/diagram" xmlns:a="http://schemas.openxmlformats.org/drawingml/2006/main" uniqueId="urn:microsoft.com/office/officeart/2018/2/layout/IconCircleList">
+  <dgm:title val="Icon Circle List"/>
+  <dgm:desc val="Use to show non-sequential or grouped chunks of information accompanied by related visuals. Circular shapes can hold an icon or small picture and corresponding text box shows Level 1 text. Works best for icons or small pictures with medium-length descriptions."/>
   <dgm:catLst>
     <dgm:cat type="icon" pri="500"/>
   </dgm:catLst>
@@ -6140,148 +6814,170 @@
       <dgm:dir/>
       <dgm:resizeHandles val="exact"/>
     </dgm:varLst>
-    <dgm:choose name="Name0">
-      <dgm:if name="Name1" axis="self" func="var" arg="dir" op="equ" val="norm">
-        <dgm:alg type="snake">
-          <dgm:param type="grDir" val="tL"/>
-          <dgm:param type="flowDir" val="row"/>
-          <dgm:param type="contDir" val="sameDir"/>
-          <dgm:param type="off" val="ctr"/>
-          <dgm:param type="vertAlign" val="mid"/>
-          <dgm:param type="horzAlign" val="ctr"/>
-        </dgm:alg>
-      </dgm:if>
-      <dgm:else name="Name2">
-        <dgm:alg type="snake">
-          <dgm:param type="grDir" val="tR"/>
-          <dgm:param type="flowDir" val="row"/>
-          <dgm:param type="contDir" val="sameDir"/>
-          <dgm:param type="off" val="ctr"/>
-          <dgm:param type="vertAlign" val="mid"/>
-          <dgm:param type="horzAlign" val="ctr"/>
-        </dgm:alg>
-      </dgm:else>
-    </dgm:choose>
+    <dgm:alg type="sp"/>
     <dgm:shape xmlns:r="http://schemas.openxmlformats.org/officeDocument/2006/relationships" r:blip="">
       <dgm:adjLst/>
     </dgm:shape>
     <dgm:presOf/>
-    <dgm:choose name="Name3">
-      <dgm:if name="Name4" axis="ch" ptType="node" func="cnt" op="lte" val="2">
+    <dgm:choose name="Name0">
+      <dgm:if name="Name1" axis="ch" ptType="node" func="cnt" op="lte" val="3">
         <dgm:constrLst>
-          <dgm:constr type="h" for="ch" forName="compNode" refType="h" fact="0.4"/>
-          <dgm:constr type="w" for="ch" forName="compNode" val="120"/>
-          <dgm:constr type="w" for="ch" forName="sibTrans" refType="w" refFor="ch" refForName="compNode" fact="0.175"/>
-          <dgm:constr type="sp" refType="w" refFor="ch" refForName="compNode" op="equ" fact="0.25"/>
-          <dgm:constr type="primFontSz" for="des" ptType="node" op="equ" val="50"/>
-          <dgm:constr type="h" for="des" forName="compNode" op="equ"/>
-          <dgm:constr type="h" for="des" forName="textRect" op="equ"/>
+          <dgm:constr type="w" for="ch" forName="container" refType="w"/>
+          <dgm:constr type="h" for="ch" forName="container" refType="h" fact="0.4"/>
         </dgm:constrLst>
       </dgm:if>
-      <dgm:if name="Name5" axis="ch" ptType="node" func="cnt" op="lte" val="4">
+      <dgm:else name="Name2">
         <dgm:constrLst>
-          <dgm:constr type="h" for="ch" forName="compNode" refType="h" fact="0.4"/>
-          <dgm:constr type="w" for="ch" forName="compNode" refType="w"/>
-          <dgm:constr type="w" for="ch" forName="sibTrans" refType="w" refFor="ch" refForName="compNode" fact="0.175"/>
-          <dgm:constr type="sp" refType="w" refFor="ch" refForName="compNode" op="equ" fact="0.25"/>
-          <dgm:constr type="primFontSz" for="des" ptType="node" op="equ" val="36"/>
-          <dgm:constr type="h" for="des" forName="compNode" op="equ"/>
-          <dgm:constr type="h" for="des" forName="textRect" op="equ"/>
-        </dgm:constrLst>
-      </dgm:if>
-      <dgm:else name="Name6">
-        <dgm:constrLst>
-          <dgm:constr type="h" for="ch" forName="compNode" refType="h" fact="0.4"/>
-          <dgm:constr type="w" for="ch" forName="compNode" refType="w"/>
-          <dgm:constr type="w" for="ch" forName="sibTrans" refType="w" refFor="ch" refForName="compNode" fact="0.175"/>
-          <dgm:constr type="sp" refType="w" refFor="ch" refForName="compNode" op="equ" fact="0.25"/>
-          <dgm:constr type="primFontSz" for="des" ptType="node" op="equ" val="24"/>
-          <dgm:constr type="h" for="des" forName="compNode" op="equ"/>
-          <dgm:constr type="h" for="des" forName="textRect" op="equ"/>
+          <dgm:constr type="w" for="ch" forName="container" refType="w"/>
+          <dgm:constr type="h" for="ch" forName="container" refType="h"/>
         </dgm:constrLst>
       </dgm:else>
     </dgm:choose>
     <dgm:ruleLst>
-      <dgm:rule type="w" for="ch" forName="compNode" val="50" fact="NaN" max="NaN"/>
+      <dgm:rule type="h" for="ch" forName="container" val="INF" fact="NaN" max="NaN"/>
     </dgm:ruleLst>
-    <dgm:forEach name="Name7" axis="ch" ptType="node">
-      <dgm:layoutNode name="compNode">
-        <dgm:alg type="composite"/>
-        <dgm:shape xmlns:r="http://schemas.openxmlformats.org/officeDocument/2006/relationships" r:blip="">
-          <dgm:adjLst/>
-        </dgm:shape>
-        <dgm:presOf axis="self"/>
-        <dgm:constrLst>
-          <dgm:constr type="w" for="ch" forName="iconRect" refType="w" fact="0.45"/>
-          <dgm:constr type="h" for="ch" forName="iconRect" refType="w" refFor="ch" refForName="iconRect"/>
-          <dgm:constr type="ctrX" for="ch" forName="iconRect" refType="w" fact="0.5"/>
-          <dgm:constr type="t" for="ch" forName="iconRect"/>
-          <dgm:constr type="h" for="ch" forName="spaceRect" refType="h" fact="0.15"/>
-          <dgm:constr type="w" for="ch" forName="spaceRect" refType="w"/>
-          <dgm:constr type="l" for="ch" forName="spaceRect"/>
-          <dgm:constr type="t" for="ch" forName="spaceRect" refType="b" refFor="ch" refForName="iconRect"/>
-          <dgm:constr type="h" for="ch" forName="textRect" val="20"/>
-          <dgm:constr type="w" for="ch" forName="textRect" refType="w"/>
-          <dgm:constr type="l" for="ch" forName="textRect"/>
-          <dgm:constr type="t" for="ch" forName="textRect" refType="b" refFor="ch" refForName="spaceRect"/>
-        </dgm:constrLst>
-        <dgm:ruleLst>
-          <dgm:rule type="h" val="INF" fact="NaN" max="NaN"/>
-        </dgm:ruleLst>
-        <dgm:layoutNode name="iconRect" styleLbl="node1">
-          <dgm:alg type="sp"/>
-          <dgm:shape xmlns:r="http://schemas.openxmlformats.org/officeDocument/2006/relationships" type="rect" r:blip="" blipPhldr="1">
-            <dgm:adjLst/>
-          </dgm:shape>
-          <dgm:presOf/>
-          <dgm:constrLst/>
-          <dgm:ruleLst/>
-        </dgm:layoutNode>
-        <dgm:layoutNode name="spaceRect">
-          <dgm:alg type="sp"/>
-          <dgm:shape xmlns:r="http://schemas.openxmlformats.org/officeDocument/2006/relationships" r:blip="">
-            <dgm:adjLst/>
-          </dgm:shape>
-          <dgm:presOf/>
-          <dgm:constrLst/>
-          <dgm:ruleLst/>
-        </dgm:layoutNode>
-        <dgm:layoutNode name="textRect" styleLbl="revTx">
-          <dgm:varLst>
-            <dgm:chMax val="1"/>
-            <dgm:chPref val="1"/>
-          </dgm:varLst>
-          <dgm:alg type="tx">
-            <dgm:param type="txAnchorVert" val="t"/>
+    <dgm:layoutNode name="container">
+      <dgm:varLst>
+        <dgm:dir/>
+        <dgm:resizeHandles val="exact"/>
+      </dgm:varLst>
+      <dgm:choose name="Name3">
+        <dgm:if name="Name4" axis="self" func="var" arg="dir" op="equ" val="norm">
+          <dgm:alg type="snake">
+            <dgm:param type="grDir" val="tL"/>
+            <dgm:param type="flowDir" val="row"/>
+            <dgm:param type="contDir" val="sameDir"/>
           </dgm:alg>
-          <dgm:shape xmlns:r="http://schemas.openxmlformats.org/officeDocument/2006/relationships" type="rect" r:blip="">
-            <dgm:adjLst/>
-          </dgm:shape>
-          <dgm:presOf axis="self" ptType="node"/>
-          <dgm:constrLst>
-            <dgm:constr type="lMarg"/>
-            <dgm:constr type="rMarg"/>
-            <dgm:constr type="tMarg"/>
-            <dgm:constr type="bMarg"/>
-          </dgm:constrLst>
-          <dgm:ruleLst>
-            <dgm:rule type="primFontSz" val="11" fact="NaN" max="NaN"/>
-            <dgm:rule type="h" val="INF" fact="NaN" max="NaN"/>
-          </dgm:ruleLst>
-        </dgm:layoutNode>
-      </dgm:layoutNode>
-      <dgm:forEach name="Name8" axis="followSib" ptType="sibTrans" cnt="1">
-        <dgm:layoutNode name="sibTrans">
-          <dgm:alg type="sp"/>
+        </dgm:if>
+        <dgm:else name="Name5">
+          <dgm:alg type="snake">
+            <dgm:param type="grDir" val="tR"/>
+            <dgm:param type="flowDir" val="row"/>
+            <dgm:param type="contDir" val="sameDir"/>
+          </dgm:alg>
+        </dgm:else>
+      </dgm:choose>
+      <dgm:shape xmlns:r="http://schemas.openxmlformats.org/officeDocument/2006/relationships" r:blip="">
+        <dgm:adjLst/>
+      </dgm:shape>
+      <dgm:presOf/>
+      <dgm:constrLst>
+        <dgm:constr type="w" for="ch" forName="compNode" refType="w"/>
+        <dgm:constr type="h" for="ch" forName="compNode" refType="w" fact="0.28"/>
+        <dgm:constr type="w" for="ch" forName="sibTrans" refType="w" refFor="ch" refForName="compNode" fact="0.115"/>
+        <dgm:constr type="sp" refType="h" op="equ" fact="0.17"/>
+        <dgm:constr type="primFontSz" for="des" ptType="node" op="equ" val="24"/>
+        <dgm:constr type="h" for="des" forName="compNode" op="equ"/>
+        <dgm:constr type="h" for="des" forName="iconBgRect" op="equ"/>
+      </dgm:constrLst>
+      <dgm:ruleLst>
+        <dgm:rule type="w" for="ch" forName="compNode" val="60" fact="NaN" max="NaN"/>
+      </dgm:ruleLst>
+      <dgm:forEach name="Name6" axis="ch" ptType="node">
+        <dgm:layoutNode name="compNode">
+          <dgm:alg type="composite"/>
           <dgm:shape xmlns:r="http://schemas.openxmlformats.org/officeDocument/2006/relationships" r:blip="">
             <dgm:adjLst/>
           </dgm:shape>
           <dgm:presOf axis="self"/>
-          <dgm:constrLst/>
+          <dgm:constrLst>
+            <dgm:constr type="w" for="ch" forName="iconBgRect" refType="w" fact="0.28"/>
+            <dgm:constr type="h" for="ch" forName="iconBgRect" refType="w" refFor="ch" refForName="iconBgRect"/>
+            <dgm:constr type="t" for="ch" forName="iconBgRect"/>
+            <dgm:constr type="l" for="ch" forName="iconBgRect"/>
+            <dgm:constr type="w" for="ch" forName="iconRect" refType="w" refFor="ch" refForName="iconBgRect" fact="0.58"/>
+            <dgm:constr type="h" for="ch" forName="iconRect" refType="w" refFor="ch" refForName="iconRect"/>
+            <dgm:constr type="ctrX" for="ch" forName="iconRect" refType="ctrX" refFor="ch" refForName="iconBgRect"/>
+            <dgm:constr type="ctrY" for="ch" forName="iconRect" refType="ctrY" refFor="ch" refForName="iconBgRect"/>
+            <dgm:constr type="w" for="ch" forName="spaceRect" refType="w" fact="0.06"/>
+            <dgm:constr type="h" for="ch" forName="spaceRect" refType="h" refFor="ch" refForName="iconBgRect"/>
+            <dgm:constr type="t" for="ch" forName="spaceRect" refType="t" refFor="ch" refForName="iconBgRect"/>
+            <dgm:constr type="l" for="ch" forName="spaceRect" refType="r" refFor="ch" refForName="iconBgRect"/>
+            <dgm:constr type="h" for="ch" forName="textRect" refType="h" refFor="ch" refForName="iconBgRect"/>
+            <dgm:constr type="t" for="ch" forName="textRect" refType="t" refFor="ch" refForName="iconBgRect"/>
+            <dgm:constr type="l" for="ch" forName="textRect" refType="r" refFor="ch" refForName="spaceRect"/>
+          </dgm:constrLst>
           <dgm:ruleLst/>
+          <dgm:layoutNode name="iconBgRect" styleLbl="bgShp">
+            <dgm:alg type="sp"/>
+            <dgm:shape xmlns:r="http://schemas.openxmlformats.org/officeDocument/2006/relationships" type="ellipse" r:blip="">
+              <dgm:adjLst/>
+            </dgm:shape>
+            <dgm:presOf/>
+            <dgm:constrLst/>
+            <dgm:ruleLst/>
+          </dgm:layoutNode>
+          <dgm:layoutNode name="iconRect" styleLbl="node1">
+            <dgm:alg type="sp"/>
+            <dgm:shape xmlns:r="http://schemas.openxmlformats.org/officeDocument/2006/relationships" type="rect" r:blip="" blipPhldr="1">
+              <dgm:adjLst/>
+            </dgm:shape>
+            <dgm:presOf/>
+            <dgm:constrLst/>
+            <dgm:ruleLst/>
+          </dgm:layoutNode>
+          <dgm:layoutNode name="spaceRect">
+            <dgm:alg type="sp"/>
+            <dgm:shape xmlns:r="http://schemas.openxmlformats.org/officeDocument/2006/relationships" r:blip="">
+              <dgm:adjLst/>
+            </dgm:shape>
+            <dgm:presOf/>
+            <dgm:constrLst/>
+            <dgm:ruleLst/>
+          </dgm:layoutNode>
+          <dgm:layoutNode name="textRect" styleLbl="revTx">
+            <dgm:varLst>
+              <dgm:chMax val="1"/>
+              <dgm:chPref val="1"/>
+            </dgm:varLst>
+            <dgm:choose name="Name7">
+              <dgm:if name="Name8" func="var" arg="dir" op="equ" val="norm">
+                <dgm:alg type="tx">
+                  <dgm:param type="txAnchorVert" val="mid"/>
+                  <dgm:param type="parTxLTRAlign" val="l"/>
+                  <dgm:param type="shpTxLTRAlignCh" val="l"/>
+                  <dgm:param type="parTxRTLAlign" val="l"/>
+                  <dgm:param type="shpTxRTLAlignCh" val="l"/>
+                </dgm:alg>
+              </dgm:if>
+              <dgm:else name="Name9">
+                <dgm:alg type="tx">
+                  <dgm:param type="txAnchorVert" val="mid"/>
+                  <dgm:param type="parTxLTRAlign" val="r"/>
+                  <dgm:param type="shpTxLTRAlignCh" val="r"/>
+                  <dgm:param type="parTxRTLAlign" val="r"/>
+                  <dgm:param type="shpTxRTLAlignCh" val="r"/>
+                </dgm:alg>
+              </dgm:else>
+            </dgm:choose>
+            <dgm:shape xmlns:r="http://schemas.openxmlformats.org/officeDocument/2006/relationships" type="rect" r:blip="">
+              <dgm:adjLst/>
+            </dgm:shape>
+            <dgm:presOf axis="self" ptType="node"/>
+            <dgm:constrLst>
+              <dgm:constr type="lMarg"/>
+              <dgm:constr type="rMarg"/>
+              <dgm:constr type="tMarg"/>
+              <dgm:constr type="bMarg"/>
+            </dgm:constrLst>
+            <dgm:ruleLst>
+              <dgm:rule type="primFontSz" val="11" fact="NaN" max="NaN"/>
+            </dgm:ruleLst>
+          </dgm:layoutNode>
         </dgm:layoutNode>
+        <dgm:forEach name="Name10" axis="followSib" ptType="sibTrans" cnt="1">
+          <dgm:layoutNode name="sibTrans">
+            <dgm:alg type="sp"/>
+            <dgm:shape xmlns:r="http://schemas.openxmlformats.org/officeDocument/2006/relationships" type="rect" r:blip="" hideGeom="1">
+              <dgm:adjLst/>
+            </dgm:shape>
+            <dgm:presOf axis="self"/>
+            <dgm:constrLst/>
+            <dgm:ruleLst/>
+          </dgm:layoutNode>
+        </dgm:forEach>
       </dgm:forEach>
-    </dgm:forEach>
+    </dgm:layoutNode>
   </dgm:layoutNode>
   <dgm:extLst>
     <a:ext uri="{68A01E43-0DF5-4B5B-8FA6-DAF915123BFB}">
@@ -8594,7 +9290,7 @@
           <a:p>
             <a:fld id="{B7AB1883-3AEB-4AFE-8BB0-EAD4C4B9973D}" type="datetimeFigureOut">
               <a:rPr lang="el-GR" smtClean="0"/>
-              <a:t>29/11/2024</a:t>
+              <a:t>5/12/2024</a:t>
             </a:fld>
             <a:endParaRPr lang="el-GR"/>
           </a:p>
@@ -9558,7 +10254,13 @@
   <p:cSld>
     <p:spTree>
       <p:nvGrpSpPr>
-        <p:cNvPr id="1" name=""/>
+        <p:cNvPr id="1" name="">
+          <a:extLst>
+            <a:ext uri="{FF2B5EF4-FFF2-40B4-BE49-F238E27FC236}">
+              <a16:creationId xmlns:a16="http://schemas.microsoft.com/office/drawing/2014/main" id="{61EAB6B4-879A-AB2F-607F-485C33C9079A}"/>
+            </a:ext>
+          </a:extLst>
+        </p:cNvPr>
         <p:cNvGrpSpPr/>
         <p:nvPr/>
       </p:nvGrpSpPr>
@@ -9572,7 +10274,13 @@
       </p:grpSpPr>
       <p:sp>
         <p:nvSpPr>
-          <p:cNvPr id="2" name="Θέση εικόνας διαφάνειας 1"/>
+          <p:cNvPr id="2" name="Θέση εικόνας διαφάνειας 1">
+            <a:extLst>
+              <a:ext uri="{FF2B5EF4-FFF2-40B4-BE49-F238E27FC236}">
+                <a16:creationId xmlns:a16="http://schemas.microsoft.com/office/drawing/2014/main" id="{B9072CAA-28DB-DE3D-35A5-FE4D4BC4818A}"/>
+              </a:ext>
+            </a:extLst>
+          </p:cNvPr>
           <p:cNvSpPr>
             <a:spLocks noGrp="1" noRot="1" noChangeAspect="1"/>
           </p:cNvSpPr>
@@ -9584,7 +10292,13 @@
       </p:sp>
       <p:sp>
         <p:nvSpPr>
-          <p:cNvPr id="3" name="Θέση σημειώσεων 2"/>
+          <p:cNvPr id="3" name="Θέση σημειώσεων 2">
+            <a:extLst>
+              <a:ext uri="{FF2B5EF4-FFF2-40B4-BE49-F238E27FC236}">
+                <a16:creationId xmlns:a16="http://schemas.microsoft.com/office/drawing/2014/main" id="{6EC737E6-D98E-577A-16A5-E3A708AA5432}"/>
+              </a:ext>
+            </a:extLst>
+          </p:cNvPr>
           <p:cNvSpPr>
             <a:spLocks noGrp="1"/>
           </p:cNvSpPr>
@@ -9603,7 +10317,13 @@
       </p:sp>
       <p:sp>
         <p:nvSpPr>
-          <p:cNvPr id="4" name="Θέση αριθμού διαφάνειας 3"/>
+          <p:cNvPr id="4" name="Θέση αριθμού διαφάνειας 3">
+            <a:extLst>
+              <a:ext uri="{FF2B5EF4-FFF2-40B4-BE49-F238E27FC236}">
+                <a16:creationId xmlns:a16="http://schemas.microsoft.com/office/drawing/2014/main" id="{084F34BF-3BD4-1E53-2723-1B0CB2AA18B5}"/>
+              </a:ext>
+            </a:extLst>
+          </p:cNvPr>
           <p:cNvSpPr>
             <a:spLocks noGrp="1"/>
           </p:cNvSpPr>
@@ -9627,7 +10347,7 @@
     </p:spTree>
     <p:extLst>
       <p:ext uri="{BB962C8B-B14F-4D97-AF65-F5344CB8AC3E}">
-        <p14:creationId xmlns:p14="http://schemas.microsoft.com/office/powerpoint/2010/main" val="1589822347"/>
+        <p14:creationId xmlns:p14="http://schemas.microsoft.com/office/powerpoint/2010/main" val="2119457527"/>
       </p:ext>
     </p:extLst>
   </p:cSld>
@@ -9712,6 +10432,219 @@
     <p:extLst>
       <p:ext uri="{BB962C8B-B14F-4D97-AF65-F5344CB8AC3E}">
         <p14:creationId xmlns:p14="http://schemas.microsoft.com/office/powerpoint/2010/main" val="3365879896"/>
+      </p:ext>
+    </p:extLst>
+  </p:cSld>
+  <p:clrMapOvr>
+    <a:masterClrMapping/>
+  </p:clrMapOvr>
+</p:notes>
+</file>
+
+<file path=ppt/notesSlides/notesSlide6.xml><?xml version="1.0" encoding="utf-8"?>
+<p:notes xmlns:a="http://schemas.openxmlformats.org/drawingml/2006/main" xmlns:r="http://schemas.openxmlformats.org/officeDocument/2006/relationships" xmlns:p="http://schemas.openxmlformats.org/presentationml/2006/main">
+  <p:cSld>
+    <p:spTree>
+      <p:nvGrpSpPr>
+        <p:cNvPr id="1" name=""/>
+        <p:cNvGrpSpPr/>
+        <p:nvPr/>
+      </p:nvGrpSpPr>
+      <p:grpSpPr>
+        <a:xfrm>
+          <a:off x="0" y="0"/>
+          <a:ext cx="0" cy="0"/>
+          <a:chOff x="0" y="0"/>
+          <a:chExt cx="0" cy="0"/>
+        </a:xfrm>
+      </p:grpSpPr>
+      <p:sp>
+        <p:nvSpPr>
+          <p:cNvPr id="2" name="Θέση εικόνας διαφάνειας 1"/>
+          <p:cNvSpPr>
+            <a:spLocks noGrp="1" noRot="1" noChangeAspect="1"/>
+          </p:cNvSpPr>
+          <p:nvPr>
+            <p:ph type="sldImg"/>
+          </p:nvPr>
+        </p:nvSpPr>
+        <p:spPr/>
+      </p:sp>
+      <p:sp>
+        <p:nvSpPr>
+          <p:cNvPr id="3" name="Θέση σημειώσεων 2"/>
+          <p:cNvSpPr>
+            <a:spLocks noGrp="1"/>
+          </p:cNvSpPr>
+          <p:nvPr>
+            <p:ph type="body" idx="1"/>
+          </p:nvPr>
+        </p:nvSpPr>
+        <p:spPr/>
+        <p:txBody>
+          <a:bodyPr/>
+          <a:lstStyle/>
+          <a:p>
+            <a:r>
+              <a:rPr lang="en-US" dirty="0"/>
+              <a:t>Traffic incidents: </a:t>
+            </a:r>
+            <a:r>
+              <a:rPr lang="en-US" b="0" i="0" dirty="0">
+                <a:solidFill>
+                  <a:srgbClr val="666666"/>
+                </a:solidFill>
+                <a:effectLst/>
+                <a:latin typeface="__proximanovaRegular_977668"/>
+              </a:rPr>
+              <a:t>traffic jams, road closures, lane closures, construction zones and other road incidents.</a:t>
+            </a:r>
+          </a:p>
+          <a:p>
+            <a:endParaRPr lang="en-US" b="0" i="0" dirty="0">
+              <a:solidFill>
+                <a:srgbClr val="666666"/>
+              </a:solidFill>
+              <a:effectLst/>
+              <a:latin typeface="__proximanovaRegular_977668"/>
+            </a:endParaRPr>
+          </a:p>
+          <a:p>
+            <a:pPr marL="171450" indent="-171450">
+              <a:buFont typeface="Arial" panose="020B0604020202020204" pitchFamily="34" charset="0"/>
+              <a:buChar char="•"/>
+            </a:pPr>
+            <a:r>
+              <a:rPr lang="en-US" dirty="0" err="1"/>
+              <a:t>currentSpeed</a:t>
+            </a:r>
+            <a:r>
+              <a:rPr lang="en-US" dirty="0"/>
+              <a:t>: The current average speed of vehicles on the road segment, measured in kilometers per hour.</a:t>
+            </a:r>
+          </a:p>
+          <a:p>
+            <a:pPr marL="171450" indent="-171450">
+              <a:buFont typeface="Arial" panose="020B0604020202020204" pitchFamily="34" charset="0"/>
+              <a:buChar char="•"/>
+            </a:pPr>
+            <a:r>
+              <a:rPr lang="en-US" dirty="0" err="1"/>
+              <a:t>freeFlowSpeed</a:t>
+            </a:r>
+            <a:r>
+              <a:rPr lang="en-US" dirty="0"/>
+              <a:t>: The typical speed for this road segment under free-flow (ideal traffic) conditions, measured in kilometers per hour. Since it matches the </a:t>
+            </a:r>
+            <a:r>
+              <a:rPr lang="en-US" dirty="0" err="1"/>
+              <a:t>currentSpeed</a:t>
+            </a:r>
+            <a:r>
+              <a:rPr lang="en-US" dirty="0"/>
+              <a:t>, this suggests there is no traffic congestion.</a:t>
+            </a:r>
+          </a:p>
+          <a:p>
+            <a:pPr marL="171450" indent="-171450">
+              <a:buFont typeface="Arial" panose="020B0604020202020204" pitchFamily="34" charset="0"/>
+              <a:buChar char="•"/>
+            </a:pPr>
+            <a:r>
+              <a:rPr lang="en-US" dirty="0" err="1"/>
+              <a:t>currentTravelTime</a:t>
+            </a:r>
+            <a:r>
+              <a:rPr lang="en-US" dirty="0"/>
+              <a:t>: The estimated time it takes to travel through the road segment under current traffic conditions, measured in seconds. Here, it's about 27 minutes and 9 seconds.</a:t>
+            </a:r>
+          </a:p>
+          <a:p>
+            <a:pPr marL="171450" indent="-171450">
+              <a:buFont typeface="Arial" panose="020B0604020202020204" pitchFamily="34" charset="0"/>
+              <a:buChar char="•"/>
+            </a:pPr>
+            <a:r>
+              <a:rPr lang="en-US" dirty="0" err="1"/>
+              <a:t>freeFlowTravelTime</a:t>
+            </a:r>
+            <a:r>
+              <a:rPr lang="en-US" dirty="0"/>
+              <a:t>: The estimated travel time under free-flow (no traffic) conditions, measured in seconds. Since this matches the </a:t>
+            </a:r>
+            <a:r>
+              <a:rPr lang="en-US" dirty="0" err="1"/>
+              <a:t>currentTravelTime</a:t>
+            </a:r>
+            <a:r>
+              <a:rPr lang="en-US" dirty="0"/>
+              <a:t>, it indicates that traffic is moving at the expected speed.</a:t>
+            </a:r>
+          </a:p>
+          <a:p>
+            <a:pPr marL="171450" indent="-171450">
+              <a:buFont typeface="Arial" panose="020B0604020202020204" pitchFamily="34" charset="0"/>
+              <a:buChar char="•"/>
+            </a:pPr>
+            <a:r>
+              <a:rPr lang="en-US" dirty="0"/>
+              <a:t>confidence: A measure of confidence in the traffic data's accuracy, ranging from 0 (low) to 1 (high). Here, the value is 1, indicating highly reliable data.</a:t>
+            </a:r>
+          </a:p>
+          <a:p>
+            <a:pPr marL="171450" indent="-171450">
+              <a:buFont typeface="Arial" panose="020B0604020202020204" pitchFamily="34" charset="0"/>
+              <a:buChar char="•"/>
+            </a:pPr>
+            <a:r>
+              <a:rPr lang="en-US" dirty="0" err="1"/>
+              <a:t>roadClosure</a:t>
+            </a:r>
+            <a:r>
+              <a:rPr lang="en-US" dirty="0"/>
+              <a:t>: Indicates whether the road segment is closed. false means the road is open for travel.</a:t>
+            </a:r>
+          </a:p>
+          <a:p>
+            <a:pPr marL="171450" indent="-171450">
+              <a:buFont typeface="Arial" panose="020B0604020202020204" pitchFamily="34" charset="0"/>
+              <a:buChar char="•"/>
+            </a:pPr>
+            <a:r>
+              <a:rPr lang="en-US" dirty="0"/>
+              <a:t>coordinates: This object contains the geographic coordinates of the road segment. The latitude and longitude of a point within the road segment. This is a specific geographic location (in decimal degrees) that represents or lies within the road segment.</a:t>
+            </a:r>
+            <a:endParaRPr lang="el-GR" dirty="0"/>
+          </a:p>
+        </p:txBody>
+      </p:sp>
+      <p:sp>
+        <p:nvSpPr>
+          <p:cNvPr id="4" name="Θέση αριθμού διαφάνειας 3"/>
+          <p:cNvSpPr>
+            <a:spLocks noGrp="1"/>
+          </p:cNvSpPr>
+          <p:nvPr>
+            <p:ph type="sldNum" sz="quarter" idx="5"/>
+          </p:nvPr>
+        </p:nvSpPr>
+        <p:spPr/>
+        <p:txBody>
+          <a:bodyPr/>
+          <a:lstStyle/>
+          <a:p>
+            <a:fld id="{D86BC4DA-5078-422E-B44D-798DC256EFE0}" type="slidenum">
+              <a:rPr lang="el-GR" smtClean="0"/>
+              <a:t>8</a:t>
+            </a:fld>
+            <a:endParaRPr lang="el-GR"/>
+          </a:p>
+        </p:txBody>
+      </p:sp>
+    </p:spTree>
+    <p:extLst>
+      <p:ext uri="{BB962C8B-B14F-4D97-AF65-F5344CB8AC3E}">
+        <p14:creationId xmlns:p14="http://schemas.microsoft.com/office/powerpoint/2010/main" val="4109490045"/>
       </p:ext>
     </p:extLst>
   </p:cSld>
@@ -9884,7 +10817,7 @@
           <a:p>
             <a:fld id="{822DA312-8918-4A73-A453-D346CA3F7725}" type="datetimeFigureOut">
               <a:rPr lang="el-GR" smtClean="0"/>
-              <a:t>29/11/2024</a:t>
+              <a:t>5/12/2024</a:t>
             </a:fld>
             <a:endParaRPr lang="el-GR"/>
           </a:p>
@@ -10054,7 +10987,7 @@
           <a:p>
             <a:fld id="{822DA312-8918-4A73-A453-D346CA3F7725}" type="datetimeFigureOut">
               <a:rPr lang="el-GR" smtClean="0"/>
-              <a:t>29/11/2024</a:t>
+              <a:t>5/12/2024</a:t>
             </a:fld>
             <a:endParaRPr lang="el-GR"/>
           </a:p>
@@ -10234,7 +11167,7 @@
           <a:p>
             <a:fld id="{822DA312-8918-4A73-A453-D346CA3F7725}" type="datetimeFigureOut">
               <a:rPr lang="el-GR" smtClean="0"/>
-              <a:t>29/11/2024</a:t>
+              <a:t>5/12/2024</a:t>
             </a:fld>
             <a:endParaRPr lang="el-GR"/>
           </a:p>
@@ -10634,7 +11567,7 @@
           <a:p>
             <a:fld id="{822DA312-8918-4A73-A453-D346CA3F7725}" type="datetimeFigureOut">
               <a:rPr lang="el-GR" smtClean="0"/>
-              <a:t>29/11/2024</a:t>
+              <a:t>5/12/2024</a:t>
             </a:fld>
             <a:endParaRPr lang="el-GR"/>
           </a:p>
@@ -10816,7 +11749,7 @@
           <a:p>
             <a:fld id="{822DA312-8918-4A73-A453-D346CA3F7725}" type="datetimeFigureOut">
               <a:rPr lang="el-GR" smtClean="0"/>
-              <a:t>29/11/2024</a:t>
+              <a:t>5/12/2024</a:t>
             </a:fld>
             <a:endParaRPr lang="el-GR"/>
           </a:p>
@@ -11084,7 +12017,7 @@
           <a:p>
             <a:fld id="{822DA312-8918-4A73-A453-D346CA3F7725}" type="datetimeFigureOut">
               <a:rPr lang="el-GR" smtClean="0"/>
-              <a:t>29/11/2024</a:t>
+              <a:t>5/12/2024</a:t>
             </a:fld>
             <a:endParaRPr lang="el-GR"/>
           </a:p>
@@ -11316,7 +12249,7 @@
           <a:p>
             <a:fld id="{822DA312-8918-4A73-A453-D346CA3F7725}" type="datetimeFigureOut">
               <a:rPr lang="el-GR" smtClean="0"/>
-              <a:t>29/11/2024</a:t>
+              <a:t>5/12/2024</a:t>
             </a:fld>
             <a:endParaRPr lang="el-GR"/>
           </a:p>
@@ -11675,7 +12608,7 @@
           <a:p>
             <a:fld id="{822DA312-8918-4A73-A453-D346CA3F7725}" type="datetimeFigureOut">
               <a:rPr lang="el-GR" smtClean="0"/>
-              <a:t>29/11/2024</a:t>
+              <a:t>5/12/2024</a:t>
             </a:fld>
             <a:endParaRPr lang="el-GR"/>
           </a:p>
@@ -11816,7 +12749,7 @@
           <a:p>
             <a:fld id="{822DA312-8918-4A73-A453-D346CA3F7725}" type="datetimeFigureOut">
               <a:rPr lang="el-GR" smtClean="0"/>
-              <a:t>29/11/2024</a:t>
+              <a:t>5/12/2024</a:t>
             </a:fld>
             <a:endParaRPr lang="el-GR"/>
           </a:p>
@@ -11911,7 +12844,7 @@
           <a:p>
             <a:fld id="{822DA312-8918-4A73-A453-D346CA3F7725}" type="datetimeFigureOut">
               <a:rPr lang="el-GR" smtClean="0"/>
-              <a:t>29/11/2024</a:t>
+              <a:t>5/12/2024</a:t>
             </a:fld>
             <a:endParaRPr lang="el-GR"/>
           </a:p>
@@ -12268,7 +13201,7 @@
           <a:p>
             <a:fld id="{822DA312-8918-4A73-A453-D346CA3F7725}" type="datetimeFigureOut">
               <a:rPr lang="el-GR" smtClean="0"/>
-              <a:t>29/11/2024</a:t>
+              <a:t>5/12/2024</a:t>
             </a:fld>
             <a:endParaRPr lang="el-GR"/>
           </a:p>
@@ -12625,7 +13558,7 @@
           <a:p>
             <a:fld id="{822DA312-8918-4A73-A453-D346CA3F7725}" type="datetimeFigureOut">
               <a:rPr lang="el-GR" smtClean="0"/>
-              <a:t>29/11/2024</a:t>
+              <a:t>5/12/2024</a:t>
             </a:fld>
             <a:endParaRPr lang="el-GR"/>
           </a:p>
@@ -12867,7 +13800,7 @@
           <a:p>
             <a:fld id="{822DA312-8918-4A73-A453-D346CA3F7725}" type="datetimeFigureOut">
               <a:rPr lang="el-GR" smtClean="0"/>
-              <a:t>29/11/2024</a:t>
+              <a:t>5/12/2024</a:t>
             </a:fld>
             <a:endParaRPr lang="el-GR"/>
           </a:p>
@@ -13306,6 +14239,30 @@
 <file path=ppt/slides/slide1.xml><?xml version="1.0" encoding="utf-8"?>
 <p:sld xmlns:a="http://schemas.openxmlformats.org/drawingml/2006/main" xmlns:r="http://schemas.openxmlformats.org/officeDocument/2006/relationships" xmlns:p="http://schemas.openxmlformats.org/presentationml/2006/main">
   <p:cSld>
+    <p:bg>
+      <p:bgPr>
+        <a:blipFill dpi="0" rotWithShape="1">
+          <a:blip r:embed="rId2">
+            <a:extLst>
+              <a:ext uri="{BEBA8EAE-BF5A-486C-A8C5-ECC9F3942E4B}">
+                <a14:imgProps xmlns:a14="http://schemas.microsoft.com/office/drawing/2010/main">
+                  <a14:imgLayer r:embed="rId3">
+                    <a14:imgEffect>
+                      <a14:brightnessContrast bright="-40000" contrast="-10000"/>
+                    </a14:imgEffect>
+                  </a14:imgLayer>
+                </a14:imgProps>
+              </a:ext>
+            </a:extLst>
+          </a:blip>
+          <a:srcRect/>
+          <a:stretch>
+            <a:fillRect t="-25000" b="-25000"/>
+          </a:stretch>
+        </a:blipFill>
+        <a:effectLst/>
+      </p:bgPr>
+    </p:bg>
     <p:spTree>
       <p:nvGrpSpPr>
         <p:cNvPr id="1" name=""/>
@@ -13320,58 +14277,6 @@
           <a:chExt cx="0" cy="0"/>
         </a:xfrm>
       </p:grpSpPr>
-      <p:sp>
-        <p:nvSpPr>
-          <p:cNvPr id="4" name="Ορθογώνιο 3">
-            <a:extLst>
-              <a:ext uri="{FF2B5EF4-FFF2-40B4-BE49-F238E27FC236}">
-                <a16:creationId xmlns:a16="http://schemas.microsoft.com/office/drawing/2014/main" id="{EB979F86-1B40-3730-6946-6EFC4F2BB953}"/>
-              </a:ext>
-            </a:extLst>
-          </p:cNvPr>
-          <p:cNvSpPr/>
-          <p:nvPr/>
-        </p:nvSpPr>
-        <p:spPr>
-          <a:xfrm>
-            <a:off x="0" y="0"/>
-            <a:ext cx="12192000" cy="6858000"/>
-          </a:xfrm>
-          <a:prstGeom prst="rect">
-            <a:avLst/>
-          </a:prstGeom>
-          <a:solidFill>
-            <a:srgbClr val="C0C0C0"/>
-          </a:solidFill>
-          <a:ln>
-            <a:noFill/>
-          </a:ln>
-        </p:spPr>
-        <p:style>
-          <a:lnRef idx="2">
-            <a:schemeClr val="accent1">
-              <a:shade val="15000"/>
-            </a:schemeClr>
-          </a:lnRef>
-          <a:fillRef idx="1">
-            <a:schemeClr val="accent1"/>
-          </a:fillRef>
-          <a:effectRef idx="0">
-            <a:schemeClr val="accent1"/>
-          </a:effectRef>
-          <a:fontRef idx="minor">
-            <a:schemeClr val="lt1"/>
-          </a:fontRef>
-        </p:style>
-        <p:txBody>
-          <a:bodyPr rtlCol="0" anchor="ctr"/>
-          <a:lstStyle/>
-          <a:p>
-            <a:pPr algn="ctr"/>
-            <a:endParaRPr lang="el-GR"/>
-          </a:p>
-        </p:txBody>
-      </p:sp>
       <p:sp>
         <p:nvSpPr>
           <p:cNvPr id="2" name="Τίτλος 1">
@@ -13423,18 +14328,14 @@
           <a:lstStyle/>
           <a:p>
             <a:r>
-              <a:rPr lang="en-US" dirty="0"/>
+              <a:rPr lang="en-US" sz="2200" dirty="0"/>
               <a:t>Fyrogeni Ariadne 1083816</a:t>
             </a:r>
           </a:p>
           <a:p>
             <a:r>
-              <a:rPr lang="en-US" dirty="0" err="1"/>
-              <a:t>Psychogiou</a:t>
-            </a:r>
-            <a:r>
-              <a:rPr lang="en-US" dirty="0"/>
-              <a:t> Georgia 1083979</a:t>
+              <a:rPr lang="en-US" sz="2200" dirty="0"/>
+              <a:t>Psychogiou Georgia 1083979</a:t>
             </a:r>
           </a:p>
           <a:p>
@@ -13452,6 +14353,18 @@
   <p:clrMapOvr>
     <a:masterClrMapping/>
   </p:clrMapOvr>
+  <mc:AlternateContent xmlns:mc="http://schemas.openxmlformats.org/markup-compatibility/2006" xmlns:p159="http://schemas.microsoft.com/office/powerpoint/2015/09/main">
+    <mc:Choice Requires="p159">
+      <p:transition xmlns:p14="http://schemas.microsoft.com/office/powerpoint/2010/main" spd="slow" p14:dur="2000">
+        <p159:morph option="byObject"/>
+      </p:transition>
+    </mc:Choice>
+    <mc:Fallback xmlns="">
+      <p:transition spd="slow">
+        <p:fade/>
+      </p:transition>
+    </mc:Fallback>
+  </mc:AlternateContent>
 </p:sld>
 </file>
 
@@ -13488,44 +14401,105 @@
             <p:ph type="title"/>
           </p:nvPr>
         </p:nvSpPr>
-        <p:spPr/>
+        <p:spPr>
+          <a:xfrm>
+            <a:off x="2231136" y="446122"/>
+            <a:ext cx="7729728" cy="1188720"/>
+          </a:xfrm>
+        </p:spPr>
         <p:txBody>
           <a:bodyPr/>
           <a:lstStyle/>
           <a:p>
             <a:r>
               <a:rPr lang="en-US" dirty="0"/>
-              <a:t>Demo / Drafts</a:t>
+              <a:t>Demo</a:t>
             </a:r>
             <a:endParaRPr lang="el-GR" dirty="0"/>
           </a:p>
         </p:txBody>
       </p:sp>
-      <p:sp>
-        <p:nvSpPr>
-          <p:cNvPr id="3" name="Θέση περιεχομένου 2">
+      <p:pic>
+        <p:nvPicPr>
+          <p:cNvPr id="7" name="Εικόνα 6">
             <a:extLst>
               <a:ext uri="{FF2B5EF4-FFF2-40B4-BE49-F238E27FC236}">
-                <a16:creationId xmlns:a16="http://schemas.microsoft.com/office/drawing/2014/main" id="{A0BD049C-BE7B-9434-6728-AB6E5F54F813}"/>
+                <a16:creationId xmlns:a16="http://schemas.microsoft.com/office/drawing/2014/main" id="{E40C8263-AFC1-8DD3-D458-48CBAE69EE48}"/>
               </a:ext>
             </a:extLst>
           </p:cNvPr>
-          <p:cNvSpPr>
-            <a:spLocks noGrp="1"/>
-          </p:cNvSpPr>
-          <p:nvPr>
-            <p:ph idx="1"/>
-          </p:nvPr>
-        </p:nvSpPr>
-        <p:spPr/>
-        <p:txBody>
-          <a:bodyPr/>
-          <a:lstStyle/>
-          <a:p>
-            <a:endParaRPr lang="el-GR"/>
-          </a:p>
-        </p:txBody>
-      </p:sp>
+          <p:cNvPicPr>
+            <a:picLocks noChangeAspect="1"/>
+          </p:cNvPicPr>
+          <p:nvPr/>
+        </p:nvPicPr>
+        <p:blipFill>
+          <a:blip r:embed="rId2"/>
+          <a:stretch>
+            <a:fillRect/>
+          </a:stretch>
+        </p:blipFill>
+        <p:spPr>
+          <a:xfrm>
+            <a:off x="4777655" y="2686735"/>
+            <a:ext cx="6975586" cy="3413275"/>
+          </a:xfrm>
+          <a:prstGeom prst="rect">
+            <a:avLst/>
+          </a:prstGeom>
+          <a:ln>
+            <a:solidFill>
+              <a:srgbClr val="106198"/>
+            </a:solidFill>
+          </a:ln>
+          <a:effectLst>
+            <a:outerShdw blurRad="50800" dist="38100" dir="18900000" algn="bl" rotWithShape="0">
+              <a:prstClr val="black">
+                <a:alpha val="40000"/>
+              </a:prstClr>
+            </a:outerShdw>
+          </a:effectLst>
+        </p:spPr>
+      </p:pic>
+      <p:pic>
+        <p:nvPicPr>
+          <p:cNvPr id="6" name="Εικόνα 5">
+            <a:extLst>
+              <a:ext uri="{FF2B5EF4-FFF2-40B4-BE49-F238E27FC236}">
+                <a16:creationId xmlns:a16="http://schemas.microsoft.com/office/drawing/2014/main" id="{3E223680-E490-1FA5-80C8-B530D3E1F964}"/>
+              </a:ext>
+            </a:extLst>
+          </p:cNvPr>
+          <p:cNvPicPr>
+            <a:picLocks noChangeAspect="1"/>
+          </p:cNvPicPr>
+          <p:nvPr/>
+        </p:nvPicPr>
+        <p:blipFill>
+          <a:blip r:embed="rId3"/>
+          <a:srcRect r="3614" b="6916"/>
+          <a:stretch/>
+        </p:blipFill>
+        <p:spPr>
+          <a:xfrm>
+            <a:off x="438759" y="2096367"/>
+            <a:ext cx="3828911" cy="2939585"/>
+          </a:xfrm>
+          <a:prstGeom prst="rect">
+            <a:avLst/>
+          </a:prstGeom>
+          <a:ln w="76200">
+            <a:noFill/>
+          </a:ln>
+          <a:effectLst>
+            <a:outerShdw blurRad="292100" dist="139700" dir="2700000" algn="tl" rotWithShape="0">
+              <a:srgbClr val="333333">
+                <a:alpha val="65000"/>
+              </a:srgbClr>
+            </a:outerShdw>
+          </a:effectLst>
+        </p:spPr>
+      </p:pic>
     </p:spTree>
     <p:extLst>
       <p:ext uri="{BB962C8B-B14F-4D97-AF65-F5344CB8AC3E}">
@@ -13536,6 +14510,344 @@
   <p:clrMapOvr>
     <a:masterClrMapping/>
   </p:clrMapOvr>
+  <mc:AlternateContent xmlns:mc="http://schemas.openxmlformats.org/markup-compatibility/2006" xmlns:p159="http://schemas.microsoft.com/office/powerpoint/2015/09/main">
+    <mc:Choice Requires="p159">
+      <p:transition xmlns:p14="http://schemas.microsoft.com/office/powerpoint/2010/main" spd="slow" p14:dur="2000">
+        <p159:morph option="byObject"/>
+      </p:transition>
+    </mc:Choice>
+    <mc:Fallback xmlns="">
+      <p:transition spd="slow">
+        <p:fade/>
+      </p:transition>
+    </mc:Fallback>
+  </mc:AlternateContent>
+</p:sld>
+</file>
+
+<file path=ppt/slides/slide11.xml><?xml version="1.0" encoding="utf-8"?>
+<p:sld xmlns:a="http://schemas.openxmlformats.org/drawingml/2006/main" xmlns:r="http://schemas.openxmlformats.org/officeDocument/2006/relationships" xmlns:p="http://schemas.openxmlformats.org/presentationml/2006/main">
+  <p:cSld>
+    <p:spTree>
+      <p:nvGrpSpPr>
+        <p:cNvPr id="1" name=""/>
+        <p:cNvGrpSpPr/>
+        <p:nvPr/>
+      </p:nvGrpSpPr>
+      <p:grpSpPr>
+        <a:xfrm>
+          <a:off x="0" y="0"/>
+          <a:ext cx="0" cy="0"/>
+          <a:chOff x="0" y="0"/>
+          <a:chExt cx="0" cy="0"/>
+        </a:xfrm>
+      </p:grpSpPr>
+      <p:pic>
+        <p:nvPicPr>
+          <p:cNvPr id="7" name="Εικόνα 6">
+            <a:extLst>
+              <a:ext uri="{FF2B5EF4-FFF2-40B4-BE49-F238E27FC236}">
+                <a16:creationId xmlns:a16="http://schemas.microsoft.com/office/drawing/2014/main" id="{65B246BC-4890-C91E-5165-826E73760FE5}"/>
+              </a:ext>
+            </a:extLst>
+          </p:cNvPr>
+          <p:cNvPicPr>
+            <a:picLocks noChangeAspect="1"/>
+          </p:cNvPicPr>
+          <p:nvPr/>
+        </p:nvPicPr>
+        <p:blipFill>
+          <a:blip r:embed="rId2"/>
+          <a:stretch>
+            <a:fillRect/>
+          </a:stretch>
+        </p:blipFill>
+        <p:spPr>
+          <a:xfrm>
+            <a:off x="5552160" y="4691077"/>
+            <a:ext cx="5788972" cy="1567079"/>
+          </a:xfrm>
+          <a:prstGeom prst="rect">
+            <a:avLst/>
+          </a:prstGeom>
+          <a:ln>
+            <a:noFill/>
+          </a:ln>
+          <a:effectLst>
+            <a:outerShdw blurRad="292100" dist="139700" dir="2700000" algn="tl" rotWithShape="0">
+              <a:srgbClr val="333333">
+                <a:alpha val="65000"/>
+              </a:srgbClr>
+            </a:outerShdw>
+          </a:effectLst>
+        </p:spPr>
+      </p:pic>
+      <p:sp>
+        <p:nvSpPr>
+          <p:cNvPr id="2" name="Τίτλος 1">
+            <a:extLst>
+              <a:ext uri="{FF2B5EF4-FFF2-40B4-BE49-F238E27FC236}">
+                <a16:creationId xmlns:a16="http://schemas.microsoft.com/office/drawing/2014/main" id="{D45DE931-5900-51A1-0B4D-53E2EC8CFE61}"/>
+              </a:ext>
+            </a:extLst>
+          </p:cNvPr>
+          <p:cNvSpPr>
+            <a:spLocks noGrp="1"/>
+          </p:cNvSpPr>
+          <p:nvPr>
+            <p:ph type="title"/>
+          </p:nvPr>
+        </p:nvSpPr>
+        <p:spPr>
+          <a:xfrm>
+            <a:off x="8273309" y="1427870"/>
+            <a:ext cx="3338624" cy="1806574"/>
+          </a:xfrm>
+        </p:spPr>
+        <p:txBody>
+          <a:bodyPr/>
+          <a:lstStyle/>
+          <a:p>
+            <a:r>
+              <a:rPr lang="en-US" dirty="0"/>
+              <a:t>Microclimate and traffic correlation</a:t>
+            </a:r>
+            <a:endParaRPr lang="el-GR" dirty="0"/>
+          </a:p>
+        </p:txBody>
+      </p:sp>
+      <p:pic>
+        <p:nvPicPr>
+          <p:cNvPr id="5" name="Θέση περιεχομένου 4">
+            <a:extLst>
+              <a:ext uri="{FF2B5EF4-FFF2-40B4-BE49-F238E27FC236}">
+                <a16:creationId xmlns:a16="http://schemas.microsoft.com/office/drawing/2014/main" id="{E1ED2BC5-AE6B-A4E1-F2BB-DDEDD3D9CC42}"/>
+              </a:ext>
+            </a:extLst>
+          </p:cNvPr>
+          <p:cNvPicPr>
+            <a:picLocks noChangeAspect="1"/>
+          </p:cNvPicPr>
+          <p:nvPr/>
+        </p:nvPicPr>
+        <p:blipFill>
+          <a:blip r:embed="rId3"/>
+          <a:stretch>
+            <a:fillRect/>
+          </a:stretch>
+        </p:blipFill>
+        <p:spPr>
+          <a:xfrm>
+            <a:off x="580067" y="599844"/>
+            <a:ext cx="7099124" cy="3462626"/>
+          </a:xfrm>
+          <a:prstGeom prst="rect">
+            <a:avLst/>
+          </a:prstGeom>
+          <a:ln>
+            <a:solidFill>
+              <a:srgbClr val="106198"/>
+            </a:solidFill>
+          </a:ln>
+          <a:effectLst>
+            <a:outerShdw blurRad="50800" dist="38100" dir="18900000" algn="bl" rotWithShape="0">
+              <a:prstClr val="black">
+                <a:alpha val="40000"/>
+              </a:prstClr>
+            </a:outerShdw>
+          </a:effectLst>
+        </p:spPr>
+      </p:pic>
+      <p:sp>
+        <p:nvSpPr>
+          <p:cNvPr id="4" name="Ορθογώνιο: Στρογγύλεμα γωνιών 3">
+            <a:extLst>
+              <a:ext uri="{FF2B5EF4-FFF2-40B4-BE49-F238E27FC236}">
+                <a16:creationId xmlns:a16="http://schemas.microsoft.com/office/drawing/2014/main" id="{FBF2EE44-EE65-083A-4567-0D26F1F5CA8B}"/>
+              </a:ext>
+            </a:extLst>
+          </p:cNvPr>
+          <p:cNvSpPr/>
+          <p:nvPr/>
+        </p:nvSpPr>
+        <p:spPr>
+          <a:xfrm>
+            <a:off x="5552159" y="5943600"/>
+            <a:ext cx="2879459" cy="314556"/>
+          </a:xfrm>
+          <a:prstGeom prst="roundRect">
+            <a:avLst/>
+          </a:prstGeom>
+          <a:noFill/>
+          <a:ln w="19050">
+            <a:solidFill>
+              <a:srgbClr val="FF0000"/>
+            </a:solidFill>
+          </a:ln>
+        </p:spPr>
+        <p:style>
+          <a:lnRef idx="2">
+            <a:schemeClr val="accent1">
+              <a:shade val="15000"/>
+            </a:schemeClr>
+          </a:lnRef>
+          <a:fillRef idx="1">
+            <a:schemeClr val="accent1"/>
+          </a:fillRef>
+          <a:effectRef idx="0">
+            <a:schemeClr val="accent1"/>
+          </a:effectRef>
+          <a:fontRef idx="minor">
+            <a:schemeClr val="lt1"/>
+          </a:fontRef>
+        </p:style>
+        <p:txBody>
+          <a:bodyPr rtlCol="0" anchor="ctr"/>
+          <a:lstStyle/>
+          <a:p>
+            <a:pPr algn="ctr"/>
+            <a:endParaRPr lang="el-GR" dirty="0"/>
+          </a:p>
+        </p:txBody>
+      </p:sp>
+    </p:spTree>
+    <p:extLst>
+      <p:ext uri="{BB962C8B-B14F-4D97-AF65-F5344CB8AC3E}">
+        <p14:creationId xmlns:p14="http://schemas.microsoft.com/office/powerpoint/2010/main" val="1850646805"/>
+      </p:ext>
+    </p:extLst>
+  </p:cSld>
+  <p:clrMapOvr>
+    <a:masterClrMapping/>
+  </p:clrMapOvr>
+  <mc:AlternateContent xmlns:mc="http://schemas.openxmlformats.org/markup-compatibility/2006" xmlns:p159="http://schemas.microsoft.com/office/powerpoint/2015/09/main">
+    <mc:Choice Requires="p159">
+      <p:transition xmlns:p14="http://schemas.microsoft.com/office/powerpoint/2010/main" spd="slow" p14:dur="2000">
+        <p159:morph option="byObject"/>
+      </p:transition>
+    </mc:Choice>
+    <mc:Fallback xmlns="">
+      <p:transition spd="slow">
+        <p:fade/>
+      </p:transition>
+    </mc:Fallback>
+  </mc:AlternateContent>
+</p:sld>
+</file>
+
+<file path=ppt/slides/slide12.xml><?xml version="1.0" encoding="utf-8"?>
+<p:sld xmlns:a="http://schemas.openxmlformats.org/drawingml/2006/main" xmlns:r="http://schemas.openxmlformats.org/officeDocument/2006/relationships" xmlns:p="http://schemas.openxmlformats.org/presentationml/2006/main">
+  <p:cSld>
+    <p:bg>
+      <p:bgPr>
+        <a:solidFill>
+          <a:srgbClr val="A0B3BB"/>
+        </a:solidFill>
+        <a:effectLst/>
+      </p:bgPr>
+    </p:bg>
+    <p:spTree>
+      <p:nvGrpSpPr>
+        <p:cNvPr id="1" name=""/>
+        <p:cNvGrpSpPr/>
+        <p:nvPr/>
+      </p:nvGrpSpPr>
+      <p:grpSpPr>
+        <a:xfrm>
+          <a:off x="0" y="0"/>
+          <a:ext cx="0" cy="0"/>
+          <a:chOff x="0" y="0"/>
+          <a:chExt cx="0" cy="0"/>
+        </a:xfrm>
+      </p:grpSpPr>
+      <p:sp>
+        <p:nvSpPr>
+          <p:cNvPr id="2" name="Τίτλος 1">
+            <a:extLst>
+              <a:ext uri="{FF2B5EF4-FFF2-40B4-BE49-F238E27FC236}">
+                <a16:creationId xmlns:a16="http://schemas.microsoft.com/office/drawing/2014/main" id="{A268752B-166C-15FC-8F49-86FC5CEE833A}"/>
+              </a:ext>
+            </a:extLst>
+          </p:cNvPr>
+          <p:cNvSpPr>
+            <a:spLocks noGrp="1"/>
+          </p:cNvSpPr>
+          <p:nvPr>
+            <p:ph type="ctrTitle"/>
+          </p:nvPr>
+        </p:nvSpPr>
+        <p:spPr>
+          <a:effectLst>
+            <a:outerShdw blurRad="50800" dist="38100" dir="18900000" algn="bl" rotWithShape="0">
+              <a:prstClr val="black">
+                <a:alpha val="40000"/>
+              </a:prstClr>
+            </a:outerShdw>
+          </a:effectLst>
+        </p:spPr>
+        <p:txBody>
+          <a:bodyPr/>
+          <a:lstStyle/>
+          <a:p>
+            <a:r>
+              <a:rPr lang="en-US" dirty="0"/>
+              <a:t>THANK YOU!</a:t>
+            </a:r>
+            <a:endParaRPr lang="el-GR" dirty="0"/>
+          </a:p>
+        </p:txBody>
+      </p:sp>
+      <p:sp>
+        <p:nvSpPr>
+          <p:cNvPr id="3" name="Υπότιτλος 2">
+            <a:extLst>
+              <a:ext uri="{FF2B5EF4-FFF2-40B4-BE49-F238E27FC236}">
+                <a16:creationId xmlns:a16="http://schemas.microsoft.com/office/drawing/2014/main" id="{3AC8C8E5-8E32-1389-B1A6-B86722DFBE19}"/>
+              </a:ext>
+            </a:extLst>
+          </p:cNvPr>
+          <p:cNvSpPr>
+            <a:spLocks noGrp="1"/>
+          </p:cNvSpPr>
+          <p:nvPr>
+            <p:ph type="subTitle" idx="1"/>
+          </p:nvPr>
+        </p:nvSpPr>
+        <p:spPr/>
+        <p:txBody>
+          <a:bodyPr/>
+          <a:lstStyle/>
+          <a:p>
+            <a:r>
+              <a:rPr lang="en-US" dirty="0"/>
+              <a:t>Any questions?</a:t>
+            </a:r>
+            <a:endParaRPr lang="el-GR" dirty="0"/>
+          </a:p>
+        </p:txBody>
+      </p:sp>
+    </p:spTree>
+    <p:extLst>
+      <p:ext uri="{BB962C8B-B14F-4D97-AF65-F5344CB8AC3E}">
+        <p14:creationId xmlns:p14="http://schemas.microsoft.com/office/powerpoint/2010/main" val="3529608493"/>
+      </p:ext>
+    </p:extLst>
+  </p:cSld>
+  <p:clrMapOvr>
+    <a:masterClrMapping/>
+  </p:clrMapOvr>
+  <mc:AlternateContent xmlns:mc="http://schemas.openxmlformats.org/markup-compatibility/2006" xmlns:p159="http://schemas.microsoft.com/office/powerpoint/2015/09/main">
+    <mc:Choice Requires="p159">
+      <p:transition xmlns:p14="http://schemas.microsoft.com/office/powerpoint/2010/main" spd="slow" p14:dur="2000">
+        <p159:morph option="byObject"/>
+      </p:transition>
+    </mc:Choice>
+    <mc:Fallback xmlns="">
+      <p:transition spd="slow">
+        <p:fade/>
+      </p:transition>
+    </mc:Fallback>
+  </mc:AlternateContent>
 </p:sld>
 </file>
 
@@ -13545,9 +14857,7 @@
     <p:bg>
       <p:bgPr>
         <a:solidFill>
-          <a:schemeClr val="bg1">
-            <a:lumMod val="95000"/>
-          </a:schemeClr>
+          <a:srgbClr val="E8E8E8"/>
         </a:solidFill>
         <a:effectLst/>
       </p:bgPr>
@@ -13584,7 +14894,7 @@
         </p:nvSpPr>
         <p:spPr>
           <a:xfrm>
-            <a:off x="2231136" y="964692"/>
+            <a:off x="2231136" y="730776"/>
             <a:ext cx="7729728" cy="1188720"/>
           </a:xfrm>
         </p:spPr>
@@ -13618,14 +14928,14 @@
             <p:ph idx="1"/>
             <p:extLst>
               <p:ext uri="{D42A27DB-BD31-4B8C-83A1-F6EECF244321}">
-                <p14:modId xmlns:p14="http://schemas.microsoft.com/office/powerpoint/2010/main" val="604191339"/>
+                <p14:modId xmlns:p14="http://schemas.microsoft.com/office/powerpoint/2010/main" val="3641741522"/>
               </p:ext>
             </p:extLst>
           </p:nvPr>
         </p:nvGraphicFramePr>
         <p:xfrm>
-          <a:off x="965200" y="2638425"/>
-          <a:ext cx="10261600" cy="3107748"/>
+          <a:off x="965200" y="2137144"/>
+          <a:ext cx="10261600" cy="4444409"/>
         </p:xfrm>
         <a:graphic>
           <a:graphicData uri="http://schemas.openxmlformats.org/drawingml/2006/diagram">
@@ -13643,6 +14953,18 @@
   <p:clrMapOvr>
     <a:masterClrMapping/>
   </p:clrMapOvr>
+  <mc:AlternateContent xmlns:mc="http://schemas.openxmlformats.org/markup-compatibility/2006" xmlns:p159="http://schemas.microsoft.com/office/powerpoint/2015/09/main">
+    <mc:Choice Requires="p159">
+      <p:transition xmlns:p14="http://schemas.microsoft.com/office/powerpoint/2010/main" spd="slow" p14:dur="2000">
+        <p159:morph option="byObject"/>
+      </p:transition>
+    </mc:Choice>
+    <mc:Fallback xmlns="">
+      <p:transition spd="slow">
+        <p:fade/>
+      </p:transition>
+    </mc:Fallback>
+  </mc:AlternateContent>
 </p:sld>
 </file>
 
@@ -13909,7 +15231,7 @@
             <a:pPr algn="ctr"/>
             <a:r>
               <a:rPr lang="en-US" dirty="0"/>
-              <a:t>Real-time data ingestion</a:t>
+              <a:t>Data ingestion</a:t>
             </a:r>
           </a:p>
         </p:txBody>
@@ -14529,6 +15851,18 @@
   <p:clrMapOvr>
     <a:masterClrMapping/>
   </p:clrMapOvr>
+  <mc:AlternateContent xmlns:mc="http://schemas.openxmlformats.org/markup-compatibility/2006" xmlns:p159="http://schemas.microsoft.com/office/powerpoint/2015/09/main">
+    <mc:Choice Requires="p159">
+      <p:transition xmlns:p14="http://schemas.microsoft.com/office/powerpoint/2010/main" spd="slow" p14:dur="2000">
+        <p159:morph option="byObject"/>
+      </p:transition>
+    </mc:Choice>
+    <mc:Fallback xmlns="">
+      <p:transition spd="slow">
+        <p:fade/>
+      </p:transition>
+    </mc:Fallback>
+  </mc:AlternateContent>
 </p:sld>
 </file>
 
@@ -15534,6 +16868,13 @@
             <a:chOff x="5250426" y="5094920"/>
             <a:chExt cx="4571998" cy="1397955"/>
           </a:xfrm>
+          <a:effectLst>
+            <a:outerShdw blurRad="50800" dist="38100" dir="10800000" algn="r" rotWithShape="0">
+              <a:prstClr val="black">
+                <a:alpha val="40000"/>
+              </a:prstClr>
+            </a:outerShdw>
+          </a:effectLst>
         </p:grpSpPr>
         <p:sp>
           <p:nvSpPr>
@@ -17490,6 +18831,18 @@
   <p:clrMapOvr>
     <a:masterClrMapping/>
   </p:clrMapOvr>
+  <mc:AlternateContent xmlns:mc="http://schemas.openxmlformats.org/markup-compatibility/2006" xmlns:p159="http://schemas.microsoft.com/office/powerpoint/2015/09/main">
+    <mc:Choice Requires="p159">
+      <p:transition xmlns:p14="http://schemas.microsoft.com/office/powerpoint/2010/main" spd="slow" p14:dur="2000">
+        <p159:morph option="byObject"/>
+      </p:transition>
+    </mc:Choice>
+    <mc:Fallback xmlns="">
+      <p:transition spd="slow">
+        <p:fade/>
+      </p:transition>
+    </mc:Fallback>
+  </mc:AlternateContent>
 </p:sld>
 </file>
 
@@ -20074,6 +21427,18 @@
   <p:clrMapOvr>
     <a:masterClrMapping/>
   </p:clrMapOvr>
+  <mc:AlternateContent xmlns:mc="http://schemas.openxmlformats.org/markup-compatibility/2006" xmlns:p159="http://schemas.microsoft.com/office/powerpoint/2015/09/main">
+    <mc:Choice Requires="p159">
+      <p:transition xmlns:p14="http://schemas.microsoft.com/office/powerpoint/2010/main" spd="slow" p14:dur="2000">
+        <p159:morph option="byObject"/>
+      </p:transition>
+    </mc:Choice>
+    <mc:Fallback xmlns="">
+      <p:transition spd="slow">
+        <p:fade/>
+      </p:transition>
+    </mc:Fallback>
+  </mc:AlternateContent>
 </p:sld>
 </file>
 
@@ -20082,7 +21447,13 @@
   <p:cSld>
     <p:spTree>
       <p:nvGrpSpPr>
-        <p:cNvPr id="1" name=""/>
+        <p:cNvPr id="1" name="">
+          <a:extLst>
+            <a:ext uri="{FF2B5EF4-FFF2-40B4-BE49-F238E27FC236}">
+              <a16:creationId xmlns:a16="http://schemas.microsoft.com/office/drawing/2014/main" id="{5ADD2F18-D19C-7804-7E45-9C66E30E4B64}"/>
+            </a:ext>
+          </a:extLst>
+        </p:cNvPr>
         <p:cNvGrpSpPr/>
         <p:nvPr/>
       </p:nvGrpSpPr>
@@ -20099,7 +21470,7 @@
           <p:cNvPr id="7" name="Τίτλος 6">
             <a:extLst>
               <a:ext uri="{FF2B5EF4-FFF2-40B4-BE49-F238E27FC236}">
-                <a16:creationId xmlns:a16="http://schemas.microsoft.com/office/drawing/2014/main" id="{60F7C3EE-55A5-80D9-E711-ABD6DD4E50E1}"/>
+                <a16:creationId xmlns:a16="http://schemas.microsoft.com/office/drawing/2014/main" id="{0216E01D-5E75-B646-6178-6183B7339A73}"/>
               </a:ext>
             </a:extLst>
           </p:cNvPr>
@@ -20135,7 +21506,7 @@
           <p:cNvPr id="20" name="Εικόνα 19">
             <a:extLst>
               <a:ext uri="{FF2B5EF4-FFF2-40B4-BE49-F238E27FC236}">
-                <a16:creationId xmlns:a16="http://schemas.microsoft.com/office/drawing/2014/main" id="{474A5E32-1C7E-FA1F-43B6-5505F37B22C8}"/>
+                <a16:creationId xmlns:a16="http://schemas.microsoft.com/office/drawing/2014/main" id="{F6A956BB-CD96-12BC-7E39-B3D891F30F60}"/>
               </a:ext>
             </a:extLst>
           </p:cNvPr>
@@ -20170,7 +21541,7 @@
           <p:cNvPr id="21" name="Ορθογώνιο: Στρογγύλεμα γωνιών 20">
             <a:extLst>
               <a:ext uri="{FF2B5EF4-FFF2-40B4-BE49-F238E27FC236}">
-                <a16:creationId xmlns:a16="http://schemas.microsoft.com/office/drawing/2014/main" id="{7CFC775E-C1F8-4724-0C04-3F499E4DCC7F}"/>
+                <a16:creationId xmlns:a16="http://schemas.microsoft.com/office/drawing/2014/main" id="{423FA58D-6419-88EC-4628-FF8ABA2E5458}"/>
               </a:ext>
             </a:extLst>
           </p:cNvPr>
@@ -20226,7 +21597,7 @@
           <p:cNvPr id="22" name="Ορθογώνιο: Στρογγύλεμα γωνιών 21">
             <a:extLst>
               <a:ext uri="{FF2B5EF4-FFF2-40B4-BE49-F238E27FC236}">
-                <a16:creationId xmlns:a16="http://schemas.microsoft.com/office/drawing/2014/main" id="{F2D3FE8F-0817-7BF3-E0E2-F94C15952677}"/>
+                <a16:creationId xmlns:a16="http://schemas.microsoft.com/office/drawing/2014/main" id="{9FF6EB2B-A106-FE7E-AEC7-D9F59238D781}"/>
               </a:ext>
             </a:extLst>
           </p:cNvPr>
@@ -20290,7 +21661,7 @@
           <p:cNvPr id="23" name="Ορθογώνιο: Στρογγύλεμα γωνιών 22">
             <a:extLst>
               <a:ext uri="{FF2B5EF4-FFF2-40B4-BE49-F238E27FC236}">
-                <a16:creationId xmlns:a16="http://schemas.microsoft.com/office/drawing/2014/main" id="{A7F7262A-2FB3-F36A-8E95-E5028F760006}"/>
+                <a16:creationId xmlns:a16="http://schemas.microsoft.com/office/drawing/2014/main" id="{219F602B-B127-D13B-34BA-84CE12B09EF1}"/>
               </a:ext>
             </a:extLst>
           </p:cNvPr>
@@ -20346,7 +21717,7 @@
           <p:cNvPr id="24" name="Ορθογώνιο: Στρογγύλεμα γωνιών 23">
             <a:extLst>
               <a:ext uri="{FF2B5EF4-FFF2-40B4-BE49-F238E27FC236}">
-                <a16:creationId xmlns:a16="http://schemas.microsoft.com/office/drawing/2014/main" id="{548569D9-E158-E111-0B4D-45284EC6DB90}"/>
+                <a16:creationId xmlns:a16="http://schemas.microsoft.com/office/drawing/2014/main" id="{E9CDDEC4-8295-B923-F6EC-A575E60C968A}"/>
               </a:ext>
             </a:extLst>
           </p:cNvPr>
@@ -20410,7 +21781,7 @@
           <p:cNvPr id="25" name="Ορθογώνιο: Στρογγύλεμα γωνιών 24">
             <a:extLst>
               <a:ext uri="{FF2B5EF4-FFF2-40B4-BE49-F238E27FC236}">
-                <a16:creationId xmlns:a16="http://schemas.microsoft.com/office/drawing/2014/main" id="{607B9E0B-6CB7-24E4-65C6-E635AE2DDE9C}"/>
+                <a16:creationId xmlns:a16="http://schemas.microsoft.com/office/drawing/2014/main" id="{EF16E60F-9B76-ACD5-EF03-E0082D83AE0D}"/>
               </a:ext>
             </a:extLst>
           </p:cNvPr>
@@ -20466,7 +21837,7 @@
           <p:cNvPr id="26" name="Ορθογώνιο: Στρογγύλεμα γωνιών 25">
             <a:extLst>
               <a:ext uri="{FF2B5EF4-FFF2-40B4-BE49-F238E27FC236}">
-                <a16:creationId xmlns:a16="http://schemas.microsoft.com/office/drawing/2014/main" id="{6F262504-6112-C2F3-E715-6CF663D88D14}"/>
+                <a16:creationId xmlns:a16="http://schemas.microsoft.com/office/drawing/2014/main" id="{BA7CEEDA-2607-CABD-63B6-0206507F0127}"/>
               </a:ext>
             </a:extLst>
           </p:cNvPr>
@@ -20476,13 +21847,126 @@
         <p:spPr>
           <a:xfrm>
             <a:off x="9441180" y="1745674"/>
-            <a:ext cx="2350723" cy="2223652"/>
+            <a:ext cx="2350723" cy="1111826"/>
+          </a:xfrm>
+          <a:prstGeom prst="roundRect">
+            <a:avLst/>
+          </a:prstGeom>
+          <a:solidFill>
+            <a:srgbClr val="F62693">
+              <a:alpha val="49804"/>
+            </a:srgbClr>
+          </a:solidFill>
+          <a:ln>
+            <a:noFill/>
+          </a:ln>
+        </p:spPr>
+        <p:style>
+          <a:lnRef idx="0">
+            <a:scrgbClr r="0" g="0" b="0"/>
+          </a:lnRef>
+          <a:fillRef idx="0">
+            <a:scrgbClr r="0" g="0" b="0"/>
+          </a:fillRef>
+          <a:effectRef idx="0">
+            <a:scrgbClr r="0" g="0" b="0"/>
+          </a:effectRef>
+          <a:fontRef idx="minor">
+            <a:schemeClr val="lt1"/>
+          </a:fontRef>
+        </p:style>
+        <p:txBody>
+          <a:bodyPr rtlCol="0" anchor="ctr"/>
+          <a:lstStyle/>
+          <a:p>
+            <a:pPr algn="ctr"/>
+            <a:r>
+              <a:rPr lang="en-US" dirty="0"/>
+              <a:t>Virtual Gateway</a:t>
+            </a:r>
+            <a:endParaRPr lang="el-GR" dirty="0"/>
+          </a:p>
+        </p:txBody>
+      </p:sp>
+      <p:sp>
+        <p:nvSpPr>
+          <p:cNvPr id="27" name="Ορθογώνιο: Στρογγύλεμα γωνιών 26">
+            <a:extLst>
+              <a:ext uri="{FF2B5EF4-FFF2-40B4-BE49-F238E27FC236}">
+                <a16:creationId xmlns:a16="http://schemas.microsoft.com/office/drawing/2014/main" id="{55575810-0816-042F-EAF2-D1488B573813}"/>
+              </a:ext>
+            </a:extLst>
+          </p:cNvPr>
+          <p:cNvSpPr/>
+          <p:nvPr/>
+        </p:nvSpPr>
+        <p:spPr>
+          <a:xfrm>
+            <a:off x="863724" y="4341496"/>
+            <a:ext cx="1109856" cy="1111826"/>
+          </a:xfrm>
+          <a:prstGeom prst="roundRect">
+            <a:avLst/>
+          </a:prstGeom>
+          <a:solidFill>
+            <a:srgbClr val="F62693">
+              <a:alpha val="49804"/>
+            </a:srgbClr>
+          </a:solidFill>
+          <a:ln>
+            <a:noFill/>
+          </a:ln>
+        </p:spPr>
+        <p:style>
+          <a:lnRef idx="0">
+            <a:scrgbClr r="0" g="0" b="0"/>
+          </a:lnRef>
+          <a:fillRef idx="0">
+            <a:scrgbClr r="0" g="0" b="0"/>
+          </a:fillRef>
+          <a:effectRef idx="0">
+            <a:scrgbClr r="0" g="0" b="0"/>
+          </a:effectRef>
+          <a:fontRef idx="minor">
+            <a:schemeClr val="lt1"/>
+          </a:fontRef>
+        </p:style>
+        <p:txBody>
+          <a:bodyPr rtlCol="0" anchor="ctr"/>
+          <a:lstStyle/>
+          <a:p>
+            <a:pPr algn="ctr"/>
+            <a:r>
+              <a:rPr lang="en-US" dirty="0"/>
+              <a:t>Virtual Gateway</a:t>
+            </a:r>
+            <a:endParaRPr lang="el-GR" dirty="0"/>
+          </a:p>
+        </p:txBody>
+      </p:sp>
+      <p:sp>
+        <p:nvSpPr>
+          <p:cNvPr id="28" name="Ορθογώνιο: Στρογγύλεμα γωνιών 27">
+            <a:extLst>
+              <a:ext uri="{FF2B5EF4-FFF2-40B4-BE49-F238E27FC236}">
+                <a16:creationId xmlns:a16="http://schemas.microsoft.com/office/drawing/2014/main" id="{72995265-8BAE-CA8B-859A-843D17235921}"/>
+              </a:ext>
+            </a:extLst>
+          </p:cNvPr>
+          <p:cNvSpPr/>
+          <p:nvPr/>
+        </p:nvSpPr>
+        <p:spPr>
+          <a:xfrm>
+            <a:off x="863723" y="5453322"/>
+            <a:ext cx="2740713" cy="1057016"/>
           </a:xfrm>
           <a:prstGeom prst="roundRect">
             <a:avLst/>
           </a:prstGeom>
           <a:solidFill>
             <a:schemeClr val="accent2">
+              <a:lumMod val="50000"/>
               <a:alpha val="50000"/>
             </a:schemeClr>
           </a:solidFill>
@@ -20511,7 +21995,7 @@
             <a:pPr algn="ctr"/>
             <a:r>
               <a:rPr lang="en-US" dirty="0"/>
-              <a:t>Virtual Gateway</a:t>
+              <a:t>Data processing</a:t>
             </a:r>
             <a:endParaRPr lang="el-GR" dirty="0"/>
           </a:p>
@@ -20519,10 +22003,10 @@
       </p:sp>
       <p:sp>
         <p:nvSpPr>
-          <p:cNvPr id="27" name="Ορθογώνιο: Στρογγύλεμα γωνιών 26">
+          <p:cNvPr id="29" name="Ορθογώνιο: Στρογγύλεμα γωνιών 28">
             <a:extLst>
               <a:ext uri="{FF2B5EF4-FFF2-40B4-BE49-F238E27FC236}">
-                <a16:creationId xmlns:a16="http://schemas.microsoft.com/office/drawing/2014/main" id="{767E2152-E664-7548-40C5-B36BC2E8A063}"/>
+                <a16:creationId xmlns:a16="http://schemas.microsoft.com/office/drawing/2014/main" id="{CAD1A557-C147-ECA5-0EFC-36312CC6E83D}"/>
               </a:ext>
             </a:extLst>
           </p:cNvPr>
@@ -20531,14 +22015,135 @@
         </p:nvSpPr>
         <p:spPr>
           <a:xfrm>
-            <a:off x="863724" y="4341496"/>
-            <a:ext cx="1381636" cy="1111826"/>
+            <a:off x="3250955" y="4341496"/>
+            <a:ext cx="2111620" cy="1111826"/>
+          </a:xfrm>
+          <a:prstGeom prst="roundRect">
+            <a:avLst/>
+          </a:prstGeom>
+          <a:solidFill>
+            <a:srgbClr val="F62693">
+              <a:alpha val="49804"/>
+            </a:srgbClr>
+          </a:solidFill>
+          <a:ln>
+            <a:noFill/>
+          </a:ln>
+        </p:spPr>
+        <p:style>
+          <a:lnRef idx="0">
+            <a:scrgbClr r="0" g="0" b="0"/>
+          </a:lnRef>
+          <a:fillRef idx="0">
+            <a:scrgbClr r="0" g="0" b="0"/>
+          </a:fillRef>
+          <a:effectRef idx="0">
+            <a:scrgbClr r="0" g="0" b="0"/>
+          </a:effectRef>
+          <a:fontRef idx="minor">
+            <a:schemeClr val="lt1"/>
+          </a:fontRef>
+        </p:style>
+        <p:txBody>
+          <a:bodyPr rtlCol="0" anchor="ctr"/>
+          <a:lstStyle/>
+          <a:p>
+            <a:pPr algn="ctr"/>
+            <a:r>
+              <a:rPr lang="en-US" dirty="0">
+                <a:solidFill>
+                  <a:schemeClr val="bg1"/>
+                </a:solidFill>
+              </a:rPr>
+              <a:t>Cloud</a:t>
+            </a:r>
+            <a:r>
+              <a:rPr lang="en-US" dirty="0"/>
+              <a:t> </a:t>
+            </a:r>
+            <a:endParaRPr lang="el-GR" dirty="0"/>
+          </a:p>
+        </p:txBody>
+      </p:sp>
+      <p:sp>
+        <p:nvSpPr>
+          <p:cNvPr id="30" name="Ορθογώνιο: Στρογγύλεμα γωνιών 29">
+            <a:extLst>
+              <a:ext uri="{FF2B5EF4-FFF2-40B4-BE49-F238E27FC236}">
+                <a16:creationId xmlns:a16="http://schemas.microsoft.com/office/drawing/2014/main" id="{D8192A8D-686A-253A-22B1-F4019BCA09F7}"/>
+              </a:ext>
+            </a:extLst>
+          </p:cNvPr>
+          <p:cNvSpPr/>
+          <p:nvPr/>
+        </p:nvSpPr>
+        <p:spPr>
+          <a:xfrm>
+            <a:off x="5362576" y="4341496"/>
+            <a:ext cx="2334592" cy="1111826"/>
+          </a:xfrm>
+          <a:prstGeom prst="roundRect">
+            <a:avLst/>
+          </a:prstGeom>
+          <a:solidFill>
+            <a:srgbClr val="F62693">
+              <a:alpha val="49804"/>
+            </a:srgbClr>
+          </a:solidFill>
+          <a:ln>
+            <a:noFill/>
+          </a:ln>
+        </p:spPr>
+        <p:style>
+          <a:lnRef idx="0">
+            <a:scrgbClr r="0" g="0" b="0"/>
+          </a:lnRef>
+          <a:fillRef idx="0">
+            <a:scrgbClr r="0" g="0" b="0"/>
+          </a:fillRef>
+          <a:effectRef idx="0">
+            <a:scrgbClr r="0" g="0" b="0"/>
+          </a:effectRef>
+          <a:fontRef idx="minor">
+            <a:schemeClr val="lt1"/>
+          </a:fontRef>
+        </p:style>
+        <p:txBody>
+          <a:bodyPr rtlCol="0" anchor="ctr"/>
+          <a:lstStyle/>
+          <a:p>
+            <a:pPr algn="ctr"/>
+            <a:r>
+              <a:rPr lang="en-US" dirty="0"/>
+              <a:t>Website composition </a:t>
+            </a:r>
+            <a:endParaRPr lang="el-GR" dirty="0"/>
+          </a:p>
+        </p:txBody>
+      </p:sp>
+      <p:sp>
+        <p:nvSpPr>
+          <p:cNvPr id="2" name="Ορθογώνιο: Στρογγύλεμα γωνιών 1">
+            <a:extLst>
+              <a:ext uri="{FF2B5EF4-FFF2-40B4-BE49-F238E27FC236}">
+                <a16:creationId xmlns:a16="http://schemas.microsoft.com/office/drawing/2014/main" id="{61DFE74A-18EC-E469-EB2D-21D34E20B5E5}"/>
+              </a:ext>
+            </a:extLst>
+          </p:cNvPr>
+          <p:cNvSpPr/>
+          <p:nvPr/>
+        </p:nvSpPr>
+        <p:spPr>
+          <a:xfrm>
+            <a:off x="5592203" y="5453322"/>
+            <a:ext cx="2104964" cy="1057016"/>
           </a:xfrm>
           <a:prstGeom prst="roundRect">
             <a:avLst/>
           </a:prstGeom>
           <a:solidFill>
             <a:schemeClr val="accent2">
+              <a:lumMod val="50000"/>
               <a:alpha val="50000"/>
             </a:schemeClr>
           </a:solidFill>
@@ -20567,7 +22172,7 @@
             <a:pPr algn="ctr"/>
             <a:r>
               <a:rPr lang="en-US" dirty="0"/>
-              <a:t>Virtual Gateway</a:t>
+              <a:t>Website composition </a:t>
             </a:r>
             <a:endParaRPr lang="el-GR" dirty="0"/>
           </a:p>
@@ -20575,10 +22180,10 @@
       </p:sp>
       <p:sp>
         <p:nvSpPr>
-          <p:cNvPr id="28" name="Ορθογώνιο: Στρογγύλεμα γωνιών 27">
+          <p:cNvPr id="4" name="Ορθογώνιο: Στρογγύλεμα γωνιών 3">
             <a:extLst>
               <a:ext uri="{FF2B5EF4-FFF2-40B4-BE49-F238E27FC236}">
-                <a16:creationId xmlns:a16="http://schemas.microsoft.com/office/drawing/2014/main" id="{BBB842B3-56D6-60DA-44C5-94F1C83284F7}"/>
+                <a16:creationId xmlns:a16="http://schemas.microsoft.com/office/drawing/2014/main" id="{31779AEB-4990-1B45-5D99-195D0C501328}"/>
               </a:ext>
             </a:extLst>
           </p:cNvPr>
@@ -20587,14 +22192,15 @@
         </p:nvSpPr>
         <p:spPr>
           <a:xfrm>
-            <a:off x="863723" y="5453322"/>
-            <a:ext cx="2740713" cy="1057016"/>
+            <a:off x="3604436" y="5453322"/>
+            <a:ext cx="1987766" cy="1057016"/>
           </a:xfrm>
           <a:prstGeom prst="roundRect">
             <a:avLst/>
           </a:prstGeom>
           <a:solidFill>
             <a:schemeClr val="accent2">
+              <a:lumMod val="50000"/>
               <a:alpha val="50000"/>
             </a:schemeClr>
           </a:solidFill>
@@ -20622,8 +22228,16 @@
           <a:p>
             <a:pPr algn="ctr"/>
             <a:r>
+              <a:rPr lang="en-US" dirty="0">
+                <a:solidFill>
+                  <a:schemeClr val="bg1"/>
+                </a:solidFill>
+              </a:rPr>
+              <a:t>Cloud</a:t>
+            </a:r>
+            <a:r>
               <a:rPr lang="en-US" dirty="0"/>
-              <a:t>Data processing</a:t>
+              <a:t> </a:t>
             </a:r>
             <a:endParaRPr lang="el-GR" dirty="0"/>
           </a:p>
@@ -20631,10 +22245,10 @@
       </p:sp>
       <p:sp>
         <p:nvSpPr>
-          <p:cNvPr id="29" name="Ορθογώνιο: Στρογγύλεμα γωνιών 28">
+          <p:cNvPr id="5" name="Ορθογώνιο: Στρογγύλεμα γωνιών 4">
             <a:extLst>
               <a:ext uri="{FF2B5EF4-FFF2-40B4-BE49-F238E27FC236}">
-                <a16:creationId xmlns:a16="http://schemas.microsoft.com/office/drawing/2014/main" id="{92EE8518-660B-8989-32F1-B95E2574F9DD}"/>
+                <a16:creationId xmlns:a16="http://schemas.microsoft.com/office/drawing/2014/main" id="{3ED16C47-7882-C9A0-E81C-71FDE3E20F90}"/>
               </a:ext>
             </a:extLst>
           </p:cNvPr>
@@ -20643,14 +22257,15 @@
         </p:nvSpPr>
         <p:spPr>
           <a:xfrm>
-            <a:off x="2639029" y="4341496"/>
-            <a:ext cx="2953174" cy="1111826"/>
+            <a:off x="9441179" y="2857500"/>
+            <a:ext cx="2350723" cy="1111826"/>
           </a:xfrm>
           <a:prstGeom prst="roundRect">
             <a:avLst/>
           </a:prstGeom>
           <a:solidFill>
             <a:schemeClr val="accent2">
+              <a:lumMod val="50000"/>
               <a:alpha val="50000"/>
             </a:schemeClr>
           </a:solidFill>
@@ -20678,16 +22293,8 @@
           <a:p>
             <a:pPr algn="ctr"/>
             <a:r>
-              <a:rPr lang="en-US" dirty="0">
-                <a:solidFill>
-                  <a:schemeClr val="bg1"/>
-                </a:solidFill>
-              </a:rPr>
-              <a:t>Cloud</a:t>
-            </a:r>
-            <a:r>
               <a:rPr lang="en-US" dirty="0"/>
-              <a:t> </a:t>
+              <a:t>Virtual Gateway</a:t>
             </a:r>
             <a:endParaRPr lang="el-GR" dirty="0"/>
           </a:p>
@@ -20695,10 +22302,10 @@
       </p:sp>
       <p:sp>
         <p:nvSpPr>
-          <p:cNvPr id="30" name="Ορθογώνιο: Στρογγύλεμα γωνιών 29">
+          <p:cNvPr id="6" name="Ορθογώνιο: Στρογγύλεμα γωνιών 5">
             <a:extLst>
               <a:ext uri="{FF2B5EF4-FFF2-40B4-BE49-F238E27FC236}">
-                <a16:creationId xmlns:a16="http://schemas.microsoft.com/office/drawing/2014/main" id="{59B38C87-1B96-0294-2293-4E94D4B23832}"/>
+                <a16:creationId xmlns:a16="http://schemas.microsoft.com/office/drawing/2014/main" id="{04C01961-6311-A364-1413-32BCAC57945B}"/>
               </a:ext>
             </a:extLst>
           </p:cNvPr>
@@ -20707,14 +22314,71 @@
         </p:nvSpPr>
         <p:spPr>
           <a:xfrm>
-            <a:off x="5592203" y="4341496"/>
-            <a:ext cx="2104964" cy="2168842"/>
+            <a:off x="9611360" y="5561795"/>
+            <a:ext cx="2078943" cy="337820"/>
+          </a:xfrm>
+          <a:prstGeom prst="roundRect">
+            <a:avLst/>
+          </a:prstGeom>
+          <a:solidFill>
+            <a:srgbClr val="F62693">
+              <a:alpha val="49804"/>
+            </a:srgbClr>
+          </a:solidFill>
+          <a:ln>
+            <a:noFill/>
+          </a:ln>
+        </p:spPr>
+        <p:style>
+          <a:lnRef idx="0">
+            <a:scrgbClr r="0" g="0" b="0"/>
+          </a:lnRef>
+          <a:fillRef idx="0">
+            <a:scrgbClr r="0" g="0" b="0"/>
+          </a:fillRef>
+          <a:effectRef idx="0">
+            <a:scrgbClr r="0" g="0" b="0"/>
+          </a:effectRef>
+          <a:fontRef idx="minor">
+            <a:schemeClr val="lt1"/>
+          </a:fontRef>
+        </p:style>
+        <p:txBody>
+          <a:bodyPr rtlCol="0" anchor="ctr"/>
+          <a:lstStyle/>
+          <a:p>
+            <a:pPr algn="ctr"/>
+            <a:r>
+              <a:rPr lang="en-US" dirty="0"/>
+              <a:t>Georgia Psychogiou</a:t>
+            </a:r>
+            <a:endParaRPr lang="el-GR" dirty="0"/>
+          </a:p>
+        </p:txBody>
+      </p:sp>
+      <p:sp>
+        <p:nvSpPr>
+          <p:cNvPr id="8" name="Ορθογώνιο: Στρογγύλεμα γωνιών 7">
+            <a:extLst>
+              <a:ext uri="{FF2B5EF4-FFF2-40B4-BE49-F238E27FC236}">
+                <a16:creationId xmlns:a16="http://schemas.microsoft.com/office/drawing/2014/main" id="{4AC4C0FA-3FA0-CCA4-7BE3-C45892846EB2}"/>
+              </a:ext>
+            </a:extLst>
+          </p:cNvPr>
+          <p:cNvSpPr/>
+          <p:nvPr/>
+        </p:nvSpPr>
+        <p:spPr>
+          <a:xfrm>
+            <a:off x="9611359" y="6055249"/>
+            <a:ext cx="2078943" cy="337820"/>
           </a:xfrm>
           <a:prstGeom prst="roundRect">
             <a:avLst/>
           </a:prstGeom>
           <a:solidFill>
             <a:schemeClr val="accent2">
+              <a:lumMod val="50000"/>
               <a:alpha val="50000"/>
             </a:schemeClr>
           </a:solidFill>
@@ -20743,7 +22407,71 @@
             <a:pPr algn="ctr"/>
             <a:r>
               <a:rPr lang="en-US" dirty="0"/>
-              <a:t>Website composition </a:t>
+              <a:t>Ariadne fyrogeni</a:t>
+            </a:r>
+            <a:endParaRPr lang="el-GR" dirty="0"/>
+          </a:p>
+        </p:txBody>
+      </p:sp>
+      <p:sp>
+        <p:nvSpPr>
+          <p:cNvPr id="9" name="Ορθογώνιο: Στρογγύλεμα γωνιών 8">
+            <a:extLst>
+              <a:ext uri="{FF2B5EF4-FFF2-40B4-BE49-F238E27FC236}">
+                <a16:creationId xmlns:a16="http://schemas.microsoft.com/office/drawing/2014/main" id="{CEB08815-CDCC-550A-6B66-AA67E6D5B52F}"/>
+              </a:ext>
+            </a:extLst>
+          </p:cNvPr>
+          <p:cNvSpPr/>
+          <p:nvPr/>
+        </p:nvSpPr>
+        <p:spPr>
+          <a:xfrm>
+            <a:off x="1973581" y="4348682"/>
+            <a:ext cx="1277374" cy="1111826"/>
+          </a:xfrm>
+          <a:prstGeom prst="roundRect">
+            <a:avLst/>
+          </a:prstGeom>
+          <a:solidFill>
+            <a:srgbClr val="F62693">
+              <a:alpha val="49804"/>
+            </a:srgbClr>
+          </a:solidFill>
+          <a:ln>
+            <a:noFill/>
+          </a:ln>
+        </p:spPr>
+        <p:style>
+          <a:lnRef idx="0">
+            <a:scrgbClr r="0" g="0" b="0"/>
+          </a:lnRef>
+          <a:fillRef idx="0">
+            <a:scrgbClr r="0" g="0" b="0"/>
+          </a:fillRef>
+          <a:effectRef idx="0">
+            <a:scrgbClr r="0" g="0" b="0"/>
+          </a:effectRef>
+          <a:fontRef idx="minor">
+            <a:schemeClr val="lt1"/>
+          </a:fontRef>
+        </p:style>
+        <p:txBody>
+          <a:bodyPr rtlCol="0" anchor="ctr"/>
+          <a:lstStyle/>
+          <a:p>
+            <a:pPr algn="ctr"/>
+            <a:r>
+              <a:rPr lang="en-US" dirty="0">
+                <a:solidFill>
+                  <a:schemeClr val="bg1"/>
+                </a:solidFill>
+              </a:rPr>
+              <a:t>Data processing</a:t>
+            </a:r>
+            <a:r>
+              <a:rPr lang="en-US" dirty="0"/>
+              <a:t> </a:t>
             </a:r>
             <a:endParaRPr lang="el-GR" dirty="0"/>
           </a:p>
@@ -20752,13 +22480,25 @@
     </p:spTree>
     <p:extLst>
       <p:ext uri="{BB962C8B-B14F-4D97-AF65-F5344CB8AC3E}">
-        <p14:creationId xmlns:p14="http://schemas.microsoft.com/office/powerpoint/2010/main" val="2375681751"/>
+        <p14:creationId xmlns:p14="http://schemas.microsoft.com/office/powerpoint/2010/main" val="2040437645"/>
       </p:ext>
     </p:extLst>
   </p:cSld>
   <p:clrMapOvr>
     <a:masterClrMapping/>
   </p:clrMapOvr>
+  <mc:AlternateContent xmlns:mc="http://schemas.openxmlformats.org/markup-compatibility/2006" xmlns:p159="http://schemas.microsoft.com/office/powerpoint/2015/09/main">
+    <mc:Choice Requires="p159">
+      <p:transition xmlns:p14="http://schemas.microsoft.com/office/powerpoint/2010/main" spd="slow" p14:dur="2000">
+        <p159:morph option="byObject"/>
+      </p:transition>
+    </mc:Choice>
+    <mc:Fallback xmlns="">
+      <p:transition spd="slow">
+        <p:fade/>
+      </p:transition>
+    </mc:Fallback>
+  </mc:AlternateContent>
 </p:sld>
 </file>
 
@@ -20838,7 +22578,7 @@
             <p:ph idx="1"/>
             <p:extLst>
               <p:ext uri="{D42A27DB-BD31-4B8C-83A1-F6EECF244321}">
-                <p14:modId xmlns:p14="http://schemas.microsoft.com/office/powerpoint/2010/main" val="1800148095"/>
+                <p14:modId xmlns:p14="http://schemas.microsoft.com/office/powerpoint/2010/main" val="2572699099"/>
               </p:ext>
             </p:extLst>
           </p:nvPr>
@@ -20881,7 +22621,7 @@
         </p:blipFill>
         <p:spPr>
           <a:xfrm>
-            <a:off x="6361112" y="5052890"/>
+            <a:off x="6381432" y="5052890"/>
             <a:ext cx="677613" cy="677613"/>
           </a:xfrm>
           <a:prstGeom prst="roundRect">
@@ -20940,7 +22680,7 @@
         </p:blipFill>
         <p:spPr>
           <a:xfrm>
-            <a:off x="9488847" y="3910821"/>
+            <a:off x="9395502" y="3910819"/>
             <a:ext cx="733425" cy="718185"/>
           </a:xfrm>
           <a:prstGeom prst="rect">
@@ -20983,7 +22723,7 @@
         </p:blipFill>
         <p:spPr>
           <a:xfrm>
-            <a:off x="6305300" y="3910820"/>
+            <a:off x="6259580" y="3910818"/>
             <a:ext cx="733425" cy="718185"/>
           </a:xfrm>
           <a:prstGeom prst="rect">
@@ -21026,7 +22766,7 @@
         </p:blipFill>
         <p:spPr>
           <a:xfrm>
-            <a:off x="5178976" y="1830867"/>
+            <a:off x="5178976" y="1851822"/>
             <a:ext cx="677614" cy="677614"/>
           </a:xfrm>
           <a:prstGeom prst="roundRect">
@@ -21086,7 +22826,7 @@
         </p:blipFill>
         <p:spPr>
           <a:xfrm>
-            <a:off x="2045572" y="2358345"/>
+            <a:off x="1978880" y="2367870"/>
             <a:ext cx="677614" cy="677614"/>
           </a:xfrm>
           <a:prstGeom prst="rect">
@@ -21129,7 +22869,7 @@
         </p:blipFill>
         <p:spPr>
           <a:xfrm>
-            <a:off x="3690880" y="3361559"/>
+            <a:off x="3713740" y="3361559"/>
             <a:ext cx="677614" cy="677614"/>
           </a:xfrm>
           <a:prstGeom prst="rect">
@@ -21293,6 +23033,18 @@
   <p:clrMapOvr>
     <a:masterClrMapping/>
   </p:clrMapOvr>
+  <mc:AlternateContent xmlns:mc="http://schemas.openxmlformats.org/markup-compatibility/2006" xmlns:p159="http://schemas.microsoft.com/office/powerpoint/2015/09/main">
+    <mc:Choice Requires="p159">
+      <p:transition xmlns:p14="http://schemas.microsoft.com/office/powerpoint/2010/main" spd="slow" p14:dur="2000">
+        <p159:morph option="byObject"/>
+      </p:transition>
+    </mc:Choice>
+    <mc:Fallback xmlns="">
+      <p:transition spd="slow">
+        <p:fade/>
+      </p:transition>
+    </mc:Fallback>
+  </mc:AlternateContent>
 </p:sld>
 </file>
 
@@ -21367,7 +23119,7 @@
           </p:nvPr>
         </p:nvPicPr>
         <p:blipFill>
-          <a:blip r:embed="rId2"/>
+          <a:blip r:embed="rId3"/>
           <a:stretch>
             <a:fillRect/>
           </a:stretch>
@@ -21394,7 +23146,7 @@
           <p:nvPr/>
         </p:nvPicPr>
         <p:blipFill>
-          <a:blip r:embed="rId3"/>
+          <a:blip r:embed="rId4"/>
           <a:stretch>
             <a:fillRect/>
           </a:stretch>
@@ -21409,8 +23161,8 @@
           </a:prstGeom>
         </p:spPr>
       </p:pic>
-      <mc:AlternateContent xmlns:mc="http://schemas.openxmlformats.org/markup-compatibility/2006">
-        <mc:Choice xmlns:a14="http://schemas.microsoft.com/office/drawing/2010/main" Requires="a14">
+      <mc:AlternateContent xmlns:mc="http://schemas.openxmlformats.org/markup-compatibility/2006" xmlns:a14="http://schemas.microsoft.com/office/drawing/2010/main">
+        <mc:Choice Requires="a14">
           <p:sp>
             <p:nvSpPr>
               <p:cNvPr id="8" name="Ορθογώνιο: Στρογγύλεμα γωνιών 7">
@@ -21653,7 +23405,7 @@
             </p:txBody>
           </p:sp>
         </mc:Choice>
-        <mc:Fallback>
+        <mc:Fallback xmlns="">
           <p:sp>
             <p:nvSpPr>
               <p:cNvPr id="8" name="Ορθογώνιο: Στρογγύλεμα γωνιών 7">
@@ -21677,7 +23429,7 @@
                 <a:avLst/>
               </a:prstGeom>
               <a:blipFill>
-                <a:blip r:embed="rId4"/>
+                <a:blip r:embed="rId5"/>
                 <a:stretch>
                   <a:fillRect/>
                 </a:stretch>
@@ -21762,7 +23514,7 @@
           <p:nvPr/>
         </p:nvPicPr>
         <p:blipFill>
-          <a:blip r:embed="rId5">
+          <a:blip r:embed="rId6">
             <a:extLst>
               <a:ext uri="{28A0092B-C50C-407E-A947-70E740481C1C}">
                 <a14:useLocalDpi xmlns:a14="http://schemas.microsoft.com/office/drawing/2010/main" val="0"/>
@@ -21852,6 +23604,18 @@
   <p:clrMapOvr>
     <a:masterClrMapping/>
   </p:clrMapOvr>
+  <mc:AlternateContent xmlns:mc="http://schemas.openxmlformats.org/markup-compatibility/2006" xmlns:p159="http://schemas.microsoft.com/office/powerpoint/2015/09/main">
+    <mc:Choice Requires="p159">
+      <p:transition xmlns:p14="http://schemas.microsoft.com/office/powerpoint/2010/main" spd="slow" p14:dur="2000">
+        <p159:morph option="byObject"/>
+      </p:transition>
+    </mc:Choice>
+    <mc:Fallback xmlns="">
+      <p:transition spd="slow">
+        <p:fade/>
+      </p:transition>
+    </mc:Fallback>
+  </mc:AlternateContent>
   <p:timing>
     <p:tnLst>
       <p:par>
@@ -22141,8 +23905,14 @@
           <a:p>
             <a:pPr algn="ctr"/>
             <a:r>
+              <a:rPr lang="el-GR" sz="1600" dirty="0">
+                <a:hlinkClick r:id="rId3"/>
+              </a:rPr>
+              <a:t>https://github.com/smart-data-models/dataModel.Weather/blob/master/WeatherObserved/doc/spec.md</a:t>
+            </a:r>
+            <a:r>
               <a:rPr lang="el-GR" sz="1600" dirty="0"/>
-              <a:t>https://github.com/smart-data-models/dataModel.Weather/blob/master/WeatherObserved/doc/spec.md</a:t>
+              <a:t> </a:t>
             </a:r>
           </a:p>
         </p:txBody>
@@ -22162,7 +23932,7 @@
           <p:nvPr/>
         </p:nvPicPr>
         <p:blipFill>
-          <a:blip r:embed="rId3"/>
+          <a:blip r:embed="rId4"/>
           <a:srcRect l="1430" t="7240" r="1"/>
           <a:stretch/>
         </p:blipFill>
@@ -22215,7 +23985,7 @@
           <p:nvPr/>
         </p:nvPicPr>
         <p:blipFill>
-          <a:blip r:embed="rId4"/>
+          <a:blip r:embed="rId5"/>
           <a:stretch>
             <a:fillRect/>
           </a:stretch>
@@ -22269,7 +24039,7 @@
           <p:nvPr/>
         </p:nvPicPr>
         <p:blipFill>
-          <a:blip r:embed="rId5"/>
+          <a:blip r:embed="rId6"/>
           <a:stretch>
             <a:fillRect/>
           </a:stretch>
@@ -22323,7 +24093,7 @@
           <p:nvPr/>
         </p:nvPicPr>
         <p:blipFill>
-          <a:blip r:embed="rId6">
+          <a:blip r:embed="rId7">
             <a:extLst>
               <a:ext uri="{28A0092B-C50C-407E-A947-70E740481C1C}">
                 <a14:useLocalDpi xmlns:a14="http://schemas.microsoft.com/office/drawing/2010/main" val="0"/>
@@ -22383,7 +24153,7 @@
           <p:nvPr/>
         </p:nvPicPr>
         <p:blipFill>
-          <a:blip r:embed="rId7"/>
+          <a:blip r:embed="rId8"/>
           <a:stretch>
             <a:fillRect/>
           </a:stretch>
@@ -22437,7 +24207,7 @@
           <p:nvPr/>
         </p:nvPicPr>
         <p:blipFill>
-          <a:blip r:embed="rId8"/>
+          <a:blip r:embed="rId9"/>
           <a:stretch>
             <a:fillRect/>
           </a:stretch>
@@ -22491,7 +24261,7 @@
           <p:nvPr/>
         </p:nvPicPr>
         <p:blipFill>
-          <a:blip r:embed="rId9"/>
+          <a:blip r:embed="rId10"/>
           <a:stretch>
             <a:fillRect/>
           </a:stretch>
@@ -22545,7 +24315,7 @@
           <p:nvPr/>
         </p:nvPicPr>
         <p:blipFill>
-          <a:blip r:embed="rId10"/>
+          <a:blip r:embed="rId11"/>
           <a:stretch>
             <a:fillRect/>
           </a:stretch>
@@ -22599,7 +24369,7 @@
           <p:nvPr/>
         </p:nvPicPr>
         <p:blipFill>
-          <a:blip r:embed="rId11"/>
+          <a:blip r:embed="rId12"/>
           <a:stretch>
             <a:fillRect/>
           </a:stretch>
@@ -22653,7 +24423,7 @@
           <p:nvPr/>
         </p:nvPicPr>
         <p:blipFill>
-          <a:blip r:embed="rId12"/>
+          <a:blip r:embed="rId13"/>
           <a:stretch>
             <a:fillRect/>
           </a:stretch>
@@ -22707,7 +24477,7 @@
           <p:nvPr/>
         </p:nvPicPr>
         <p:blipFill>
-          <a:blip r:embed="rId13"/>
+          <a:blip r:embed="rId14"/>
           <a:srcRect l="1230" b="6558"/>
           <a:stretch/>
         </p:blipFill>
@@ -22760,7 +24530,7 @@
           <p:nvPr/>
         </p:nvPicPr>
         <p:blipFill>
-          <a:blip r:embed="rId14"/>
+          <a:blip r:embed="rId15"/>
           <a:stretch>
             <a:fillRect/>
           </a:stretch>
@@ -22814,7 +24584,7 @@
           <p:nvPr/>
         </p:nvPicPr>
         <p:blipFill>
-          <a:blip r:embed="rId15"/>
+          <a:blip r:embed="rId16"/>
           <a:stretch>
             <a:fillRect/>
           </a:stretch>
@@ -22863,6 +24633,18 @@
   <p:clrMapOvr>
     <a:masterClrMapping/>
   </p:clrMapOvr>
+  <mc:AlternateContent xmlns:mc="http://schemas.openxmlformats.org/markup-compatibility/2006" xmlns:p159="http://schemas.microsoft.com/office/powerpoint/2015/09/main">
+    <mc:Choice Requires="p159">
+      <p:transition xmlns:p14="http://schemas.microsoft.com/office/powerpoint/2010/main" spd="slow" p14:dur="2000">
+        <p159:morph option="byObject"/>
+      </p:transition>
+    </mc:Choice>
+    <mc:Fallback xmlns="">
+      <p:transition spd="slow">
+        <p:fade/>
+      </p:transition>
+    </mc:Fallback>
+  </mc:AlternateContent>
 </p:sld>
 </file>
 

--- a/presentations/City Microclimate and Traffic Analysis__v2.pptx
+++ b/presentations/City Microclimate and Traffic Analysis__v2.pptx
@@ -129,7 +129,7 @@
 <file path=ppt/revisionInfo.xml><?xml version="1.0" encoding="utf-8"?>
 <p1510:revInfo xmlns:a="http://schemas.openxmlformats.org/drawingml/2006/main" xmlns:r="http://schemas.openxmlformats.org/officeDocument/2006/relationships" xmlns:p1510="http://schemas.microsoft.com/office/powerpoint/2015/10/main">
   <p1510:revLst>
-    <p1510:client id="{46AFDC97-0FC2-49F7-A869-0D570CCE983D}" v="1039" dt="2024-12-04T22:53:31.493"/>
+    <p1510:client id="{46AFDC97-0FC2-49F7-A869-0D570CCE983D}" v="1040" dt="2024-12-05T15:18:35.957"/>
   </p1510:revLst>
 </p1510:revInfo>
 </file>
@@ -139,7 +139,7 @@
   <pc:docChgLst>
     <pc:chgData name="ariadne fyrogeni" userId="f6540a3b75c6dbac" providerId="LiveId" clId="{46AFDC97-0FC2-49F7-A869-0D570CCE983D}"/>
     <pc:docChg chg="undo redo custSel addSld delSld modSld sldOrd modShowInfo">
-      <pc:chgData name="ariadne fyrogeni" userId="f6540a3b75c6dbac" providerId="LiveId" clId="{46AFDC97-0FC2-49F7-A869-0D570CCE983D}" dt="2024-12-05T12:28:37.385" v="3744" actId="1076"/>
+      <pc:chgData name="ariadne fyrogeni" userId="f6540a3b75c6dbac" providerId="LiveId" clId="{46AFDC97-0FC2-49F7-A869-0D570CCE983D}" dt="2024-12-05T15:39:56.498" v="3790" actId="14100"/>
       <pc:docMkLst>
         <pc:docMk/>
       </pc:docMkLst>
@@ -181,8 +181,8 @@
           <pc:sldMk cId="3773284589" sldId="257"/>
         </pc:sldMkLst>
       </pc:sldChg>
-      <pc:sldChg chg="addSp delSp modSp add mod modTransition">
-        <pc:chgData name="ariadne fyrogeni" userId="f6540a3b75c6dbac" providerId="LiveId" clId="{46AFDC97-0FC2-49F7-A869-0D570CCE983D}" dt="2024-12-04T22:52:58.235" v="3723" actId="14861"/>
+      <pc:sldChg chg="addSp delSp modSp add mod modTransition modNotesTx">
+        <pc:chgData name="ariadne fyrogeni" userId="f6540a3b75c6dbac" providerId="LiveId" clId="{46AFDC97-0FC2-49F7-A869-0D570CCE983D}" dt="2024-12-05T15:23:50.854" v="3788"/>
         <pc:sldMkLst>
           <pc:docMk/>
           <pc:sldMk cId="1367568715" sldId="262"/>
@@ -324,7 +324,7 @@
         </pc:graphicFrameChg>
       </pc:sldChg>
       <pc:sldChg chg="addSp delSp modSp mod modTransition setBg">
-        <pc:chgData name="ariadne fyrogeni" userId="f6540a3b75c6dbac" providerId="LiveId" clId="{46AFDC97-0FC2-49F7-A869-0D570CCE983D}" dt="2024-12-04T22:53:18.605" v="3724" actId="14861"/>
+        <pc:chgData name="ariadne fyrogeni" userId="f6540a3b75c6dbac" providerId="LiveId" clId="{46AFDC97-0FC2-49F7-A869-0D570CCE983D}" dt="2024-12-05T15:19:07.508" v="3787" actId="1076"/>
         <pc:sldMkLst>
           <pc:docMk/>
           <pc:sldMk cId="1581428854" sldId="266"/>
@@ -385,6 +385,14 @@
             <ac:spMk id="20" creationId="{9AF45FE0-EBF2-6F76-1305-853A311080C4}"/>
           </ac:spMkLst>
         </pc:spChg>
+        <pc:grpChg chg="del">
+          <ac:chgData name="ariadne fyrogeni" userId="f6540a3b75c6dbac" providerId="LiveId" clId="{46AFDC97-0FC2-49F7-A869-0D570CCE983D}" dt="2024-12-05T15:18:24.436" v="3780" actId="478"/>
+          <ac:grpSpMkLst>
+            <pc:docMk/>
+            <pc:sldMk cId="1581428854" sldId="266"/>
+            <ac:grpSpMk id="165" creationId="{A3E20B77-55F4-C2BC-C240-6E16ED6AE3DA}"/>
+          </ac:grpSpMkLst>
+        </pc:grpChg>
         <pc:grpChg chg="mod">
           <ac:chgData name="ariadne fyrogeni" userId="f6540a3b75c6dbac" providerId="LiveId" clId="{46AFDC97-0FC2-49F7-A869-0D570CCE983D}" dt="2024-12-04T22:53:18.605" v="3724" actId="14861"/>
           <ac:grpSpMkLst>
@@ -393,6 +401,14 @@
             <ac:grpSpMk id="179" creationId="{76B1B502-F6AC-5ECA-FD21-07D556F3A3C8}"/>
           </ac:grpSpMkLst>
         </pc:grpChg>
+        <pc:cxnChg chg="add mod">
+          <ac:chgData name="ariadne fyrogeni" userId="f6540a3b75c6dbac" providerId="LiveId" clId="{46AFDC97-0FC2-49F7-A869-0D570CCE983D}" dt="2024-12-05T15:19:07.508" v="3787" actId="1076"/>
+          <ac:cxnSpMkLst>
+            <pc:docMk/>
+            <pc:sldMk cId="1581428854" sldId="266"/>
+            <ac:cxnSpMk id="6" creationId="{20AF7DDE-BFCB-EDEB-D627-44394EF48239}"/>
+          </ac:cxnSpMkLst>
+        </pc:cxnChg>
         <pc:cxnChg chg="add del mod">
           <ac:chgData name="ariadne fyrogeni" userId="f6540a3b75c6dbac" providerId="LiveId" clId="{46AFDC97-0FC2-49F7-A869-0D570CCE983D}" dt="2024-11-29T13:36:18.375" v="1987" actId="478"/>
           <ac:cxnSpMkLst>
@@ -417,9 +433,25 @@
             <ac:cxnSpMk id="29" creationId="{F5991594-ECED-5853-4D4E-BA365A4655F1}"/>
           </ac:cxnSpMkLst>
         </pc:cxnChg>
+        <pc:cxnChg chg="mod">
+          <ac:chgData name="ariadne fyrogeni" userId="f6540a3b75c6dbac" providerId="LiveId" clId="{46AFDC97-0FC2-49F7-A869-0D570CCE983D}" dt="2024-12-05T15:18:07.574" v="3777" actId="208"/>
+          <ac:cxnSpMkLst>
+            <pc:docMk/>
+            <pc:sldMk cId="1581428854" sldId="266"/>
+            <ac:cxnSpMk id="123" creationId="{4B5C6233-0141-7326-79B9-AC4513DE9D97}"/>
+          </ac:cxnSpMkLst>
+        </pc:cxnChg>
+        <pc:cxnChg chg="mod">
+          <ac:chgData name="ariadne fyrogeni" userId="f6540a3b75c6dbac" providerId="LiveId" clId="{46AFDC97-0FC2-49F7-A869-0D570CCE983D}" dt="2024-12-05T15:18:24.436" v="3780" actId="478"/>
+          <ac:cxnSpMkLst>
+            <pc:docMk/>
+            <pc:sldMk cId="1581428854" sldId="266"/>
+            <ac:cxnSpMk id="164" creationId="{7FDD7A5E-7A47-DF7B-2EB4-4D007C3F4E0B}"/>
+          </ac:cxnSpMkLst>
+        </pc:cxnChg>
       </pc:sldChg>
       <pc:sldChg chg="addSp delSp modSp new mod modTransition modClrScheme chgLayout modNotesTx">
-        <pc:chgData name="ariadne fyrogeni" userId="f6540a3b75c6dbac" providerId="LiveId" clId="{46AFDC97-0FC2-49F7-A869-0D570CCE983D}" dt="2024-12-04T14:37:57.712" v="2715" actId="20577"/>
+        <pc:chgData name="ariadne fyrogeni" userId="f6540a3b75c6dbac" providerId="LiveId" clId="{46AFDC97-0FC2-49F7-A869-0D570CCE983D}" dt="2024-12-05T15:07:46.606" v="3773" actId="20577"/>
         <pc:sldMkLst>
           <pc:docMk/>
           <pc:sldMk cId="1496295758" sldId="267"/>
@@ -1608,7 +1640,7 @@
         </pc:picChg>
       </pc:sldChg>
       <pc:sldChg chg="addSp delSp modSp add mod modTransition">
-        <pc:chgData name="ariadne fyrogeni" userId="f6540a3b75c6dbac" providerId="LiveId" clId="{46AFDC97-0FC2-49F7-A869-0D570CCE983D}" dt="2024-12-03T14:52:39.389" v="2688"/>
+        <pc:chgData name="ariadne fyrogeni" userId="f6540a3b75c6dbac" providerId="LiveId" clId="{46AFDC97-0FC2-49F7-A869-0D570CCE983D}" dt="2024-12-05T15:18:54.070" v="3786" actId="1076"/>
         <pc:sldMkLst>
           <pc:docMk/>
           <pc:sldMk cId="1629151935" sldId="272"/>
@@ -1869,8 +1901,8 @@
             <ac:spMk id="198" creationId="{0EADD938-B1C0-1E2A-FC32-6623451E4BC8}"/>
           </ac:spMkLst>
         </pc:spChg>
-        <pc:grpChg chg="mod">
-          <ac:chgData name="ariadne fyrogeni" userId="f6540a3b75c6dbac" providerId="LiveId" clId="{46AFDC97-0FC2-49F7-A869-0D570CCE983D}" dt="2024-11-29T13:54:43.171" v="1993" actId="1076"/>
+        <pc:grpChg chg="del mod">
+          <ac:chgData name="ariadne fyrogeni" userId="f6540a3b75c6dbac" providerId="LiveId" clId="{46AFDC97-0FC2-49F7-A869-0D570CCE983D}" dt="2024-12-05T15:18:38.679" v="3784" actId="478"/>
           <ac:grpSpMkLst>
             <pc:docMk/>
             <pc:sldMk cId="1629151935" sldId="272"/>
@@ -1909,6 +1941,14 @@
             <ac:picMk id="52" creationId="{04C35982-1C7A-A89C-72A5-5B9053F3C62A}"/>
           </ac:picMkLst>
         </pc:picChg>
+        <pc:cxnChg chg="add mod">
+          <ac:chgData name="ariadne fyrogeni" userId="f6540a3b75c6dbac" providerId="LiveId" clId="{46AFDC97-0FC2-49F7-A869-0D570CCE983D}" dt="2024-12-05T15:18:54.070" v="3786" actId="1076"/>
+          <ac:cxnSpMkLst>
+            <pc:docMk/>
+            <pc:sldMk cId="1629151935" sldId="272"/>
+            <ac:cxnSpMk id="2" creationId="{63673655-37E0-2630-6C7F-11A2552B218D}"/>
+          </ac:cxnSpMkLst>
+        </pc:cxnChg>
         <pc:cxnChg chg="mod">
           <ac:chgData name="ariadne fyrogeni" userId="f6540a3b75c6dbac" providerId="LiveId" clId="{46AFDC97-0FC2-49F7-A869-0D570CCE983D}" dt="2024-11-29T13:54:43.171" v="1993" actId="1076"/>
           <ac:cxnSpMkLst>
@@ -2014,7 +2054,7 @@
           </ac:cxnSpMkLst>
         </pc:cxnChg>
         <pc:cxnChg chg="mod">
-          <ac:chgData name="ariadne fyrogeni" userId="f6540a3b75c6dbac" providerId="LiveId" clId="{46AFDC97-0FC2-49F7-A869-0D570CCE983D}" dt="2024-11-29T13:54:43.171" v="1993" actId="1076"/>
+          <ac:chgData name="ariadne fyrogeni" userId="f6540a3b75c6dbac" providerId="LiveId" clId="{46AFDC97-0FC2-49F7-A869-0D570CCE983D}" dt="2024-12-05T15:18:38.679" v="3784" actId="478"/>
           <ac:cxnSpMkLst>
             <pc:docMk/>
             <pc:sldMk cId="1629151935" sldId="272"/>
@@ -2230,7 +2270,7 @@
         </pc:picChg>
       </pc:sldChg>
       <pc:sldChg chg="addSp delSp modSp new mod modTransition">
-        <pc:chgData name="ariadne fyrogeni" userId="f6540a3b75c6dbac" providerId="LiveId" clId="{46AFDC97-0FC2-49F7-A869-0D570CCE983D}" dt="2024-12-04T22:52:03.877" v="3721" actId="14861"/>
+        <pc:chgData name="ariadne fyrogeni" userId="f6540a3b75c6dbac" providerId="LiveId" clId="{46AFDC97-0FC2-49F7-A869-0D570CCE983D}" dt="2024-12-05T15:39:56.498" v="3790" actId="14100"/>
         <pc:sldMkLst>
           <pc:docMk/>
           <pc:sldMk cId="1850646805" sldId="274"/>
@@ -2252,7 +2292,7 @@
           </ac:spMkLst>
         </pc:spChg>
         <pc:spChg chg="add mod">
-          <ac:chgData name="ariadne fyrogeni" userId="f6540a3b75c6dbac" providerId="LiveId" clId="{46AFDC97-0FC2-49F7-A869-0D570CCE983D}" dt="2024-12-04T22:00:10.260" v="2838" actId="14100"/>
+          <ac:chgData name="ariadne fyrogeni" userId="f6540a3b75c6dbac" providerId="LiveId" clId="{46AFDC97-0FC2-49F7-A869-0D570CCE983D}" dt="2024-12-05T15:39:56.498" v="3790" actId="14100"/>
           <ac:spMkLst>
             <pc:docMk/>
             <pc:sldMk cId="1850646805" sldId="274"/>
@@ -9601,96 +9641,6 @@
           <a:bodyPr/>
           <a:lstStyle/>
           <a:p>
-            <a:pPr marL="171450" indent="-171450">
-              <a:buFont typeface="Arial" panose="020B0604020202020204" pitchFamily="34" charset="0"/>
-              <a:buChar char="•"/>
-            </a:pPr>
-            <a:r>
-              <a:rPr lang="en-US" dirty="0"/>
-              <a:t>Accurate microclimate data in specific locations in the city -&gt; numerous environmental sensors</a:t>
-            </a:r>
-            <a:r>
-              <a:rPr lang="el-GR" dirty="0"/>
-              <a:t>, </a:t>
-            </a:r>
-            <a:r>
-              <a:rPr lang="en-US" dirty="0"/>
-              <a:t>sparsely located </a:t>
-            </a:r>
-          </a:p>
-          <a:p>
-            <a:pPr marL="171450" indent="-171450">
-              <a:buFont typeface="Arial" panose="020B0604020202020204" pitchFamily="34" charset="0"/>
-              <a:buChar char="•"/>
-            </a:pPr>
-            <a:r>
-              <a:rPr lang="en-US" dirty="0"/>
-              <a:t>Real-time data ingestion from sensors and APIs (reliable &amp; low latency communication) -&gt; LoRa Wide Area Network</a:t>
-            </a:r>
-          </a:p>
-          <a:p>
-            <a:pPr marL="171450" indent="-171450">
-              <a:buFont typeface="Arial" panose="020B0604020202020204" pitchFamily="34" charset="0"/>
-              <a:buChar char="•"/>
-            </a:pPr>
-            <a:r>
-              <a:rPr lang="en-US" dirty="0"/>
-              <a:t>Historical environmental and traffic data (not available by APIs) for finding systematically</a:t>
-            </a:r>
-            <a:r>
-              <a:rPr lang="el-GR" dirty="0"/>
-              <a:t> </a:t>
-            </a:r>
-            <a:r>
-              <a:rPr lang="en-US" dirty="0"/>
-              <a:t>observed deviations between regional weather data and microclimate data from sensors and correlation between circulation and microclimate -&gt; save in Data Bases (</a:t>
-            </a:r>
-            <a:r>
-              <a:rPr lang="en-US" dirty="0" err="1"/>
-              <a:t>InfluxDB</a:t>
-            </a:r>
-            <a:r>
-              <a:rPr lang="en-US" dirty="0"/>
-              <a:t>, SQLite3)</a:t>
-            </a:r>
-          </a:p>
-          <a:p>
-            <a:pPr marL="171450" indent="-171450">
-              <a:buFont typeface="Arial" panose="020B0604020202020204" pitchFamily="34" charset="0"/>
-              <a:buChar char="•"/>
-            </a:pPr>
-            <a:r>
-              <a:rPr lang="en-US" dirty="0"/>
-              <a:t>High availability of collected data and system future scalability -&gt; FIWARE [context broker</a:t>
-            </a:r>
-            <a:r>
-              <a:rPr lang="en-US" dirty="0">
-                <a:solidFill>
-                  <a:srgbClr val="474747"/>
-                </a:solidFill>
-                <a:latin typeface="Google Sans"/>
-              </a:rPr>
-              <a:t>: </a:t>
-            </a:r>
-            <a:r>
-              <a:rPr lang="en-US" b="0" i="0" dirty="0">
-                <a:solidFill>
-                  <a:srgbClr val="040C28"/>
-                </a:solidFill>
-                <a:effectLst/>
-                <a:latin typeface="Google Sans"/>
-              </a:rPr>
-              <a:t>enables the integration of data from multiple systems and supports organizations to display and understand their data</a:t>
-            </a:r>
-            <a:r>
-              <a:rPr lang="en-US" dirty="0"/>
-              <a:t>]</a:t>
-            </a:r>
-          </a:p>
-          <a:p>
-            <a:endParaRPr lang="en-US" dirty="0"/>
-          </a:p>
-          <a:p>
             <a:endParaRPr lang="el-GR" dirty="0"/>
           </a:p>
         </p:txBody>
@@ -9712,7 +9662,7 @@
           <a:p>
             <a:fld id="{D86BC4DA-5078-422E-B44D-798DC256EFE0}" type="slidenum">
               <a:rPr lang="el-GR" smtClean="0"/>
-              <a:t>3</a:t>
+              <a:t>1</a:t>
             </a:fld>
             <a:endParaRPr lang="el-GR"/>
           </a:p>
@@ -9721,7 +9671,7 @@
     </p:spTree>
     <p:extLst>
       <p:ext uri="{BB962C8B-B14F-4D97-AF65-F5344CB8AC3E}">
-        <p14:creationId xmlns:p14="http://schemas.microsoft.com/office/powerpoint/2010/main" val="1978871555"/>
+        <p14:creationId xmlns:p14="http://schemas.microsoft.com/office/powerpoint/2010/main" val="2866623986"/>
       </p:ext>
     </p:extLst>
   </p:cSld>
@@ -9775,167 +9725,102 @@
           <a:bodyPr/>
           <a:lstStyle/>
           <a:p>
-            <a:pPr>
-              <a:buFont typeface="+mj-lt"/>
-              <a:buAutoNum type="arabicPeriod"/>
+            <a:pPr marL="171450" indent="-171450">
+              <a:buFont typeface="Arial" panose="020B0604020202020204" pitchFamily="34" charset="0"/>
+              <a:buChar char="•"/>
             </a:pPr>
             <a:r>
-              <a:rPr lang="en-US" sz="2000" b="1" dirty="0"/>
-              <a:t>Data Input</a:t>
-            </a:r>
-            <a:r>
-              <a:rPr lang="en-US" sz="2000" dirty="0"/>
-              <a:t>:</a:t>
-            </a:r>
-          </a:p>
-          <a:p>
-            <a:pPr marL="742950" lvl="1" indent="-285750">
-              <a:buFont typeface="+mj-lt"/>
-              <a:buAutoNum type="arabicPeriod"/>
+              <a:rPr lang="en-US" dirty="0"/>
+              <a:t>Accurate microclimate data in specific locations in the city -&gt; numerous environmental sensors</a:t>
+            </a:r>
+            <a:r>
+              <a:rPr lang="el-GR" dirty="0"/>
+              <a:t>, </a:t>
+            </a:r>
+            <a:r>
+              <a:rPr lang="en-US" dirty="0"/>
+              <a:t>sparsely located </a:t>
+            </a:r>
+          </a:p>
+          <a:p>
+            <a:pPr marL="171450" indent="-171450">
+              <a:buFont typeface="Arial" panose="020B0604020202020204" pitchFamily="34" charset="0"/>
+              <a:buChar char="•"/>
             </a:pPr>
             <a:r>
-              <a:rPr lang="en-US" sz="1800" dirty="0"/>
-              <a:t>Sensors publish real-time data to the MQTT broker.</a:t>
-            </a:r>
-          </a:p>
-          <a:p>
-            <a:pPr marL="742950" lvl="1" indent="-285750">
-              <a:buFont typeface="+mj-lt"/>
-              <a:buAutoNum type="arabicPeriod"/>
+              <a:rPr lang="en-US" dirty="0"/>
+              <a:t>Real-time data ingestion from sensors and APIs (reliable &amp; low latency communication) -&gt; LoRa Wide Area Network (</a:t>
+            </a:r>
+            <a:r>
+              <a:rPr lang="el-GR" dirty="0"/>
+              <a:t>εκμαίευση δεδομένων</a:t>
+            </a:r>
+            <a:r>
+              <a:rPr lang="en-US" dirty="0"/>
+              <a:t>)</a:t>
+            </a:r>
+          </a:p>
+          <a:p>
+            <a:pPr marL="171450" indent="-171450">
+              <a:buFont typeface="Arial" panose="020B0604020202020204" pitchFamily="34" charset="0"/>
+              <a:buChar char="•"/>
             </a:pPr>
             <a:r>
-              <a:rPr lang="en-US" sz="1800" dirty="0"/>
-              <a:t>Weather and traffic APIs fetch complementary data.</a:t>
-            </a:r>
-          </a:p>
-          <a:p>
-            <a:pPr>
-              <a:buFont typeface="+mj-lt"/>
-              <a:buAutoNum type="arabicPeriod"/>
+              <a:rPr lang="en-US" dirty="0"/>
+              <a:t>Historical environmental and traffic data (not available by APIs) for finding systematically</a:t>
+            </a:r>
+            <a:r>
+              <a:rPr lang="el-GR" dirty="0"/>
+              <a:t> </a:t>
+            </a:r>
+            <a:r>
+              <a:rPr lang="en-US" dirty="0"/>
+              <a:t>observed deviations between regional weather data and microclimate data from sensors and correlation between circulation and microclimate -&gt; save in Data Bases (</a:t>
+            </a:r>
+            <a:r>
+              <a:rPr lang="en-US" dirty="0" err="1"/>
+              <a:t>InfluxDB</a:t>
+            </a:r>
+            <a:r>
+              <a:rPr lang="en-US" dirty="0"/>
+              <a:t>, SQLite3)</a:t>
+            </a:r>
+          </a:p>
+          <a:p>
+            <a:pPr marL="171450" indent="-171450">
+              <a:buFont typeface="Arial" panose="020B0604020202020204" pitchFamily="34" charset="0"/>
+              <a:buChar char="•"/>
             </a:pPr>
             <a:r>
-              <a:rPr lang="en-US" sz="2000" b="1" dirty="0"/>
-              <a:t>Data Processing</a:t>
-            </a:r>
-            <a:r>
-              <a:rPr lang="en-US" sz="2000" dirty="0"/>
-              <a:t>:</a:t>
-            </a:r>
-          </a:p>
-          <a:p>
-            <a:pPr marL="742950" lvl="1" indent="-285750">
-              <a:buFont typeface="+mj-lt"/>
-              <a:buAutoNum type="arabicPeriod"/>
-            </a:pPr>
-            <a:r>
-              <a:rPr lang="en-US" sz="1800" dirty="0"/>
-              <a:t>Subscriber processes MQTT messages and stores them in </a:t>
-            </a:r>
-            <a:r>
-              <a:rPr lang="en-US" sz="1800" dirty="0" err="1"/>
-              <a:t>InfluxDB</a:t>
-            </a:r>
-            <a:r>
-              <a:rPr lang="en-US" sz="1800" dirty="0"/>
-              <a:t>.</a:t>
-            </a:r>
-          </a:p>
-          <a:p>
-            <a:pPr marL="742950" lvl="1" indent="-285750">
-              <a:buFont typeface="+mj-lt"/>
-              <a:buAutoNum type="arabicPeriod"/>
-            </a:pPr>
-            <a:r>
-              <a:rPr lang="en-US" sz="1800" dirty="0"/>
-              <a:t>Data from APIs are stored in </a:t>
-            </a:r>
-            <a:r>
-              <a:rPr lang="en-US" sz="1800" dirty="0" err="1"/>
-              <a:t>InfluxDB</a:t>
-            </a:r>
-            <a:r>
-              <a:rPr lang="en-US" sz="1800" dirty="0"/>
-              <a:t> as well.</a:t>
-            </a:r>
-          </a:p>
-          <a:p>
-            <a:pPr>
-              <a:buFont typeface="+mj-lt"/>
-              <a:buAutoNum type="arabicPeriod"/>
-            </a:pPr>
-            <a:r>
-              <a:rPr lang="en-US" sz="2000" b="1" dirty="0"/>
-              <a:t>Data Analysis</a:t>
-            </a:r>
-            <a:r>
-              <a:rPr lang="en-US" sz="2000" dirty="0"/>
-              <a:t>:</a:t>
-            </a:r>
-            <a:endParaRPr lang="en-US" sz="1800" dirty="0"/>
-          </a:p>
-          <a:p>
-            <a:pPr marL="742950" lvl="1" indent="-285750">
-              <a:buFont typeface="+mj-lt"/>
-              <a:buAutoNum type="arabicPeriod"/>
-            </a:pPr>
-            <a:r>
-              <a:rPr lang="en-US" sz="1800" dirty="0"/>
-              <a:t>API data is localized by comparing it with sensor data.</a:t>
-            </a:r>
-          </a:p>
-          <a:p>
-            <a:pPr marL="742950" lvl="1" indent="-285750">
-              <a:buFont typeface="+mj-lt"/>
-              <a:buAutoNum type="arabicPeriod"/>
-            </a:pPr>
-            <a:r>
-              <a:rPr lang="en-US" sz="1800" dirty="0"/>
-              <a:t>Perform statistical analysis (e.g., correlation) using Python.</a:t>
-            </a:r>
-          </a:p>
-          <a:p>
-            <a:pPr>
-              <a:buFont typeface="+mj-lt"/>
-              <a:buAutoNum type="arabicPeriod"/>
-            </a:pPr>
-            <a:r>
-              <a:rPr lang="en-US" sz="2000" b="1" dirty="0"/>
-              <a:t>Data Output</a:t>
-            </a:r>
-            <a:r>
-              <a:rPr lang="en-US" sz="2000" dirty="0"/>
-              <a:t>:</a:t>
-            </a:r>
-          </a:p>
-          <a:p>
-            <a:pPr marL="742950" lvl="1" indent="-285750">
-              <a:buFont typeface="+mj-lt"/>
-              <a:buAutoNum type="arabicPeriod"/>
-            </a:pPr>
-            <a:r>
-              <a:rPr lang="en-US" sz="1800" dirty="0"/>
-              <a:t>Serve data to the web dashboard.</a:t>
-            </a:r>
-          </a:p>
-          <a:p>
-            <a:pPr marL="742950" lvl="1" indent="-285750">
-              <a:buFont typeface="+mj-lt"/>
-              <a:buAutoNum type="arabicPeriod"/>
-            </a:pPr>
-            <a:r>
-              <a:rPr lang="en-US" sz="1800" dirty="0"/>
-              <a:t>Visualize heatmaps and graphs.</a:t>
-            </a:r>
-          </a:p>
-          <a:p>
-            <a:pPr marL="742950" lvl="1" indent="-285750">
-              <a:buFont typeface="+mj-lt"/>
-              <a:buAutoNum type="arabicPeriod"/>
-            </a:pPr>
-            <a:r>
-              <a:rPr lang="en-US" sz="1800" dirty="0"/>
-              <a:t>Report warnings.</a:t>
-            </a:r>
+              <a:rPr lang="en-US" dirty="0"/>
+              <a:t>High availability of collected data and system future scalability -&gt; FIWARE [context broker</a:t>
+            </a:r>
+            <a:r>
+              <a:rPr lang="en-US" dirty="0">
+                <a:solidFill>
+                  <a:srgbClr val="474747"/>
+                </a:solidFill>
+                <a:latin typeface="Google Sans"/>
+              </a:rPr>
+              <a:t>: </a:t>
+            </a:r>
+            <a:r>
+              <a:rPr lang="en-US" b="0" i="0" dirty="0">
+                <a:solidFill>
+                  <a:srgbClr val="040C28"/>
+                </a:solidFill>
+                <a:effectLst/>
+                <a:latin typeface="Google Sans"/>
+              </a:rPr>
+              <a:t>enables the integration of data from multiple systems and supports organizations to display and understand their data</a:t>
+            </a:r>
+            <a:r>
+              <a:rPr lang="en-US" dirty="0"/>
+              <a:t>]</a:t>
+            </a:r>
+          </a:p>
+          <a:p>
+            <a:endParaRPr lang="en-US" dirty="0"/>
           </a:p>
           <a:p>
             <a:endParaRPr lang="el-GR" dirty="0"/>
@@ -9957,6 +9842,253 @@
           <a:bodyPr/>
           <a:lstStyle/>
           <a:p>
+            <a:fld id="{D86BC4DA-5078-422E-B44D-798DC256EFE0}" type="slidenum">
+              <a:rPr lang="el-GR" smtClean="0"/>
+              <a:t>3</a:t>
+            </a:fld>
+            <a:endParaRPr lang="el-GR"/>
+          </a:p>
+        </p:txBody>
+      </p:sp>
+    </p:spTree>
+    <p:extLst>
+      <p:ext uri="{BB962C8B-B14F-4D97-AF65-F5344CB8AC3E}">
+        <p14:creationId xmlns:p14="http://schemas.microsoft.com/office/powerpoint/2010/main" val="1978871555"/>
+      </p:ext>
+    </p:extLst>
+  </p:cSld>
+  <p:clrMapOvr>
+    <a:masterClrMapping/>
+  </p:clrMapOvr>
+</p:notes>
+</file>
+
+<file path=ppt/notesSlides/notesSlide3.xml><?xml version="1.0" encoding="utf-8"?>
+<p:notes xmlns:a="http://schemas.openxmlformats.org/drawingml/2006/main" xmlns:r="http://schemas.openxmlformats.org/officeDocument/2006/relationships" xmlns:p="http://schemas.openxmlformats.org/presentationml/2006/main">
+  <p:cSld>
+    <p:spTree>
+      <p:nvGrpSpPr>
+        <p:cNvPr id="1" name=""/>
+        <p:cNvGrpSpPr/>
+        <p:nvPr/>
+      </p:nvGrpSpPr>
+      <p:grpSpPr>
+        <a:xfrm>
+          <a:off x="0" y="0"/>
+          <a:ext cx="0" cy="0"/>
+          <a:chOff x="0" y="0"/>
+          <a:chExt cx="0" cy="0"/>
+        </a:xfrm>
+      </p:grpSpPr>
+      <p:sp>
+        <p:nvSpPr>
+          <p:cNvPr id="2" name="Θέση εικόνας διαφάνειας 1"/>
+          <p:cNvSpPr>
+            <a:spLocks noGrp="1" noRot="1" noChangeAspect="1"/>
+          </p:cNvSpPr>
+          <p:nvPr>
+            <p:ph type="sldImg"/>
+          </p:nvPr>
+        </p:nvSpPr>
+        <p:spPr/>
+      </p:sp>
+      <p:sp>
+        <p:nvSpPr>
+          <p:cNvPr id="3" name="Θέση σημειώσεων 2"/>
+          <p:cNvSpPr>
+            <a:spLocks noGrp="1"/>
+          </p:cNvSpPr>
+          <p:nvPr>
+            <p:ph type="body" idx="1"/>
+          </p:nvPr>
+        </p:nvSpPr>
+        <p:spPr/>
+        <p:txBody>
+          <a:bodyPr/>
+          <a:lstStyle/>
+          <a:p>
+            <a:pPr>
+              <a:buFont typeface="+mj-lt"/>
+              <a:buAutoNum type="arabicPeriod"/>
+            </a:pPr>
+            <a:r>
+              <a:rPr lang="en-US" sz="2000" b="1" dirty="0"/>
+              <a:t>Data Input</a:t>
+            </a:r>
+            <a:r>
+              <a:rPr lang="en-US" sz="2000" dirty="0"/>
+              <a:t>:</a:t>
+            </a:r>
+          </a:p>
+          <a:p>
+            <a:pPr marL="742950" lvl="1" indent="-285750">
+              <a:buFont typeface="+mj-lt"/>
+              <a:buAutoNum type="arabicPeriod"/>
+            </a:pPr>
+            <a:r>
+              <a:rPr lang="en-US" sz="1800" dirty="0"/>
+              <a:t>Sensors publish real-time data to the MQTT broker.</a:t>
+            </a:r>
+          </a:p>
+          <a:p>
+            <a:pPr marL="742950" lvl="1" indent="-285750">
+              <a:buFont typeface="+mj-lt"/>
+              <a:buAutoNum type="arabicPeriod"/>
+            </a:pPr>
+            <a:r>
+              <a:rPr lang="en-US" sz="1800" dirty="0"/>
+              <a:t>Weather and traffic APIs fetch complementary data.</a:t>
+            </a:r>
+          </a:p>
+          <a:p>
+            <a:pPr>
+              <a:buFont typeface="+mj-lt"/>
+              <a:buAutoNum type="arabicPeriod"/>
+            </a:pPr>
+            <a:r>
+              <a:rPr lang="en-US" sz="2000" b="1" dirty="0"/>
+              <a:t>Data Processing</a:t>
+            </a:r>
+            <a:r>
+              <a:rPr lang="en-US" sz="2000" dirty="0"/>
+              <a:t>:</a:t>
+            </a:r>
+          </a:p>
+          <a:p>
+            <a:pPr marL="742950" lvl="1" indent="-285750">
+              <a:buFont typeface="+mj-lt"/>
+              <a:buAutoNum type="arabicPeriod"/>
+            </a:pPr>
+            <a:r>
+              <a:rPr lang="en-US" sz="1800" dirty="0"/>
+              <a:t>Subscriber processes MQTT messages and stores them in </a:t>
+            </a:r>
+            <a:r>
+              <a:rPr lang="en-US" sz="1800" dirty="0" err="1"/>
+              <a:t>InfluxDB</a:t>
+            </a:r>
+            <a:r>
+              <a:rPr lang="en-US" sz="1800" dirty="0"/>
+              <a:t>.</a:t>
+            </a:r>
+          </a:p>
+          <a:p>
+            <a:pPr marL="742950" lvl="1" indent="-285750">
+              <a:buFont typeface="+mj-lt"/>
+              <a:buAutoNum type="arabicPeriod"/>
+            </a:pPr>
+            <a:r>
+              <a:rPr lang="en-US" sz="1800" dirty="0"/>
+              <a:t>Data from APIs are stored in </a:t>
+            </a:r>
+            <a:r>
+              <a:rPr lang="en-US" sz="1800" dirty="0" err="1"/>
+              <a:t>InfluxDB</a:t>
+            </a:r>
+            <a:r>
+              <a:rPr lang="en-US" sz="1800" dirty="0"/>
+              <a:t> as well.</a:t>
+            </a:r>
+          </a:p>
+          <a:p>
+            <a:pPr>
+              <a:buFont typeface="+mj-lt"/>
+              <a:buAutoNum type="arabicPeriod"/>
+            </a:pPr>
+            <a:r>
+              <a:rPr lang="en-US" sz="2000" b="1" dirty="0"/>
+              <a:t>Data Analysis</a:t>
+            </a:r>
+            <a:r>
+              <a:rPr lang="en-US" sz="2000" dirty="0"/>
+              <a:t>:</a:t>
+            </a:r>
+            <a:endParaRPr lang="en-US" sz="1800" dirty="0"/>
+          </a:p>
+          <a:p>
+            <a:pPr marL="742950" lvl="1" indent="-285750">
+              <a:buFont typeface="+mj-lt"/>
+              <a:buAutoNum type="arabicPeriod"/>
+            </a:pPr>
+            <a:r>
+              <a:rPr lang="en-US" sz="1800" dirty="0"/>
+              <a:t>API data is localized by comparing it with sensor data.</a:t>
+            </a:r>
+          </a:p>
+          <a:p>
+            <a:pPr marL="742950" lvl="1" indent="-285750">
+              <a:buFont typeface="+mj-lt"/>
+              <a:buAutoNum type="arabicPeriod"/>
+            </a:pPr>
+            <a:r>
+              <a:rPr lang="en-US" sz="1800" dirty="0"/>
+              <a:t>Perform statistical analysis (e.g., correlation) using Python.</a:t>
+            </a:r>
+          </a:p>
+          <a:p>
+            <a:pPr>
+              <a:buFont typeface="+mj-lt"/>
+              <a:buAutoNum type="arabicPeriod"/>
+            </a:pPr>
+            <a:r>
+              <a:rPr lang="en-US" sz="2000" b="1" dirty="0"/>
+              <a:t>Data Output</a:t>
+            </a:r>
+            <a:r>
+              <a:rPr lang="en-US" sz="2000" dirty="0"/>
+              <a:t>:</a:t>
+            </a:r>
+          </a:p>
+          <a:p>
+            <a:pPr marL="742950" lvl="1" indent="-285750">
+              <a:buFont typeface="+mj-lt"/>
+              <a:buAutoNum type="arabicPeriod"/>
+            </a:pPr>
+            <a:r>
+              <a:rPr lang="en-US" sz="1800" dirty="0"/>
+              <a:t>Serve data to the web dashboard.</a:t>
+            </a:r>
+          </a:p>
+          <a:p>
+            <a:pPr marL="742950" lvl="1" indent="-285750">
+              <a:buFont typeface="+mj-lt"/>
+              <a:buAutoNum type="arabicPeriod"/>
+            </a:pPr>
+            <a:r>
+              <a:rPr lang="en-US" sz="1800" dirty="0"/>
+              <a:t>Visualize heatmaps and graphs.</a:t>
+            </a:r>
+          </a:p>
+          <a:p>
+            <a:pPr marL="742950" lvl="1" indent="-285750">
+              <a:buFont typeface="+mj-lt"/>
+              <a:buAutoNum type="arabicPeriod"/>
+            </a:pPr>
+            <a:r>
+              <a:rPr lang="en-US" sz="1800" dirty="0"/>
+              <a:t>Report warnings.</a:t>
+            </a:r>
+          </a:p>
+          <a:p>
+            <a:endParaRPr lang="el-GR" dirty="0"/>
+          </a:p>
+        </p:txBody>
+      </p:sp>
+      <p:sp>
+        <p:nvSpPr>
+          <p:cNvPr id="4" name="Θέση αριθμού διαφάνειας 3"/>
+          <p:cNvSpPr>
+            <a:spLocks noGrp="1"/>
+          </p:cNvSpPr>
+          <p:nvPr>
+            <p:ph type="sldNum" sz="quarter" idx="5"/>
+          </p:nvPr>
+        </p:nvSpPr>
+        <p:spPr/>
+        <p:txBody>
+          <a:bodyPr/>
+          <a:lstStyle/>
+          <a:p>
             <a:fld id="{287BB591-2FC1-4598-A4BE-B005FD65F902}" type="slidenum">
               <a:rPr lang="el-GR" smtClean="0"/>
               <a:t>4</a:t>
@@ -9978,7 +10110,7 @@
 </p:notes>
 </file>
 
-<file path=ppt/notesSlides/notesSlide3.xml><?xml version="1.0" encoding="utf-8"?>
+<file path=ppt/notesSlides/notesSlide4.xml><?xml version="1.0" encoding="utf-8"?>
 <p:notes xmlns:a="http://schemas.openxmlformats.org/drawingml/2006/main" xmlns:r="http://schemas.openxmlformats.org/officeDocument/2006/relationships" xmlns:p="http://schemas.openxmlformats.org/presentationml/2006/main">
   <p:cSld>
     <p:spTree>
@@ -10249,7 +10381,7 @@
 </p:notes>
 </file>
 
-<file path=ppt/notesSlides/notesSlide4.xml><?xml version="1.0" encoding="utf-8"?>
+<file path=ppt/notesSlides/notesSlide5.xml><?xml version="1.0" encoding="utf-8"?>
 <p:notes xmlns:a="http://schemas.openxmlformats.org/drawingml/2006/main" xmlns:r="http://schemas.openxmlformats.org/officeDocument/2006/relationships" xmlns:p="http://schemas.openxmlformats.org/presentationml/2006/main">
   <p:cSld>
     <p:spTree>
@@ -10357,7 +10489,7 @@
 </p:notes>
 </file>
 
-<file path=ppt/notesSlides/notesSlide5.xml><?xml version="1.0" encoding="utf-8"?>
+<file path=ppt/notesSlides/notesSlide6.xml><?xml version="1.0" encoding="utf-8"?>
 <p:notes xmlns:a="http://schemas.openxmlformats.org/drawingml/2006/main" xmlns:r="http://schemas.openxmlformats.org/officeDocument/2006/relationships" xmlns:p="http://schemas.openxmlformats.org/presentationml/2006/main">
   <p:cSld>
     <p:spTree>
@@ -10401,6 +10533,26 @@
           <a:bodyPr/>
           <a:lstStyle/>
           <a:p>
+            <a:r>
+              <a:rPr lang="en-US" b="1" i="0" dirty="0">
+                <a:solidFill>
+                  <a:srgbClr val="000000"/>
+                </a:solidFill>
+                <a:effectLst/>
+                <a:latin typeface="Rubik"/>
+              </a:rPr>
+              <a:t>Pearson correlation,</a:t>
+            </a:r>
+            <a:r>
+              <a:rPr lang="en-US" b="0" i="0" dirty="0">
+                <a:solidFill>
+                  <a:srgbClr val="000000"/>
+                </a:solidFill>
+                <a:effectLst/>
+                <a:latin typeface="Rubik"/>
+              </a:rPr>
+              <a:t> also known as linear correlation, measures the linear relationship between two continuous variables. Pearson correlation is indicated by the value of the correlation coefficient r</a:t>
+            </a:r>
             <a:endParaRPr lang="el-GR" dirty="0"/>
           </a:p>
         </p:txBody>
@@ -10441,7 +10593,7 @@
 </p:notes>
 </file>
 
-<file path=ppt/notesSlides/notesSlide6.xml><?xml version="1.0" encoding="utf-8"?>
+<file path=ppt/notesSlides/notesSlide7.xml><?xml version="1.0" encoding="utf-8"?>
 <p:notes xmlns:a="http://schemas.openxmlformats.org/drawingml/2006/main" xmlns:r="http://schemas.openxmlformats.org/officeDocument/2006/relationships" xmlns:p="http://schemas.openxmlformats.org/presentationml/2006/main">
   <p:cSld>
     <p:spTree>
@@ -14242,11 +14394,11 @@
     <p:bg>
       <p:bgPr>
         <a:blipFill dpi="0" rotWithShape="1">
-          <a:blip r:embed="rId2">
+          <a:blip r:embed="rId3">
             <a:extLst>
               <a:ext uri="{BEBA8EAE-BF5A-486C-A8C5-ECC9F3942E4B}">
                 <a14:imgProps xmlns:a14="http://schemas.microsoft.com/office/drawing/2010/main">
-                  <a14:imgLayer r:embed="rId3">
+                  <a14:imgLayer r:embed="rId4">
                     <a14:imgEffect>
                       <a14:brightnessContrast bright="-40000" contrast="-10000"/>
                     </a14:imgEffect>
@@ -14672,8 +14824,8 @@
         </p:nvSpPr>
         <p:spPr>
           <a:xfrm>
-            <a:off x="5552159" y="5943600"/>
-            <a:ext cx="2879459" cy="314556"/>
+            <a:off x="5552159" y="5930265"/>
+            <a:ext cx="2879459" cy="196215"/>
           </a:xfrm>
           <a:prstGeom prst="roundRect">
             <a:avLst/>
@@ -16737,118 +16889,6 @@
           </a:p>
         </p:txBody>
       </p:sp>
-      <p:grpSp>
-        <p:nvGrpSpPr>
-          <p:cNvPr id="165" name="Ομάδα 164">
-            <a:extLst>
-              <a:ext uri="{FF2B5EF4-FFF2-40B4-BE49-F238E27FC236}">
-                <a16:creationId xmlns:a16="http://schemas.microsoft.com/office/drawing/2014/main" id="{A3E20B77-55F4-C2BC-C240-6E16ED6AE3DA}"/>
-              </a:ext>
-            </a:extLst>
-          </p:cNvPr>
-          <p:cNvGrpSpPr/>
-          <p:nvPr/>
-        </p:nvGrpSpPr>
-        <p:grpSpPr>
-          <a:xfrm>
-            <a:off x="10854454" y="3497156"/>
-            <a:ext cx="499346" cy="757864"/>
-            <a:chOff x="10854454" y="3497156"/>
-            <a:chExt cx="499346" cy="757864"/>
-          </a:xfrm>
-        </p:grpSpPr>
-        <p:cxnSp>
-          <p:nvCxnSpPr>
-            <p:cNvPr id="123" name="Ευθύγραμμο βέλος σύνδεσης 122">
-              <a:extLst>
-                <a:ext uri="{FF2B5EF4-FFF2-40B4-BE49-F238E27FC236}">
-                  <a16:creationId xmlns:a16="http://schemas.microsoft.com/office/drawing/2014/main" id="{4B5C6233-0141-7326-79B9-AC4513DE9D97}"/>
-                </a:ext>
-              </a:extLst>
-            </p:cNvPr>
-            <p:cNvCxnSpPr>
-              <a:cxnSpLocks/>
-            </p:cNvCxnSpPr>
-            <p:nvPr/>
-          </p:nvCxnSpPr>
-          <p:spPr>
-            <a:xfrm>
-              <a:off x="11353800" y="3497156"/>
-              <a:ext cx="0" cy="757864"/>
-            </a:xfrm>
-            <a:prstGeom prst="straightConnector1">
-              <a:avLst/>
-            </a:prstGeom>
-            <a:ln>
-              <a:solidFill>
-                <a:schemeClr val="bg1">
-                  <a:lumMod val="50000"/>
-                </a:schemeClr>
-              </a:solidFill>
-              <a:tailEnd type="triangle"/>
-            </a:ln>
-          </p:spPr>
-          <p:style>
-            <a:lnRef idx="2">
-              <a:schemeClr val="accent1"/>
-            </a:lnRef>
-            <a:fillRef idx="0">
-              <a:schemeClr val="accent1"/>
-            </a:fillRef>
-            <a:effectRef idx="1">
-              <a:schemeClr val="accent1"/>
-            </a:effectRef>
-            <a:fontRef idx="minor">
-              <a:schemeClr val="tx1"/>
-            </a:fontRef>
-          </p:style>
-        </p:cxnSp>
-        <p:cxnSp>
-          <p:nvCxnSpPr>
-            <p:cNvPr id="164" name="Ευθεία γραμμή σύνδεσης 163">
-              <a:extLst>
-                <a:ext uri="{FF2B5EF4-FFF2-40B4-BE49-F238E27FC236}">
-                  <a16:creationId xmlns:a16="http://schemas.microsoft.com/office/drawing/2014/main" id="{7FDD7A5E-7A47-DF7B-2EB4-4D007C3F4E0B}"/>
-                </a:ext>
-              </a:extLst>
-            </p:cNvPr>
-            <p:cNvCxnSpPr>
-              <a:stCxn id="121" idx="3"/>
-            </p:cNvCxnSpPr>
-            <p:nvPr/>
-          </p:nvCxnSpPr>
-          <p:spPr>
-            <a:xfrm>
-              <a:off x="10854454" y="3497156"/>
-              <a:ext cx="499346" cy="0"/>
-            </a:xfrm>
-            <a:prstGeom prst="line">
-              <a:avLst/>
-            </a:prstGeom>
-            <a:ln>
-              <a:solidFill>
-                <a:schemeClr val="bg1">
-                  <a:lumMod val="50000"/>
-                </a:schemeClr>
-              </a:solidFill>
-            </a:ln>
-          </p:spPr>
-          <p:style>
-            <a:lnRef idx="2">
-              <a:schemeClr val="accent1"/>
-            </a:lnRef>
-            <a:fillRef idx="0">
-              <a:schemeClr val="accent1"/>
-            </a:fillRef>
-            <a:effectRef idx="1">
-              <a:schemeClr val="accent1"/>
-            </a:effectRef>
-            <a:fontRef idx="minor">
-              <a:schemeClr val="tx1"/>
-            </a:fontRef>
-          </p:style>
-        </p:cxnSp>
-      </p:grpSp>
       <p:grpSp>
         <p:nvGrpSpPr>
           <p:cNvPr id="179" name="Ομάδα 178">
@@ -18821,6 +18861,53 @@
           </a:p>
         </p:txBody>
       </p:sp>
+      <p:cxnSp>
+        <p:nvCxnSpPr>
+          <p:cNvPr id="6" name="Γραμμή σύνδεσης: Γωνιώδης 5">
+            <a:extLst>
+              <a:ext uri="{FF2B5EF4-FFF2-40B4-BE49-F238E27FC236}">
+                <a16:creationId xmlns:a16="http://schemas.microsoft.com/office/drawing/2014/main" id="{20AF7DDE-BFCB-EDEB-D627-44394EF48239}"/>
+              </a:ext>
+            </a:extLst>
+          </p:cNvPr>
+          <p:cNvCxnSpPr>
+            <a:cxnSpLocks/>
+          </p:cNvCxnSpPr>
+          <p:nvPr/>
+        </p:nvCxnSpPr>
+        <p:spPr>
+          <a:xfrm>
+            <a:off x="10854454" y="3497156"/>
+            <a:ext cx="499346" cy="757864"/>
+          </a:xfrm>
+          <a:prstGeom prst="bentConnector2">
+            <a:avLst/>
+          </a:prstGeom>
+          <a:ln w="12700">
+            <a:solidFill>
+              <a:schemeClr val="bg1">
+                <a:lumMod val="50000"/>
+              </a:schemeClr>
+            </a:solidFill>
+            <a:headEnd type="triangle"/>
+            <a:tailEnd type="triangle"/>
+          </a:ln>
+        </p:spPr>
+        <p:style>
+          <a:lnRef idx="1">
+            <a:schemeClr val="accent1"/>
+          </a:lnRef>
+          <a:fillRef idx="0">
+            <a:schemeClr val="accent1"/>
+          </a:fillRef>
+          <a:effectRef idx="0">
+            <a:schemeClr val="accent1"/>
+          </a:effectRef>
+          <a:fontRef idx="minor">
+            <a:schemeClr val="tx1"/>
+          </a:fontRef>
+        </p:style>
+      </p:cxnSp>
     </p:spTree>
     <p:extLst>
       <p:ext uri="{BB962C8B-B14F-4D97-AF65-F5344CB8AC3E}">
@@ -19723,118 +19810,6 @@
           </a:p>
         </p:txBody>
       </p:sp>
-      <p:grpSp>
-        <p:nvGrpSpPr>
-          <p:cNvPr id="165" name="Ομάδα 164">
-            <a:extLst>
-              <a:ext uri="{FF2B5EF4-FFF2-40B4-BE49-F238E27FC236}">
-                <a16:creationId xmlns:a16="http://schemas.microsoft.com/office/drawing/2014/main" id="{5540D585-8FBC-620F-928B-E402B41A8591}"/>
-              </a:ext>
-            </a:extLst>
-          </p:cNvPr>
-          <p:cNvGrpSpPr/>
-          <p:nvPr/>
-        </p:nvGrpSpPr>
-        <p:grpSpPr>
-          <a:xfrm>
-            <a:off x="10854454" y="3497156"/>
-            <a:ext cx="499346" cy="757864"/>
-            <a:chOff x="10854454" y="3497156"/>
-            <a:chExt cx="499346" cy="757864"/>
-          </a:xfrm>
-        </p:grpSpPr>
-        <p:cxnSp>
-          <p:nvCxnSpPr>
-            <p:cNvPr id="123" name="Ευθύγραμμο βέλος σύνδεσης 122">
-              <a:extLst>
-                <a:ext uri="{FF2B5EF4-FFF2-40B4-BE49-F238E27FC236}">
-                  <a16:creationId xmlns:a16="http://schemas.microsoft.com/office/drawing/2014/main" id="{A096F72C-4409-6890-1795-7990F4356D82}"/>
-                </a:ext>
-              </a:extLst>
-            </p:cNvPr>
-            <p:cNvCxnSpPr>
-              <a:cxnSpLocks/>
-            </p:cNvCxnSpPr>
-            <p:nvPr/>
-          </p:nvCxnSpPr>
-          <p:spPr>
-            <a:xfrm>
-              <a:off x="11353800" y="3497156"/>
-              <a:ext cx="0" cy="757864"/>
-            </a:xfrm>
-            <a:prstGeom prst="straightConnector1">
-              <a:avLst/>
-            </a:prstGeom>
-            <a:ln>
-              <a:solidFill>
-                <a:schemeClr val="bg1">
-                  <a:lumMod val="50000"/>
-                </a:schemeClr>
-              </a:solidFill>
-              <a:tailEnd type="triangle"/>
-            </a:ln>
-          </p:spPr>
-          <p:style>
-            <a:lnRef idx="2">
-              <a:schemeClr val="accent1"/>
-            </a:lnRef>
-            <a:fillRef idx="0">
-              <a:schemeClr val="accent1"/>
-            </a:fillRef>
-            <a:effectRef idx="1">
-              <a:schemeClr val="accent1"/>
-            </a:effectRef>
-            <a:fontRef idx="minor">
-              <a:schemeClr val="tx1"/>
-            </a:fontRef>
-          </p:style>
-        </p:cxnSp>
-        <p:cxnSp>
-          <p:nvCxnSpPr>
-            <p:cNvPr id="164" name="Ευθεία γραμμή σύνδεσης 163">
-              <a:extLst>
-                <a:ext uri="{FF2B5EF4-FFF2-40B4-BE49-F238E27FC236}">
-                  <a16:creationId xmlns:a16="http://schemas.microsoft.com/office/drawing/2014/main" id="{B9147962-422B-1FBE-8244-4CCCFD69CEE7}"/>
-                </a:ext>
-              </a:extLst>
-            </p:cNvPr>
-            <p:cNvCxnSpPr>
-              <a:stCxn id="121" idx="3"/>
-            </p:cNvCxnSpPr>
-            <p:nvPr/>
-          </p:nvCxnSpPr>
-          <p:spPr>
-            <a:xfrm>
-              <a:off x="10854454" y="3497156"/>
-              <a:ext cx="499346" cy="0"/>
-            </a:xfrm>
-            <a:prstGeom prst="line">
-              <a:avLst/>
-            </a:prstGeom>
-            <a:ln>
-              <a:solidFill>
-                <a:schemeClr val="bg1">
-                  <a:lumMod val="50000"/>
-                </a:schemeClr>
-              </a:solidFill>
-            </a:ln>
-          </p:spPr>
-          <p:style>
-            <a:lnRef idx="2">
-              <a:schemeClr val="accent1"/>
-            </a:lnRef>
-            <a:fillRef idx="0">
-              <a:schemeClr val="accent1"/>
-            </a:fillRef>
-            <a:effectRef idx="1">
-              <a:schemeClr val="accent1"/>
-            </a:effectRef>
-            <a:fontRef idx="minor">
-              <a:schemeClr val="tx1"/>
-            </a:fontRef>
-          </p:style>
-        </p:cxnSp>
-      </p:grpSp>
       <p:sp>
         <p:nvSpPr>
           <p:cNvPr id="197" name="TextBox 196">
@@ -21417,6 +21392,53 @@
           </a:p>
         </p:txBody>
       </p:sp>
+      <p:cxnSp>
+        <p:nvCxnSpPr>
+          <p:cNvPr id="2" name="Γραμμή σύνδεσης: Γωνιώδης 1">
+            <a:extLst>
+              <a:ext uri="{FF2B5EF4-FFF2-40B4-BE49-F238E27FC236}">
+                <a16:creationId xmlns:a16="http://schemas.microsoft.com/office/drawing/2014/main" id="{63673655-37E0-2630-6C7F-11A2552B218D}"/>
+              </a:ext>
+            </a:extLst>
+          </p:cNvPr>
+          <p:cNvCxnSpPr>
+            <a:cxnSpLocks/>
+          </p:cNvCxnSpPr>
+          <p:nvPr/>
+        </p:nvCxnSpPr>
+        <p:spPr>
+          <a:xfrm>
+            <a:off x="10854454" y="3499392"/>
+            <a:ext cx="499346" cy="757864"/>
+          </a:xfrm>
+          <a:prstGeom prst="bentConnector2">
+            <a:avLst/>
+          </a:prstGeom>
+          <a:ln w="12700">
+            <a:solidFill>
+              <a:schemeClr val="bg1">
+                <a:lumMod val="50000"/>
+              </a:schemeClr>
+            </a:solidFill>
+            <a:headEnd type="triangle"/>
+            <a:tailEnd type="triangle"/>
+          </a:ln>
+        </p:spPr>
+        <p:style>
+          <a:lnRef idx="1">
+            <a:schemeClr val="accent1"/>
+          </a:lnRef>
+          <a:fillRef idx="0">
+            <a:schemeClr val="accent1"/>
+          </a:fillRef>
+          <a:effectRef idx="0">
+            <a:schemeClr val="accent1"/>
+          </a:effectRef>
+          <a:fontRef idx="minor">
+            <a:schemeClr val="tx1"/>
+          </a:fontRef>
+        </p:style>
+      </p:cxnSp>
     </p:spTree>
     <p:extLst>
       <p:ext uri="{BB962C8B-B14F-4D97-AF65-F5344CB8AC3E}">
